--- a/iron/vortex.pptx
+++ b/iron/vortex.pptx
@@ -104,6 +104,11 @@
       </a:defRPr>
     </a:lvl9pPr>
   </p:defaultTextStyle>
+  <p:extLst>
+    <p:ext uri="{EFAFB233-063F-42B5-8137-9DF3F51BA10A}">
+      <p15:sldGuideLst xmlns:p15="http://schemas.microsoft.com/office/powerpoint/2012/main"/>
+    </p:ext>
+  </p:extLst>
 </p:presentation>
 </file>
 
@@ -3579,6 +3584,334 @@
           </a:p>
         </p:txBody>
       </p:sp>
+      <p:cxnSp>
+        <p:nvCxnSpPr>
+          <p:cNvPr id="8" name="直接箭头连接符 7">
+            <a:extLst>
+              <a:ext uri="{FF2B5EF4-FFF2-40B4-BE49-F238E27FC236}">
+                <a16:creationId xmlns:a16="http://schemas.microsoft.com/office/drawing/2014/main" id="{66FCAF96-6C29-4507-AAF0-932497B1937B}"/>
+              </a:ext>
+            </a:extLst>
+          </p:cNvPr>
+          <p:cNvCxnSpPr>
+            <a:cxnSpLocks/>
+          </p:cNvCxnSpPr>
+          <p:nvPr/>
+        </p:nvCxnSpPr>
+        <p:spPr>
+          <a:xfrm flipV="1">
+            <a:off x="7571873" y="2606843"/>
+            <a:ext cx="0" cy="605589"/>
+          </a:xfrm>
+          <a:prstGeom prst="straightConnector1">
+            <a:avLst/>
+          </a:prstGeom>
+          <a:ln>
+            <a:tailEnd type="triangle"/>
+          </a:ln>
+        </p:spPr>
+        <p:style>
+          <a:lnRef idx="1">
+            <a:schemeClr val="accent1"/>
+          </a:lnRef>
+          <a:fillRef idx="0">
+            <a:schemeClr val="accent1"/>
+          </a:fillRef>
+          <a:effectRef idx="0">
+            <a:schemeClr val="accent1"/>
+          </a:effectRef>
+          <a:fontRef idx="minor">
+            <a:schemeClr val="tx1"/>
+          </a:fontRef>
+        </p:style>
+      </p:cxnSp>
+      <p:cxnSp>
+        <p:nvCxnSpPr>
+          <p:cNvPr id="9" name="直接箭头连接符 8">
+            <a:extLst>
+              <a:ext uri="{FF2B5EF4-FFF2-40B4-BE49-F238E27FC236}">
+                <a16:creationId xmlns:a16="http://schemas.microsoft.com/office/drawing/2014/main" id="{9D19FF3D-ACBD-439D-8C10-E931E1C79070}"/>
+              </a:ext>
+            </a:extLst>
+          </p:cNvPr>
+          <p:cNvCxnSpPr>
+            <a:cxnSpLocks/>
+          </p:cNvCxnSpPr>
+          <p:nvPr/>
+        </p:nvCxnSpPr>
+        <p:spPr>
+          <a:xfrm flipH="1" flipV="1">
+            <a:off x="6789820" y="2606843"/>
+            <a:ext cx="561472" cy="1"/>
+          </a:xfrm>
+          <a:prstGeom prst="straightConnector1">
+            <a:avLst/>
+          </a:prstGeom>
+          <a:ln>
+            <a:tailEnd type="triangle"/>
+          </a:ln>
+        </p:spPr>
+        <p:style>
+          <a:lnRef idx="1">
+            <a:schemeClr val="accent1"/>
+          </a:lnRef>
+          <a:fillRef idx="0">
+            <a:schemeClr val="accent1"/>
+          </a:fillRef>
+          <a:effectRef idx="0">
+            <a:schemeClr val="accent1"/>
+          </a:effectRef>
+          <a:fontRef idx="minor">
+            <a:schemeClr val="tx1"/>
+          </a:fontRef>
+        </p:style>
+      </p:cxnSp>
+      <p:cxnSp>
+        <p:nvCxnSpPr>
+          <p:cNvPr id="15" name="直接箭头连接符 14">
+            <a:extLst>
+              <a:ext uri="{FF2B5EF4-FFF2-40B4-BE49-F238E27FC236}">
+                <a16:creationId xmlns:a16="http://schemas.microsoft.com/office/drawing/2014/main" id="{4101E10A-D40E-4A69-B417-8137A8BB972A}"/>
+              </a:ext>
+            </a:extLst>
+          </p:cNvPr>
+          <p:cNvCxnSpPr>
+            <a:cxnSpLocks/>
+          </p:cNvCxnSpPr>
+          <p:nvPr/>
+        </p:nvCxnSpPr>
+        <p:spPr>
+          <a:xfrm>
+            <a:off x="6785809" y="2366210"/>
+            <a:ext cx="0" cy="535405"/>
+          </a:xfrm>
+          <a:prstGeom prst="straightConnector1">
+            <a:avLst/>
+          </a:prstGeom>
+          <a:ln>
+            <a:tailEnd type="triangle"/>
+          </a:ln>
+        </p:spPr>
+        <p:style>
+          <a:lnRef idx="1">
+            <a:schemeClr val="accent1"/>
+          </a:lnRef>
+          <a:fillRef idx="0">
+            <a:schemeClr val="accent1"/>
+          </a:fillRef>
+          <a:effectRef idx="0">
+            <a:schemeClr val="accent1"/>
+          </a:effectRef>
+          <a:fontRef idx="minor">
+            <a:schemeClr val="tx1"/>
+          </a:fontRef>
+        </p:style>
+      </p:cxnSp>
+      <p:cxnSp>
+        <p:nvCxnSpPr>
+          <p:cNvPr id="16" name="直接箭头连接符 15">
+            <a:extLst>
+              <a:ext uri="{FF2B5EF4-FFF2-40B4-BE49-F238E27FC236}">
+                <a16:creationId xmlns:a16="http://schemas.microsoft.com/office/drawing/2014/main" id="{0C42C1EF-777F-4CEC-B8BE-C799D7434BEE}"/>
+              </a:ext>
+            </a:extLst>
+          </p:cNvPr>
+          <p:cNvCxnSpPr>
+            <a:cxnSpLocks/>
+          </p:cNvCxnSpPr>
+          <p:nvPr/>
+        </p:nvCxnSpPr>
+        <p:spPr>
+          <a:xfrm>
+            <a:off x="6234363" y="2585786"/>
+            <a:ext cx="553452" cy="29079"/>
+          </a:xfrm>
+          <a:prstGeom prst="straightConnector1">
+            <a:avLst/>
+          </a:prstGeom>
+          <a:ln>
+            <a:tailEnd type="triangle"/>
+          </a:ln>
+        </p:spPr>
+        <p:style>
+          <a:lnRef idx="1">
+            <a:schemeClr val="accent1"/>
+          </a:lnRef>
+          <a:fillRef idx="0">
+            <a:schemeClr val="accent1"/>
+          </a:fillRef>
+          <a:effectRef idx="0">
+            <a:schemeClr val="accent1"/>
+          </a:effectRef>
+          <a:fontRef idx="minor">
+            <a:schemeClr val="tx1"/>
+          </a:fontRef>
+        </p:style>
+      </p:cxnSp>
+      <p:cxnSp>
+        <p:nvCxnSpPr>
+          <p:cNvPr id="17" name="直接箭头连接符 16">
+            <a:extLst>
+              <a:ext uri="{FF2B5EF4-FFF2-40B4-BE49-F238E27FC236}">
+                <a16:creationId xmlns:a16="http://schemas.microsoft.com/office/drawing/2014/main" id="{0DEAABE6-FE66-4811-BF8E-47E2C7DC3220}"/>
+              </a:ext>
+            </a:extLst>
+          </p:cNvPr>
+          <p:cNvCxnSpPr>
+            <a:cxnSpLocks/>
+          </p:cNvCxnSpPr>
+          <p:nvPr/>
+        </p:nvCxnSpPr>
+        <p:spPr>
+          <a:xfrm flipV="1">
+            <a:off x="6007768" y="2659732"/>
+            <a:ext cx="0" cy="499810"/>
+          </a:xfrm>
+          <a:prstGeom prst="straightConnector1">
+            <a:avLst/>
+          </a:prstGeom>
+          <a:ln>
+            <a:tailEnd type="triangle"/>
+          </a:ln>
+        </p:spPr>
+        <p:style>
+          <a:lnRef idx="1">
+            <a:schemeClr val="accent1"/>
+          </a:lnRef>
+          <a:fillRef idx="0">
+            <a:schemeClr val="accent1"/>
+          </a:fillRef>
+          <a:effectRef idx="0">
+            <a:schemeClr val="accent1"/>
+          </a:effectRef>
+          <a:fontRef idx="minor">
+            <a:schemeClr val="tx1"/>
+          </a:fontRef>
+        </p:style>
+      </p:cxnSp>
+      <p:cxnSp>
+        <p:nvCxnSpPr>
+          <p:cNvPr id="19" name="直接箭头连接符 18">
+            <a:extLst>
+              <a:ext uri="{FF2B5EF4-FFF2-40B4-BE49-F238E27FC236}">
+                <a16:creationId xmlns:a16="http://schemas.microsoft.com/office/drawing/2014/main" id="{DD003972-6AB3-4576-9694-DA6A95FE687A}"/>
+              </a:ext>
+            </a:extLst>
+          </p:cNvPr>
+          <p:cNvCxnSpPr>
+            <a:cxnSpLocks/>
+          </p:cNvCxnSpPr>
+          <p:nvPr/>
+        </p:nvCxnSpPr>
+        <p:spPr>
+          <a:xfrm>
+            <a:off x="6785809" y="3930315"/>
+            <a:ext cx="0" cy="585538"/>
+          </a:xfrm>
+          <a:prstGeom prst="straightConnector1">
+            <a:avLst/>
+          </a:prstGeom>
+          <a:ln>
+            <a:tailEnd type="triangle"/>
+          </a:ln>
+        </p:spPr>
+        <p:style>
+          <a:lnRef idx="1">
+            <a:schemeClr val="accent1"/>
+          </a:lnRef>
+          <a:fillRef idx="0">
+            <a:schemeClr val="accent1"/>
+          </a:fillRef>
+          <a:effectRef idx="0">
+            <a:schemeClr val="accent1"/>
+          </a:effectRef>
+          <a:fontRef idx="minor">
+            <a:schemeClr val="tx1"/>
+          </a:fontRef>
+        </p:style>
+      </p:cxnSp>
+      <p:cxnSp>
+        <p:nvCxnSpPr>
+          <p:cNvPr id="22" name="直接箭头连接符 21">
+            <a:extLst>
+              <a:ext uri="{FF2B5EF4-FFF2-40B4-BE49-F238E27FC236}">
+                <a16:creationId xmlns:a16="http://schemas.microsoft.com/office/drawing/2014/main" id="{D9FA6037-D2ED-4C6E-A855-D45B67D3C8BD}"/>
+              </a:ext>
+            </a:extLst>
+          </p:cNvPr>
+          <p:cNvCxnSpPr>
+            <a:cxnSpLocks/>
+          </p:cNvCxnSpPr>
+          <p:nvPr/>
+        </p:nvCxnSpPr>
+        <p:spPr>
+          <a:xfrm flipH="1">
+            <a:off x="5670884" y="3627520"/>
+            <a:ext cx="505327" cy="12784"/>
+          </a:xfrm>
+          <a:prstGeom prst="straightConnector1">
+            <a:avLst/>
+          </a:prstGeom>
+          <a:ln>
+            <a:tailEnd type="triangle"/>
+          </a:ln>
+        </p:spPr>
+        <p:style>
+          <a:lnRef idx="1">
+            <a:schemeClr val="accent1"/>
+          </a:lnRef>
+          <a:fillRef idx="0">
+            <a:schemeClr val="accent1"/>
+          </a:fillRef>
+          <a:effectRef idx="0">
+            <a:schemeClr val="accent1"/>
+          </a:effectRef>
+          <a:fontRef idx="minor">
+            <a:schemeClr val="tx1"/>
+          </a:fontRef>
+        </p:style>
+      </p:cxnSp>
+      <p:cxnSp>
+        <p:nvCxnSpPr>
+          <p:cNvPr id="24" name="直接箭头连接符 23">
+            <a:extLst>
+              <a:ext uri="{FF2B5EF4-FFF2-40B4-BE49-F238E27FC236}">
+                <a16:creationId xmlns:a16="http://schemas.microsoft.com/office/drawing/2014/main" id="{29B662E9-A366-4AFE-AEF0-C44667BDDA6E}"/>
+              </a:ext>
+            </a:extLst>
+          </p:cNvPr>
+          <p:cNvCxnSpPr>
+            <a:cxnSpLocks/>
+          </p:cNvCxnSpPr>
+          <p:nvPr/>
+        </p:nvCxnSpPr>
+        <p:spPr>
+          <a:xfrm>
+            <a:off x="7351292" y="3640304"/>
+            <a:ext cx="517361" cy="0"/>
+          </a:xfrm>
+          <a:prstGeom prst="straightConnector1">
+            <a:avLst/>
+          </a:prstGeom>
+          <a:ln>
+            <a:tailEnd type="triangle"/>
+          </a:ln>
+        </p:spPr>
+        <p:style>
+          <a:lnRef idx="1">
+            <a:schemeClr val="accent1"/>
+          </a:lnRef>
+          <a:fillRef idx="0">
+            <a:schemeClr val="accent1"/>
+          </a:fillRef>
+          <a:effectRef idx="0">
+            <a:schemeClr val="accent1"/>
+          </a:effectRef>
+          <a:fontRef idx="minor">
+            <a:schemeClr val="tx1"/>
+          </a:fontRef>
+        </p:style>
+      </p:cxnSp>
     </p:spTree>
     <p:extLst>
       <p:ext uri="{BB962C8B-B14F-4D97-AF65-F5344CB8AC3E}">

--- a/iron/vortex.pptx
+++ b/iron/vortex.pptx
@@ -5,7 +5,7 @@
     <p:sldMasterId id="2147483648" r:id="rId1"/>
   </p:sldMasterIdLst>
   <p:sldIdLst>
-    <p:sldId id="256" r:id="rId2"/>
+    <p:sldId id="257" r:id="rId2"/>
   </p:sldIdLst>
   <p:sldSz cx="12192000" cy="6858000"/>
   <p:notesSz cx="6858000" cy="9144000"/>
@@ -105,6 +105,15 @@
     </a:lvl9pPr>
   </p:defaultTextStyle>
   <p:extLst>
+    <p:ext uri="{521415D9-36F7-43E2-AB2F-B90AF26B5E84}">
+      <p14:sectionLst xmlns:p14="http://schemas.microsoft.com/office/powerpoint/2010/main">
+        <p14:section name="默认节" id="{EAC5D1A9-FBE6-4D48-87E0-B57D135D21EC}">
+          <p14:sldIdLst>
+            <p14:sldId id="257"/>
+          </p14:sldIdLst>
+        </p14:section>
+      </p14:sectionLst>
+    </p:ext>
     <p:ext uri="{EFAFB233-063F-42B5-8137-9DF3F51BA10A}">
       <p15:sldGuideLst xmlns:p15="http://schemas.microsoft.com/office/powerpoint/2012/main"/>
     </p:ext>
@@ -3326,12 +3335,48 @@
           <a:chExt cx="0" cy="0"/>
         </a:xfrm>
       </p:grpSpPr>
-      <p:sp>
-        <p:nvSpPr>
-          <p:cNvPr id="4" name="椭圆 3">
-            <a:extLst>
-              <a:ext uri="{FF2B5EF4-FFF2-40B4-BE49-F238E27FC236}">
-                <a16:creationId xmlns:a16="http://schemas.microsoft.com/office/drawing/2014/main" id="{73245B79-BCD9-4157-9F08-4ED5D93A5C92}"/>
+      <p:pic>
+        <p:nvPicPr>
+          <p:cNvPr id="5" name="图片 4">
+            <a:extLst>
+              <a:ext uri="{FF2B5EF4-FFF2-40B4-BE49-F238E27FC236}">
+                <a16:creationId xmlns:a16="http://schemas.microsoft.com/office/drawing/2014/main" id="{F418FFF4-AB01-46C1-A0A0-69B81B13472C}"/>
+              </a:ext>
+            </a:extLst>
+          </p:cNvPr>
+          <p:cNvPicPr>
+            <a:picLocks noChangeAspect="1"/>
+          </p:cNvPicPr>
+          <p:nvPr/>
+        </p:nvPicPr>
+        <p:blipFill>
+          <a:blip r:embed="rId2">
+            <a:extLst>
+              <a:ext uri="{28A0092B-C50C-407E-A947-70E740481C1C}">
+                <a14:useLocalDpi xmlns:a14="http://schemas.microsoft.com/office/drawing/2010/main" val="0"/>
+              </a:ext>
+            </a:extLst>
+          </a:blip>
+          <a:stretch>
+            <a:fillRect/>
+          </a:stretch>
+        </p:blipFill>
+        <p:spPr>
+          <a:xfrm>
+            <a:off x="2750820" y="1528010"/>
+            <a:ext cx="2981741" cy="2171701"/>
+          </a:xfrm>
+          <a:prstGeom prst="rect">
+            <a:avLst/>
+          </a:prstGeom>
+        </p:spPr>
+      </p:pic>
+      <p:sp>
+        <p:nvSpPr>
+          <p:cNvPr id="6" name="矩形 5">
+            <a:extLst>
+              <a:ext uri="{FF2B5EF4-FFF2-40B4-BE49-F238E27FC236}">
+                <a16:creationId xmlns:a16="http://schemas.microsoft.com/office/drawing/2014/main" id="{F1E0B4B3-73FE-4008-8F91-0A2F09850F74}"/>
               </a:ext>
             </a:extLst>
           </p:cNvPr>
@@ -3340,13 +3385,20 @@
         </p:nvSpPr>
         <p:spPr>
           <a:xfrm>
-            <a:off x="3970420" y="2366210"/>
-            <a:ext cx="1564105" cy="1564105"/>
+            <a:off x="2750820" y="2460458"/>
+            <a:ext cx="94648" cy="180474"/>
           </a:xfrm>
-          <a:prstGeom prst="ellipse">
+          <a:prstGeom prst="rect">
             <a:avLst/>
           </a:prstGeom>
-          <a:noFill/>
+          <a:solidFill>
+            <a:schemeClr val="bg1"/>
+          </a:solidFill>
+          <a:ln>
+            <a:solidFill>
+              <a:schemeClr val="bg1"/>
+            </a:solidFill>
+          </a:ln>
         </p:spPr>
         <p:style>
           <a:lnRef idx="2">
@@ -3373,12 +3425,327 @@
           </a:p>
         </p:txBody>
       </p:sp>
+      <p:sp>
+        <p:nvSpPr>
+          <p:cNvPr id="7" name="矩形 6">
+            <a:extLst>
+              <a:ext uri="{FF2B5EF4-FFF2-40B4-BE49-F238E27FC236}">
+                <a16:creationId xmlns:a16="http://schemas.microsoft.com/office/drawing/2014/main" id="{B07EFE5D-E5EE-4DDF-A157-195774C87E8F}"/>
+              </a:ext>
+            </a:extLst>
+          </p:cNvPr>
+          <p:cNvSpPr/>
+          <p:nvPr/>
+        </p:nvSpPr>
+        <p:spPr>
+          <a:xfrm>
+            <a:off x="4292867" y="3609474"/>
+            <a:ext cx="94648" cy="180474"/>
+          </a:xfrm>
+          <a:prstGeom prst="rect">
+            <a:avLst/>
+          </a:prstGeom>
+          <a:solidFill>
+            <a:schemeClr val="bg1"/>
+          </a:solidFill>
+          <a:ln>
+            <a:solidFill>
+              <a:schemeClr val="bg1"/>
+            </a:solidFill>
+          </a:ln>
+        </p:spPr>
+        <p:style>
+          <a:lnRef idx="2">
+            <a:schemeClr val="accent1">
+              <a:shade val="50000"/>
+            </a:schemeClr>
+          </a:lnRef>
+          <a:fillRef idx="1">
+            <a:schemeClr val="accent1"/>
+          </a:fillRef>
+          <a:effectRef idx="0">
+            <a:schemeClr val="accent1"/>
+          </a:effectRef>
+          <a:fontRef idx="minor">
+            <a:schemeClr val="lt1"/>
+          </a:fontRef>
+        </p:style>
+        <p:txBody>
+          <a:bodyPr rtlCol="0" anchor="ctr"/>
+          <a:lstStyle/>
+          <a:p>
+            <a:pPr algn="ctr"/>
+            <a:endParaRPr lang="zh-CN" altLang="en-US"/>
+          </a:p>
+        </p:txBody>
+      </p:sp>
+      <mc:AlternateContent xmlns:mc="http://schemas.openxmlformats.org/markup-compatibility/2006">
+        <mc:Choice xmlns:a14="http://schemas.microsoft.com/office/drawing/2010/main" Requires="a14">
+          <p:sp>
+            <p:nvSpPr>
+              <p:cNvPr id="8" name="文本框 7">
+                <a:extLst>
+                  <a:ext uri="{FF2B5EF4-FFF2-40B4-BE49-F238E27FC236}">
+                    <a16:creationId xmlns:a16="http://schemas.microsoft.com/office/drawing/2014/main" id="{C9FAA5DF-CB54-4F1F-8656-D5D59F102A77}"/>
+                  </a:ext>
+                </a:extLst>
+              </p:cNvPr>
+              <p:cNvSpPr txBox="1"/>
+              <p:nvPr/>
+            </p:nvSpPr>
+            <p:spPr>
+              <a:xfrm rot="16200000">
+                <a:off x="2477102" y="2412195"/>
+                <a:ext cx="547436" cy="276999"/>
+              </a:xfrm>
+              <a:prstGeom prst="rect">
+                <a:avLst/>
+              </a:prstGeom>
+              <a:noFill/>
+            </p:spPr>
+            <p:txBody>
+              <a:bodyPr wrap="square" rtlCol="0">
+                <a:spAutoFit/>
+              </a:bodyPr>
+              <a:lstStyle/>
+              <a:p>
+                <a14:m>
+                  <m:oMathPara xmlns:m="http://schemas.openxmlformats.org/officeDocument/2006/math">
+                    <m:oMathParaPr>
+                      <m:jc m:val="centerGroup"/>
+                    </m:oMathParaPr>
+                    <m:oMath xmlns:m="http://schemas.openxmlformats.org/officeDocument/2006/math">
+                      <m:r>
+                        <a:rPr lang="en-US" altLang="zh-CN" sz="1200" b="0" i="1" smtClean="0">
+                          <a:latin typeface="Cambria Math" panose="02040503050406030204" pitchFamily="18" charset="0"/>
+                        </a:rPr>
+                        <m:t>𝐸</m:t>
+                      </m:r>
+                    </m:oMath>
+                  </m:oMathPara>
+                </a14:m>
+                <a:endParaRPr lang="zh-CN" altLang="en-US" dirty="0"/>
+              </a:p>
+            </p:txBody>
+          </p:sp>
+        </mc:Choice>
+        <mc:Fallback>
+          <p:sp>
+            <p:nvSpPr>
+              <p:cNvPr id="8" name="文本框 7">
+                <a:extLst>
+                  <a:ext uri="{FF2B5EF4-FFF2-40B4-BE49-F238E27FC236}">
+                    <a16:creationId xmlns:a16="http://schemas.microsoft.com/office/drawing/2014/main" id="{C9FAA5DF-CB54-4F1F-8656-D5D59F102A77}"/>
+                  </a:ext>
+                </a:extLst>
+              </p:cNvPr>
+              <p:cNvSpPr txBox="1">
+                <a:spLocks noRot="1" noChangeAspect="1" noMove="1" noResize="1" noEditPoints="1" noAdjustHandles="1" noChangeArrowheads="1" noChangeShapeType="1" noTextEdit="1"/>
+              </p:cNvSpPr>
+              <p:nvPr/>
+            </p:nvSpPr>
+            <p:spPr>
+              <a:xfrm rot="16200000">
+                <a:off x="2477102" y="2412195"/>
+                <a:ext cx="547436" cy="276999"/>
+              </a:xfrm>
+              <a:prstGeom prst="rect">
+                <a:avLst/>
+              </a:prstGeom>
+              <a:blipFill>
+                <a:blip r:embed="rId3"/>
+                <a:stretch>
+                  <a:fillRect/>
+                </a:stretch>
+              </a:blipFill>
+            </p:spPr>
+            <p:txBody>
+              <a:bodyPr/>
+              <a:lstStyle/>
+              <a:p>
+                <a:r>
+                  <a:rPr lang="zh-CN" altLang="en-US">
+                    <a:noFill/>
+                  </a:rPr>
+                  <a:t> </a:t>
+                </a:r>
+              </a:p>
+            </p:txBody>
+          </p:sp>
+        </mc:Fallback>
+      </mc:AlternateContent>
+      <mc:AlternateContent xmlns:mc="http://schemas.openxmlformats.org/markup-compatibility/2006">
+        <mc:Choice xmlns:a14="http://schemas.microsoft.com/office/drawing/2010/main" Requires="a14">
+          <p:sp>
+            <p:nvSpPr>
+              <p:cNvPr id="11" name="文本框 10">
+                <a:extLst>
+                  <a:ext uri="{FF2B5EF4-FFF2-40B4-BE49-F238E27FC236}">
+                    <a16:creationId xmlns:a16="http://schemas.microsoft.com/office/drawing/2014/main" id="{7979608F-1690-4C7E-BA3A-A85C1999AA20}"/>
+                  </a:ext>
+                </a:extLst>
+              </p:cNvPr>
+              <p:cNvSpPr txBox="1"/>
+              <p:nvPr/>
+            </p:nvSpPr>
+            <p:spPr>
+              <a:xfrm>
+                <a:off x="4164731" y="3561211"/>
+                <a:ext cx="350920" cy="276999"/>
+              </a:xfrm>
+              <a:prstGeom prst="rect">
+                <a:avLst/>
+              </a:prstGeom>
+              <a:noFill/>
+            </p:spPr>
+            <p:txBody>
+              <a:bodyPr wrap="square" rtlCol="0">
+                <a:spAutoFit/>
+              </a:bodyPr>
+              <a:lstStyle/>
+              <a:p>
+                <a14:m>
+                  <m:oMathPara xmlns:m="http://schemas.openxmlformats.org/officeDocument/2006/math">
+                    <m:oMathParaPr>
+                      <m:jc m:val="centerGroup"/>
+                    </m:oMathParaPr>
+                    <m:oMath xmlns:m="http://schemas.openxmlformats.org/officeDocument/2006/math">
+                      <m:sSub>
+                        <m:sSubPr>
+                          <m:ctrlPr>
+                            <a:rPr lang="en-US" altLang="zh-CN" sz="1200" b="0" i="1" smtClean="0">
+                              <a:latin typeface="Cambria Math" panose="02040503050406030204" pitchFamily="18" charset="0"/>
+                            </a:rPr>
+                          </m:ctrlPr>
+                        </m:sSubPr>
+                        <m:e>
+                          <m:r>
+                            <a:rPr lang="en-US" altLang="zh-CN" sz="1200" b="0" i="1" smtClean="0">
+                              <a:latin typeface="Cambria Math" panose="02040503050406030204" pitchFamily="18" charset="0"/>
+                            </a:rPr>
+                            <m:t>𝑘</m:t>
+                          </m:r>
+                        </m:e>
+                        <m:sub>
+                          <m:r>
+                            <a:rPr lang="en-US" altLang="zh-CN" sz="1200" b="0" i="1" smtClean="0">
+                              <a:latin typeface="Cambria Math" panose="02040503050406030204" pitchFamily="18" charset="0"/>
+                            </a:rPr>
+                            <m:t>𝑥</m:t>
+                          </m:r>
+                        </m:sub>
+                      </m:sSub>
+                    </m:oMath>
+                  </m:oMathPara>
+                </a14:m>
+                <a:endParaRPr lang="zh-CN" altLang="en-US" dirty="0"/>
+              </a:p>
+            </p:txBody>
+          </p:sp>
+        </mc:Choice>
+        <mc:Fallback>
+          <p:sp>
+            <p:nvSpPr>
+              <p:cNvPr id="11" name="文本框 10">
+                <a:extLst>
+                  <a:ext uri="{FF2B5EF4-FFF2-40B4-BE49-F238E27FC236}">
+                    <a16:creationId xmlns:a16="http://schemas.microsoft.com/office/drawing/2014/main" id="{7979608F-1690-4C7E-BA3A-A85C1999AA20}"/>
+                  </a:ext>
+                </a:extLst>
+              </p:cNvPr>
+              <p:cNvSpPr txBox="1">
+                <a:spLocks noRot="1" noChangeAspect="1" noMove="1" noResize="1" noEditPoints="1" noAdjustHandles="1" noChangeArrowheads="1" noChangeShapeType="1" noTextEdit="1"/>
+              </p:cNvSpPr>
+              <p:nvPr/>
+            </p:nvSpPr>
+            <p:spPr>
+              <a:xfrm>
+                <a:off x="4164731" y="3561211"/>
+                <a:ext cx="350920" cy="276999"/>
+              </a:xfrm>
+              <a:prstGeom prst="rect">
+                <a:avLst/>
+              </a:prstGeom>
+              <a:blipFill>
+                <a:blip r:embed="rId4"/>
+                <a:stretch>
+                  <a:fillRect/>
+                </a:stretch>
+              </a:blipFill>
+            </p:spPr>
+            <p:txBody>
+              <a:bodyPr/>
+              <a:lstStyle/>
+              <a:p>
+                <a:r>
+                  <a:rPr lang="zh-CN" altLang="en-US">
+                    <a:noFill/>
+                  </a:rPr>
+                  <a:t> </a:t>
+                </a:r>
+              </a:p>
+            </p:txBody>
+          </p:sp>
+        </mc:Fallback>
+      </mc:AlternateContent>
+      <p:sp>
+        <p:nvSpPr>
+          <p:cNvPr id="12" name="椭圆 11">
+            <a:extLst>
+              <a:ext uri="{FF2B5EF4-FFF2-40B4-BE49-F238E27FC236}">
+                <a16:creationId xmlns:a16="http://schemas.microsoft.com/office/drawing/2014/main" id="{B2654860-4A28-44F7-B67D-FE049D73C585}"/>
+              </a:ext>
+            </a:extLst>
+          </p:cNvPr>
+          <p:cNvSpPr/>
+          <p:nvPr/>
+        </p:nvSpPr>
+        <p:spPr>
+          <a:xfrm>
+            <a:off x="5950488" y="1864895"/>
+            <a:ext cx="1564105" cy="1564105"/>
+          </a:xfrm>
+          <a:prstGeom prst="ellipse">
+            <a:avLst/>
+          </a:prstGeom>
+          <a:noFill/>
+          <a:ln w="28575">
+            <a:solidFill>
+              <a:srgbClr val="FF0000"/>
+            </a:solidFill>
+          </a:ln>
+        </p:spPr>
+        <p:style>
+          <a:lnRef idx="2">
+            <a:schemeClr val="accent1">
+              <a:shade val="50000"/>
+            </a:schemeClr>
+          </a:lnRef>
+          <a:fillRef idx="1">
+            <a:schemeClr val="accent1"/>
+          </a:fillRef>
+          <a:effectRef idx="0">
+            <a:schemeClr val="accent1"/>
+          </a:effectRef>
+          <a:fontRef idx="minor">
+            <a:schemeClr val="lt1"/>
+          </a:fontRef>
+        </p:style>
+        <p:txBody>
+          <a:bodyPr rtlCol="0" anchor="ctr"/>
+          <a:lstStyle/>
+          <a:p>
+            <a:pPr algn="ctr"/>
+            <a:endParaRPr lang="zh-CN" altLang="en-US"/>
+          </a:p>
+        </p:txBody>
+      </p:sp>
       <p:cxnSp>
         <p:nvCxnSpPr>
-          <p:cNvPr id="6" name="直接箭头连接符 5">
-            <a:extLst>
-              <a:ext uri="{FF2B5EF4-FFF2-40B4-BE49-F238E27FC236}">
-                <a16:creationId xmlns:a16="http://schemas.microsoft.com/office/drawing/2014/main" id="{5B948C5B-2B82-4897-BA1E-AFF90D96499F}"/>
+          <p:cNvPr id="16" name="直接箭头连接符 15">
+            <a:extLst>
+              <a:ext uri="{FF2B5EF4-FFF2-40B4-BE49-F238E27FC236}">
+                <a16:creationId xmlns:a16="http://schemas.microsoft.com/office/drawing/2014/main" id="{E29690E5-406B-4FD0-B91B-73C13587DBA2}"/>
               </a:ext>
             </a:extLst>
           </p:cNvPr>
@@ -3389,13 +3756,112 @@
         </p:nvCxnSpPr>
         <p:spPr>
           <a:xfrm flipV="1">
-            <a:off x="5534525" y="2542674"/>
-            <a:ext cx="0" cy="605589"/>
+            <a:off x="6732540" y="3216645"/>
+            <a:ext cx="1" cy="360000"/>
           </a:xfrm>
           <a:prstGeom prst="straightConnector1">
             <a:avLst/>
           </a:prstGeom>
-          <a:ln>
+          <a:ln w="38100">
+            <a:solidFill>
+              <a:srgbClr val="1E90FF"/>
+            </a:solidFill>
+            <a:tailEnd type="triangle"/>
+          </a:ln>
+        </p:spPr>
+        <p:style>
+          <a:lnRef idx="1">
+            <a:schemeClr val="accent1"/>
+          </a:lnRef>
+          <a:fillRef idx="0">
+            <a:schemeClr val="accent1"/>
+          </a:fillRef>
+          <a:effectRef idx="0">
+            <a:schemeClr val="accent1"/>
+          </a:effectRef>
+          <a:fontRef idx="minor">
+            <a:schemeClr val="tx1"/>
+          </a:fontRef>
+        </p:style>
+      </p:cxnSp>
+      <p:sp>
+        <p:nvSpPr>
+          <p:cNvPr id="17" name="椭圆 16">
+            <a:extLst>
+              <a:ext uri="{FF2B5EF4-FFF2-40B4-BE49-F238E27FC236}">
+                <a16:creationId xmlns:a16="http://schemas.microsoft.com/office/drawing/2014/main" id="{6DE93207-8F05-4F83-95B3-6A782599AFC4}"/>
+              </a:ext>
+            </a:extLst>
+          </p:cNvPr>
+          <p:cNvSpPr/>
+          <p:nvPr/>
+        </p:nvSpPr>
+        <p:spPr>
+          <a:xfrm>
+            <a:off x="7987836" y="1864895"/>
+            <a:ext cx="1564105" cy="1564105"/>
+          </a:xfrm>
+          <a:prstGeom prst="ellipse">
+            <a:avLst/>
+          </a:prstGeom>
+          <a:noFill/>
+          <a:ln w="28575">
+            <a:solidFill>
+              <a:srgbClr val="FF0000"/>
+            </a:solidFill>
+          </a:ln>
+        </p:spPr>
+        <p:style>
+          <a:lnRef idx="2">
+            <a:schemeClr val="accent1">
+              <a:shade val="50000"/>
+            </a:schemeClr>
+          </a:lnRef>
+          <a:fillRef idx="1">
+            <a:schemeClr val="accent1"/>
+          </a:fillRef>
+          <a:effectRef idx="0">
+            <a:schemeClr val="accent1"/>
+          </a:effectRef>
+          <a:fontRef idx="minor">
+            <a:schemeClr val="lt1"/>
+          </a:fontRef>
+        </p:style>
+        <p:txBody>
+          <a:bodyPr rtlCol="0" anchor="ctr"/>
+          <a:lstStyle/>
+          <a:p>
+            <a:pPr algn="ctr"/>
+            <a:endParaRPr lang="zh-CN" altLang="en-US"/>
+          </a:p>
+        </p:txBody>
+      </p:sp>
+      <p:cxnSp>
+        <p:nvCxnSpPr>
+          <p:cNvPr id="27" name="直接箭头连接符 26">
+            <a:extLst>
+              <a:ext uri="{FF2B5EF4-FFF2-40B4-BE49-F238E27FC236}">
+                <a16:creationId xmlns:a16="http://schemas.microsoft.com/office/drawing/2014/main" id="{0A718A88-3143-40B4-BE33-20F894B9051B}"/>
+              </a:ext>
+            </a:extLst>
+          </p:cNvPr>
+          <p:cNvCxnSpPr>
+            <a:cxnSpLocks/>
+          </p:cNvCxnSpPr>
+          <p:nvPr/>
+        </p:nvCxnSpPr>
+        <p:spPr>
+          <a:xfrm flipV="1">
+            <a:off x="7514037" y="2401549"/>
+            <a:ext cx="1" cy="360000"/>
+          </a:xfrm>
+          <a:prstGeom prst="straightConnector1">
+            <a:avLst/>
+          </a:prstGeom>
+          <a:ln w="38100">
+            <a:solidFill>
+              <a:srgbClr val="1E90FF"/>
+            </a:solidFill>
             <a:tailEnd type="triangle"/>
           </a:ln>
         </p:spPr>
@@ -3416,10 +3882,10 @@
       </p:cxnSp>
       <p:cxnSp>
         <p:nvCxnSpPr>
-          <p:cNvPr id="10" name="直接箭头连接符 9">
-            <a:extLst>
-              <a:ext uri="{FF2B5EF4-FFF2-40B4-BE49-F238E27FC236}">
-                <a16:creationId xmlns:a16="http://schemas.microsoft.com/office/drawing/2014/main" id="{F052E95D-7970-4EDB-95A2-B2A8EB2E6840}"/>
+          <p:cNvPr id="28" name="直接箭头连接符 27">
+            <a:extLst>
+              <a:ext uri="{FF2B5EF4-FFF2-40B4-BE49-F238E27FC236}">
+                <a16:creationId xmlns:a16="http://schemas.microsoft.com/office/drawing/2014/main" id="{E402A92B-CA31-428F-8F85-78A5294A3574}"/>
               </a:ext>
             </a:extLst>
           </p:cNvPr>
@@ -3430,13 +3896,16 @@
         </p:nvCxnSpPr>
         <p:spPr>
           <a:xfrm flipV="1">
-            <a:off x="4752472" y="1760621"/>
-            <a:ext cx="0" cy="605589"/>
+            <a:off x="6732540" y="1654812"/>
+            <a:ext cx="1" cy="360000"/>
           </a:xfrm>
           <a:prstGeom prst="straightConnector1">
             <a:avLst/>
           </a:prstGeom>
-          <a:ln>
+          <a:ln w="38100">
+            <a:solidFill>
+              <a:srgbClr val="1E90FF"/>
+            </a:solidFill>
             <a:tailEnd type="triangle"/>
           </a:ln>
         </p:spPr>
@@ -3457,10 +3926,10 @@
       </p:cxnSp>
       <p:cxnSp>
         <p:nvCxnSpPr>
-          <p:cNvPr id="11" name="直接箭头连接符 10">
-            <a:extLst>
-              <a:ext uri="{FF2B5EF4-FFF2-40B4-BE49-F238E27FC236}">
-                <a16:creationId xmlns:a16="http://schemas.microsoft.com/office/drawing/2014/main" id="{3BBFB26A-8317-4284-A870-8B9022210D74}"/>
+          <p:cNvPr id="29" name="直接箭头连接符 28">
+            <a:extLst>
+              <a:ext uri="{FF2B5EF4-FFF2-40B4-BE49-F238E27FC236}">
+                <a16:creationId xmlns:a16="http://schemas.microsoft.com/office/drawing/2014/main" id="{AD32E2A0-2D86-4AF6-85D8-3028C43AA328}"/>
               </a:ext>
             </a:extLst>
           </p:cNvPr>
@@ -3471,13 +3940,16 @@
         </p:nvCxnSpPr>
         <p:spPr>
           <a:xfrm flipV="1">
-            <a:off x="3962398" y="2542673"/>
-            <a:ext cx="0" cy="605589"/>
+            <a:off x="5950487" y="2408322"/>
+            <a:ext cx="1" cy="360000"/>
           </a:xfrm>
           <a:prstGeom prst="straightConnector1">
             <a:avLst/>
           </a:prstGeom>
-          <a:ln>
+          <a:ln w="38100">
+            <a:solidFill>
+              <a:srgbClr val="1E90FF"/>
+            </a:solidFill>
             <a:tailEnd type="triangle"/>
           </a:ln>
         </p:spPr>
@@ -3498,10 +3970,10 @@
       </p:cxnSp>
       <p:cxnSp>
         <p:nvCxnSpPr>
-          <p:cNvPr id="12" name="直接箭头连接符 11">
-            <a:extLst>
-              <a:ext uri="{FF2B5EF4-FFF2-40B4-BE49-F238E27FC236}">
-                <a16:creationId xmlns:a16="http://schemas.microsoft.com/office/drawing/2014/main" id="{82D2E6F5-8294-4A3B-A1C7-66EC905E68F6}"/>
+          <p:cNvPr id="30" name="直接箭头连接符 29">
+            <a:extLst>
+              <a:ext uri="{FF2B5EF4-FFF2-40B4-BE49-F238E27FC236}">
+                <a16:creationId xmlns:a16="http://schemas.microsoft.com/office/drawing/2014/main" id="{855082F6-8D84-464C-8D7F-F3D186767899}"/>
               </a:ext>
             </a:extLst>
           </p:cNvPr>
@@ -3512,101 +3984,16 @@
         </p:nvCxnSpPr>
         <p:spPr>
           <a:xfrm flipV="1">
-            <a:off x="4752471" y="3324726"/>
-            <a:ext cx="0" cy="605589"/>
+            <a:off x="7297506" y="1886128"/>
+            <a:ext cx="1" cy="360000"/>
           </a:xfrm>
           <a:prstGeom prst="straightConnector1">
             <a:avLst/>
           </a:prstGeom>
-          <a:ln>
-            <a:tailEnd type="triangle"/>
-          </a:ln>
-        </p:spPr>
-        <p:style>
-          <a:lnRef idx="1">
-            <a:schemeClr val="accent1"/>
-          </a:lnRef>
-          <a:fillRef idx="0">
-            <a:schemeClr val="accent1"/>
-          </a:fillRef>
-          <a:effectRef idx="0">
-            <a:schemeClr val="accent1"/>
-          </a:effectRef>
-          <a:fontRef idx="minor">
-            <a:schemeClr val="tx1"/>
-          </a:fontRef>
-        </p:style>
-      </p:cxnSp>
-      <p:sp>
-        <p:nvSpPr>
-          <p:cNvPr id="13" name="椭圆 12">
-            <a:extLst>
-              <a:ext uri="{FF2B5EF4-FFF2-40B4-BE49-F238E27FC236}">
-                <a16:creationId xmlns:a16="http://schemas.microsoft.com/office/drawing/2014/main" id="{A15B5361-174C-434C-9446-F9C23176904A}"/>
-              </a:ext>
-            </a:extLst>
-          </p:cNvPr>
-          <p:cNvSpPr/>
-          <p:nvPr/>
-        </p:nvSpPr>
-        <p:spPr>
-          <a:xfrm>
-            <a:off x="6007768" y="2366210"/>
-            <a:ext cx="1564105" cy="1564105"/>
-          </a:xfrm>
-          <a:prstGeom prst="ellipse">
-            <a:avLst/>
-          </a:prstGeom>
-          <a:noFill/>
-        </p:spPr>
-        <p:style>
-          <a:lnRef idx="2">
-            <a:schemeClr val="accent1">
-              <a:shade val="50000"/>
-            </a:schemeClr>
-          </a:lnRef>
-          <a:fillRef idx="1">
-            <a:schemeClr val="accent1"/>
-          </a:fillRef>
-          <a:effectRef idx="0">
-            <a:schemeClr val="accent1"/>
-          </a:effectRef>
-          <a:fontRef idx="minor">
-            <a:schemeClr val="lt1"/>
-          </a:fontRef>
-        </p:style>
-        <p:txBody>
-          <a:bodyPr rtlCol="0" anchor="ctr"/>
-          <a:lstStyle/>
-          <a:p>
-            <a:pPr algn="ctr"/>
-            <a:endParaRPr lang="zh-CN" altLang="en-US"/>
-          </a:p>
-        </p:txBody>
-      </p:sp>
-      <p:cxnSp>
-        <p:nvCxnSpPr>
-          <p:cNvPr id="8" name="直接箭头连接符 7">
-            <a:extLst>
-              <a:ext uri="{FF2B5EF4-FFF2-40B4-BE49-F238E27FC236}">
-                <a16:creationId xmlns:a16="http://schemas.microsoft.com/office/drawing/2014/main" id="{66FCAF96-6C29-4507-AAF0-932497B1937B}"/>
-              </a:ext>
-            </a:extLst>
-          </p:cNvPr>
-          <p:cNvCxnSpPr>
-            <a:cxnSpLocks/>
-          </p:cNvCxnSpPr>
-          <p:nvPr/>
-        </p:nvCxnSpPr>
-        <p:spPr>
-          <a:xfrm flipV="1">
-            <a:off x="7571873" y="2606843"/>
-            <a:ext cx="0" cy="605589"/>
-          </a:xfrm>
-          <a:prstGeom prst="straightConnector1">
-            <a:avLst/>
-          </a:prstGeom>
-          <a:ln>
+          <a:ln w="38100">
+            <a:solidFill>
+              <a:srgbClr val="1E90FF"/>
+            </a:solidFill>
             <a:tailEnd type="triangle"/>
           </a:ln>
         </p:spPr>
@@ -3627,10 +4014,10 @@
       </p:cxnSp>
       <p:cxnSp>
         <p:nvCxnSpPr>
-          <p:cNvPr id="9" name="直接箭头连接符 8">
-            <a:extLst>
-              <a:ext uri="{FF2B5EF4-FFF2-40B4-BE49-F238E27FC236}">
-                <a16:creationId xmlns:a16="http://schemas.microsoft.com/office/drawing/2014/main" id="{9D19FF3D-ACBD-439D-8C10-E931E1C79070}"/>
+          <p:cNvPr id="31" name="直接箭头连接符 30">
+            <a:extLst>
+              <a:ext uri="{FF2B5EF4-FFF2-40B4-BE49-F238E27FC236}">
+                <a16:creationId xmlns:a16="http://schemas.microsoft.com/office/drawing/2014/main" id="{A10D6EC2-B9C5-40CD-B143-1C35DDC18F17}"/>
               </a:ext>
             </a:extLst>
           </p:cNvPr>
@@ -3640,14 +4027,17 @@
           <p:nvPr/>
         </p:nvCxnSpPr>
         <p:spPr>
-          <a:xfrm flipH="1" flipV="1">
-            <a:off x="6789820" y="2606843"/>
-            <a:ext cx="561472" cy="1"/>
+          <a:xfrm flipV="1">
+            <a:off x="6116557" y="1924211"/>
+            <a:ext cx="2406" cy="360000"/>
           </a:xfrm>
           <a:prstGeom prst="straightConnector1">
             <a:avLst/>
           </a:prstGeom>
-          <a:ln>
+          <a:ln w="38100">
+            <a:solidFill>
+              <a:srgbClr val="1E90FF"/>
+            </a:solidFill>
             <a:tailEnd type="triangle"/>
           </a:ln>
         </p:spPr>
@@ -3668,10 +4058,10 @@
       </p:cxnSp>
       <p:cxnSp>
         <p:nvCxnSpPr>
-          <p:cNvPr id="15" name="直接箭头连接符 14">
-            <a:extLst>
-              <a:ext uri="{FF2B5EF4-FFF2-40B4-BE49-F238E27FC236}">
-                <a16:creationId xmlns:a16="http://schemas.microsoft.com/office/drawing/2014/main" id="{4101E10A-D40E-4A69-B417-8137A8BB972A}"/>
+          <p:cNvPr id="32" name="直接箭头连接符 31">
+            <a:extLst>
+              <a:ext uri="{FF2B5EF4-FFF2-40B4-BE49-F238E27FC236}">
+                <a16:creationId xmlns:a16="http://schemas.microsoft.com/office/drawing/2014/main" id="{DE153631-F6ED-4729-969D-8337B802FB85}"/>
               </a:ext>
             </a:extLst>
           </p:cNvPr>
@@ -3681,14 +4071,17 @@
           <p:nvPr/>
         </p:nvCxnSpPr>
         <p:spPr>
-          <a:xfrm>
-            <a:off x="6785809" y="2366210"/>
-            <a:ext cx="0" cy="535405"/>
+          <a:xfrm flipV="1">
+            <a:off x="7310678" y="2953618"/>
+            <a:ext cx="1" cy="360000"/>
           </a:xfrm>
           <a:prstGeom prst="straightConnector1">
             <a:avLst/>
           </a:prstGeom>
-          <a:ln>
+          <a:ln w="38100">
+            <a:solidFill>
+              <a:srgbClr val="1E90FF"/>
+            </a:solidFill>
             <a:tailEnd type="triangle"/>
           </a:ln>
         </p:spPr>
@@ -3709,10 +4102,10 @@
       </p:cxnSp>
       <p:cxnSp>
         <p:nvCxnSpPr>
-          <p:cNvPr id="16" name="直接箭头连接符 15">
-            <a:extLst>
-              <a:ext uri="{FF2B5EF4-FFF2-40B4-BE49-F238E27FC236}">
-                <a16:creationId xmlns:a16="http://schemas.microsoft.com/office/drawing/2014/main" id="{0C42C1EF-777F-4CEC-B8BE-C799D7434BEE}"/>
+          <p:cNvPr id="33" name="直接箭头连接符 32">
+            <a:extLst>
+              <a:ext uri="{FF2B5EF4-FFF2-40B4-BE49-F238E27FC236}">
+                <a16:creationId xmlns:a16="http://schemas.microsoft.com/office/drawing/2014/main" id="{5FD5662E-7936-421D-ACC3-80C3C767B4B1}"/>
               </a:ext>
             </a:extLst>
           </p:cNvPr>
@@ -3722,14 +4115,17 @@
           <p:nvPr/>
         </p:nvCxnSpPr>
         <p:spPr>
-          <a:xfrm>
-            <a:off x="6234363" y="2585786"/>
-            <a:ext cx="553452" cy="29079"/>
+          <a:xfrm flipV="1">
+            <a:off x="6179552" y="2971343"/>
+            <a:ext cx="1" cy="360000"/>
           </a:xfrm>
           <a:prstGeom prst="straightConnector1">
             <a:avLst/>
           </a:prstGeom>
-          <a:ln>
+          <a:ln w="38100">
+            <a:solidFill>
+              <a:srgbClr val="1E90FF"/>
+            </a:solidFill>
             <a:tailEnd type="triangle"/>
           </a:ln>
         </p:spPr>
@@ -3750,10 +4146,10 @@
       </p:cxnSp>
       <p:cxnSp>
         <p:nvCxnSpPr>
-          <p:cNvPr id="17" name="直接箭头连接符 16">
-            <a:extLst>
-              <a:ext uri="{FF2B5EF4-FFF2-40B4-BE49-F238E27FC236}">
-                <a16:creationId xmlns:a16="http://schemas.microsoft.com/office/drawing/2014/main" id="{0DEAABE6-FE66-4811-BF8E-47E2C7DC3220}"/>
+          <p:cNvPr id="41" name="直接箭头连接符 40">
+            <a:extLst>
+              <a:ext uri="{FF2B5EF4-FFF2-40B4-BE49-F238E27FC236}">
+                <a16:creationId xmlns:a16="http://schemas.microsoft.com/office/drawing/2014/main" id="{B5DF3DDC-8AF7-4C03-BE67-C87A3511C9D9}"/>
               </a:ext>
             </a:extLst>
           </p:cNvPr>
@@ -3764,13 +4160,16 @@
         </p:nvCxnSpPr>
         <p:spPr>
           <a:xfrm flipV="1">
-            <a:off x="6007768" y="2659732"/>
-            <a:ext cx="0" cy="499810"/>
+            <a:off x="7988113" y="2408322"/>
+            <a:ext cx="1" cy="360000"/>
           </a:xfrm>
           <a:prstGeom prst="straightConnector1">
             <a:avLst/>
           </a:prstGeom>
-          <a:ln>
+          <a:ln w="38100">
+            <a:solidFill>
+              <a:srgbClr val="1E90FF"/>
+            </a:solidFill>
             <a:tailEnd type="triangle"/>
           </a:ln>
         </p:spPr>
@@ -3791,10 +4190,10 @@
       </p:cxnSp>
       <p:cxnSp>
         <p:nvCxnSpPr>
-          <p:cNvPr id="19" name="直接箭头连接符 18">
-            <a:extLst>
-              <a:ext uri="{FF2B5EF4-FFF2-40B4-BE49-F238E27FC236}">
-                <a16:creationId xmlns:a16="http://schemas.microsoft.com/office/drawing/2014/main" id="{DD003972-6AB3-4576-9694-DA6A95FE687A}"/>
+          <p:cNvPr id="42" name="直接箭头连接符 41">
+            <a:extLst>
+              <a:ext uri="{FF2B5EF4-FFF2-40B4-BE49-F238E27FC236}">
+                <a16:creationId xmlns:a16="http://schemas.microsoft.com/office/drawing/2014/main" id="{ED9155C1-3644-4E21-8A5A-0A38135E1A38}"/>
               </a:ext>
             </a:extLst>
           </p:cNvPr>
@@ -3804,14 +4203,17 @@
           <p:nvPr/>
         </p:nvCxnSpPr>
         <p:spPr>
-          <a:xfrm>
-            <a:off x="6785809" y="3930315"/>
-            <a:ext cx="0" cy="585538"/>
+          <a:xfrm flipV="1">
+            <a:off x="9551386" y="2370694"/>
+            <a:ext cx="1" cy="360000"/>
           </a:xfrm>
           <a:prstGeom prst="straightConnector1">
             <a:avLst/>
           </a:prstGeom>
-          <a:ln>
+          <a:ln w="38100">
+            <a:solidFill>
+              <a:srgbClr val="1E90FF"/>
+            </a:solidFill>
             <a:tailEnd type="triangle"/>
           </a:ln>
         </p:spPr>
@@ -3832,28 +4234,31 @@
       </p:cxnSp>
       <p:cxnSp>
         <p:nvCxnSpPr>
-          <p:cNvPr id="22" name="直接箭头连接符 21">
-            <a:extLst>
-              <a:ext uri="{FF2B5EF4-FFF2-40B4-BE49-F238E27FC236}">
-                <a16:creationId xmlns:a16="http://schemas.microsoft.com/office/drawing/2014/main" id="{D9FA6037-D2ED-4C6E-A855-D45B67D3C8BD}"/>
+          <p:cNvPr id="44" name="直接连接符 43">
+            <a:extLst>
+              <a:ext uri="{FF2B5EF4-FFF2-40B4-BE49-F238E27FC236}">
+                <a16:creationId xmlns:a16="http://schemas.microsoft.com/office/drawing/2014/main" id="{E6A737E1-CE52-4ACA-B26C-BF7C7EC9CD17}"/>
               </a:ext>
             </a:extLst>
           </p:cNvPr>
           <p:cNvCxnSpPr>
             <a:cxnSpLocks/>
+            <a:stCxn id="12" idx="6"/>
           </p:cNvCxnSpPr>
           <p:nvPr/>
         </p:nvCxnSpPr>
         <p:spPr>
           <a:xfrm flipH="1">
-            <a:off x="5670884" y="3627520"/>
-            <a:ext cx="505327" cy="12784"/>
+            <a:off x="6732541" y="2646948"/>
+            <a:ext cx="782052" cy="0"/>
           </a:xfrm>
-          <a:prstGeom prst="straightConnector1">
+          <a:prstGeom prst="line">
             <a:avLst/>
           </a:prstGeom>
-          <a:ln>
-            <a:tailEnd type="triangle"/>
+          <a:ln w="28575">
+            <a:solidFill>
+              <a:schemeClr val="tx1"/>
+            </a:solidFill>
           </a:ln>
         </p:spPr>
         <p:style>
@@ -3873,10 +4278,54 @@
       </p:cxnSp>
       <p:cxnSp>
         <p:nvCxnSpPr>
-          <p:cNvPr id="24" name="直接箭头连接符 23">
-            <a:extLst>
-              <a:ext uri="{FF2B5EF4-FFF2-40B4-BE49-F238E27FC236}">
-                <a16:creationId xmlns:a16="http://schemas.microsoft.com/office/drawing/2014/main" id="{29B662E9-A366-4AFE-AEF0-C44667BDDA6E}"/>
+          <p:cNvPr id="71" name="直接箭头连接符 70">
+            <a:extLst>
+              <a:ext uri="{FF2B5EF4-FFF2-40B4-BE49-F238E27FC236}">
+                <a16:creationId xmlns:a16="http://schemas.microsoft.com/office/drawing/2014/main" id="{3B42B79A-3F63-4A4C-960B-AA1D4378B6AE}"/>
+              </a:ext>
+            </a:extLst>
+          </p:cNvPr>
+          <p:cNvCxnSpPr>
+            <a:cxnSpLocks/>
+          </p:cNvCxnSpPr>
+          <p:nvPr/>
+        </p:nvCxnSpPr>
+        <p:spPr>
+          <a:xfrm flipH="1">
+            <a:off x="9118352" y="2105011"/>
+            <a:ext cx="360000" cy="0"/>
+          </a:xfrm>
+          <a:prstGeom prst="straightConnector1">
+            <a:avLst/>
+          </a:prstGeom>
+          <a:ln w="38100">
+            <a:solidFill>
+              <a:srgbClr val="1E90FF"/>
+            </a:solidFill>
+            <a:tailEnd type="triangle"/>
+          </a:ln>
+        </p:spPr>
+        <p:style>
+          <a:lnRef idx="1">
+            <a:schemeClr val="accent1"/>
+          </a:lnRef>
+          <a:fillRef idx="0">
+            <a:schemeClr val="accent1"/>
+          </a:fillRef>
+          <a:effectRef idx="0">
+            <a:schemeClr val="accent1"/>
+          </a:effectRef>
+          <a:fontRef idx="minor">
+            <a:schemeClr val="tx1"/>
+          </a:fontRef>
+        </p:style>
+      </p:cxnSp>
+      <p:cxnSp>
+        <p:nvCxnSpPr>
+          <p:cNvPr id="73" name="直接箭头连接符 72">
+            <a:extLst>
+              <a:ext uri="{FF2B5EF4-FFF2-40B4-BE49-F238E27FC236}">
+                <a16:creationId xmlns:a16="http://schemas.microsoft.com/office/drawing/2014/main" id="{2BCE464C-6739-4E5B-8534-117B3D8FDF56}"/>
               </a:ext>
             </a:extLst>
           </p:cNvPr>
@@ -3887,13 +4336,16 @@
         </p:nvCxnSpPr>
         <p:spPr>
           <a:xfrm>
-            <a:off x="7351292" y="3640304"/>
-            <a:ext cx="517361" cy="0"/>
+            <a:off x="8769887" y="1723660"/>
+            <a:ext cx="0" cy="360000"/>
           </a:xfrm>
           <a:prstGeom prst="straightConnector1">
             <a:avLst/>
           </a:prstGeom>
-          <a:ln>
+          <a:ln w="38100">
+            <a:solidFill>
+              <a:srgbClr val="1E90FF"/>
+            </a:solidFill>
             <a:tailEnd type="triangle"/>
           </a:ln>
         </p:spPr>
@@ -3912,10 +4364,1116 @@
           </a:fontRef>
         </p:style>
       </p:cxnSp>
+      <p:cxnSp>
+        <p:nvCxnSpPr>
+          <p:cNvPr id="75" name="直接箭头连接符 74">
+            <a:extLst>
+              <a:ext uri="{FF2B5EF4-FFF2-40B4-BE49-F238E27FC236}">
+                <a16:creationId xmlns:a16="http://schemas.microsoft.com/office/drawing/2014/main" id="{AA94729F-DF28-4A21-8C68-B45CDBE03885}"/>
+              </a:ext>
+            </a:extLst>
+          </p:cNvPr>
+          <p:cNvCxnSpPr>
+            <a:cxnSpLocks/>
+          </p:cNvCxnSpPr>
+          <p:nvPr/>
+        </p:nvCxnSpPr>
+        <p:spPr>
+          <a:xfrm>
+            <a:off x="8028474" y="2129249"/>
+            <a:ext cx="360000" cy="0"/>
+          </a:xfrm>
+          <a:prstGeom prst="straightConnector1">
+            <a:avLst/>
+          </a:prstGeom>
+          <a:ln w="38100">
+            <a:solidFill>
+              <a:srgbClr val="1E90FF"/>
+            </a:solidFill>
+            <a:tailEnd type="triangle"/>
+          </a:ln>
+        </p:spPr>
+        <p:style>
+          <a:lnRef idx="1">
+            <a:schemeClr val="accent1"/>
+          </a:lnRef>
+          <a:fillRef idx="0">
+            <a:schemeClr val="accent1"/>
+          </a:fillRef>
+          <a:effectRef idx="0">
+            <a:schemeClr val="accent1"/>
+          </a:effectRef>
+          <a:fontRef idx="minor">
+            <a:schemeClr val="tx1"/>
+          </a:fontRef>
+        </p:style>
+      </p:cxnSp>
+      <p:cxnSp>
+        <p:nvCxnSpPr>
+          <p:cNvPr id="78" name="直接箭头连接符 77">
+            <a:extLst>
+              <a:ext uri="{FF2B5EF4-FFF2-40B4-BE49-F238E27FC236}">
+                <a16:creationId xmlns:a16="http://schemas.microsoft.com/office/drawing/2014/main" id="{B910196A-FC99-4935-8DA8-F60C258A679A}"/>
+              </a:ext>
+            </a:extLst>
+          </p:cNvPr>
+          <p:cNvCxnSpPr>
+            <a:cxnSpLocks/>
+          </p:cNvCxnSpPr>
+          <p:nvPr/>
+        </p:nvCxnSpPr>
+        <p:spPr>
+          <a:xfrm flipH="1">
+            <a:off x="7994886" y="3203413"/>
+            <a:ext cx="360000" cy="0"/>
+          </a:xfrm>
+          <a:prstGeom prst="straightConnector1">
+            <a:avLst/>
+          </a:prstGeom>
+          <a:ln w="38100">
+            <a:solidFill>
+              <a:srgbClr val="1E90FF"/>
+            </a:solidFill>
+            <a:tailEnd type="triangle"/>
+          </a:ln>
+        </p:spPr>
+        <p:style>
+          <a:lnRef idx="1">
+            <a:schemeClr val="accent1"/>
+          </a:lnRef>
+          <a:fillRef idx="0">
+            <a:schemeClr val="accent1"/>
+          </a:fillRef>
+          <a:effectRef idx="0">
+            <a:schemeClr val="accent1"/>
+          </a:effectRef>
+          <a:fontRef idx="minor">
+            <a:schemeClr val="tx1"/>
+          </a:fontRef>
+        </p:style>
+      </p:cxnSp>
+      <p:cxnSp>
+        <p:nvCxnSpPr>
+          <p:cNvPr id="80" name="直接箭头连接符 79">
+            <a:extLst>
+              <a:ext uri="{FF2B5EF4-FFF2-40B4-BE49-F238E27FC236}">
+                <a16:creationId xmlns:a16="http://schemas.microsoft.com/office/drawing/2014/main" id="{9E5485F4-C94D-4B16-8B31-9A34D49D2A95}"/>
+              </a:ext>
+            </a:extLst>
+          </p:cNvPr>
+          <p:cNvCxnSpPr>
+            <a:cxnSpLocks/>
+          </p:cNvCxnSpPr>
+          <p:nvPr/>
+        </p:nvCxnSpPr>
+        <p:spPr>
+          <a:xfrm>
+            <a:off x="8769887" y="3292367"/>
+            <a:ext cx="0" cy="360000"/>
+          </a:xfrm>
+          <a:prstGeom prst="straightConnector1">
+            <a:avLst/>
+          </a:prstGeom>
+          <a:ln w="38100">
+            <a:solidFill>
+              <a:srgbClr val="1E90FF"/>
+            </a:solidFill>
+            <a:tailEnd type="triangle"/>
+          </a:ln>
+        </p:spPr>
+        <p:style>
+          <a:lnRef idx="1">
+            <a:schemeClr val="accent1"/>
+          </a:lnRef>
+          <a:fillRef idx="0">
+            <a:schemeClr val="accent1"/>
+          </a:fillRef>
+          <a:effectRef idx="0">
+            <a:schemeClr val="accent1"/>
+          </a:effectRef>
+          <a:fontRef idx="minor">
+            <a:schemeClr val="tx1"/>
+          </a:fontRef>
+        </p:style>
+      </p:cxnSp>
+      <p:cxnSp>
+        <p:nvCxnSpPr>
+          <p:cNvPr id="82" name="直接箭头连接符 81">
+            <a:extLst>
+              <a:ext uri="{FF2B5EF4-FFF2-40B4-BE49-F238E27FC236}">
+                <a16:creationId xmlns:a16="http://schemas.microsoft.com/office/drawing/2014/main" id="{69043853-43F9-4770-80F5-7A168E407CB8}"/>
+              </a:ext>
+            </a:extLst>
+          </p:cNvPr>
+          <p:cNvCxnSpPr>
+            <a:cxnSpLocks/>
+          </p:cNvCxnSpPr>
+          <p:nvPr/>
+        </p:nvCxnSpPr>
+        <p:spPr>
+          <a:xfrm>
+            <a:off x="9238797" y="3150280"/>
+            <a:ext cx="360000" cy="0"/>
+          </a:xfrm>
+          <a:prstGeom prst="straightConnector1">
+            <a:avLst/>
+          </a:prstGeom>
+          <a:ln w="38100">
+            <a:solidFill>
+              <a:srgbClr val="1E90FF"/>
+            </a:solidFill>
+            <a:tailEnd type="triangle"/>
+          </a:ln>
+        </p:spPr>
+        <p:style>
+          <a:lnRef idx="1">
+            <a:schemeClr val="accent1"/>
+          </a:lnRef>
+          <a:fillRef idx="0">
+            <a:schemeClr val="accent1"/>
+          </a:fillRef>
+          <a:effectRef idx="0">
+            <a:schemeClr val="accent1"/>
+          </a:effectRef>
+          <a:fontRef idx="minor">
+            <a:schemeClr val="tx1"/>
+          </a:fontRef>
+        </p:style>
+      </p:cxnSp>
+      <p:cxnSp>
+        <p:nvCxnSpPr>
+          <p:cNvPr id="85" name="直接连接符 84">
+            <a:extLst>
+              <a:ext uri="{FF2B5EF4-FFF2-40B4-BE49-F238E27FC236}">
+                <a16:creationId xmlns:a16="http://schemas.microsoft.com/office/drawing/2014/main" id="{69E03749-7A7E-4D5A-ACCB-63D680DF8120}"/>
+              </a:ext>
+            </a:extLst>
+          </p:cNvPr>
+          <p:cNvCxnSpPr>
+            <a:cxnSpLocks/>
+          </p:cNvCxnSpPr>
+          <p:nvPr/>
+        </p:nvCxnSpPr>
+        <p:spPr>
+          <a:xfrm flipH="1">
+            <a:off x="6734231" y="1924211"/>
+            <a:ext cx="307838" cy="731733"/>
+          </a:xfrm>
+          <a:prstGeom prst="line">
+            <a:avLst/>
+          </a:prstGeom>
+          <a:ln w="28575">
+            <a:solidFill>
+              <a:schemeClr val="tx1"/>
+            </a:solidFill>
+          </a:ln>
+        </p:spPr>
+        <p:style>
+          <a:lnRef idx="1">
+            <a:schemeClr val="accent1"/>
+          </a:lnRef>
+          <a:fillRef idx="0">
+            <a:schemeClr val="accent1"/>
+          </a:fillRef>
+          <a:effectRef idx="0">
+            <a:schemeClr val="accent1"/>
+          </a:effectRef>
+          <a:fontRef idx="minor">
+            <a:schemeClr val="tx1"/>
+          </a:fontRef>
+        </p:style>
+      </p:cxnSp>
+      <mc:AlternateContent xmlns:mc="http://schemas.openxmlformats.org/markup-compatibility/2006">
+        <mc:Choice xmlns:a14="http://schemas.microsoft.com/office/drawing/2010/main" Requires="a14">
+          <p:sp>
+            <p:nvSpPr>
+              <p:cNvPr id="88" name="文本框 87">
+                <a:extLst>
+                  <a:ext uri="{FF2B5EF4-FFF2-40B4-BE49-F238E27FC236}">
+                    <a16:creationId xmlns:a16="http://schemas.microsoft.com/office/drawing/2014/main" id="{FC20A300-F246-47A4-A9A2-F7D258F70998}"/>
+                  </a:ext>
+                </a:extLst>
+              </p:cNvPr>
+              <p:cNvSpPr txBox="1"/>
+              <p:nvPr/>
+            </p:nvSpPr>
+            <p:spPr>
+              <a:xfrm>
+                <a:off x="7024937" y="2640932"/>
+                <a:ext cx="223520" cy="276999"/>
+              </a:xfrm>
+              <a:prstGeom prst="rect">
+                <a:avLst/>
+              </a:prstGeom>
+              <a:noFill/>
+            </p:spPr>
+            <p:txBody>
+              <a:bodyPr wrap="square" rtlCol="0">
+                <a:spAutoFit/>
+              </a:bodyPr>
+              <a:lstStyle/>
+              <a:p>
+                <a14:m>
+                  <m:oMathPara xmlns:m="http://schemas.openxmlformats.org/officeDocument/2006/math">
+                    <m:oMathParaPr>
+                      <m:jc m:val="centerGroup"/>
+                    </m:oMathParaPr>
+                    <m:oMath xmlns:m="http://schemas.openxmlformats.org/officeDocument/2006/math">
+                      <m:r>
+                        <a:rPr lang="en-US" altLang="zh-CN" sz="1200" b="0" i="1" smtClean="0">
+                          <a:latin typeface="Cambria Math" panose="02040503050406030204" pitchFamily="18" charset="0"/>
+                        </a:rPr>
+                        <m:t>𝑘</m:t>
+                      </m:r>
+                    </m:oMath>
+                  </m:oMathPara>
+                </a14:m>
+                <a:endParaRPr lang="zh-CN" altLang="en-US" sz="1200" dirty="0"/>
+              </a:p>
+            </p:txBody>
+          </p:sp>
+        </mc:Choice>
+        <mc:Fallback>
+          <p:sp>
+            <p:nvSpPr>
+              <p:cNvPr id="88" name="文本框 87">
+                <a:extLst>
+                  <a:ext uri="{FF2B5EF4-FFF2-40B4-BE49-F238E27FC236}">
+                    <a16:creationId xmlns:a16="http://schemas.microsoft.com/office/drawing/2014/main" id="{FC20A300-F246-47A4-A9A2-F7D258F70998}"/>
+                  </a:ext>
+                </a:extLst>
+              </p:cNvPr>
+              <p:cNvSpPr txBox="1">
+                <a:spLocks noRot="1" noChangeAspect="1" noMove="1" noResize="1" noEditPoints="1" noAdjustHandles="1" noChangeArrowheads="1" noChangeShapeType="1" noTextEdit="1"/>
+              </p:cNvSpPr>
+              <p:nvPr/>
+            </p:nvSpPr>
+            <p:spPr>
+              <a:xfrm>
+                <a:off x="7024937" y="2640932"/>
+                <a:ext cx="223520" cy="276999"/>
+              </a:xfrm>
+              <a:prstGeom prst="rect">
+                <a:avLst/>
+              </a:prstGeom>
+              <a:blipFill>
+                <a:blip r:embed="rId5"/>
+                <a:stretch>
+                  <a:fillRect r="-5405"/>
+                </a:stretch>
+              </a:blipFill>
+            </p:spPr>
+            <p:txBody>
+              <a:bodyPr/>
+              <a:lstStyle/>
+              <a:p>
+                <a:r>
+                  <a:rPr lang="zh-CN" altLang="en-US">
+                    <a:noFill/>
+                  </a:rPr>
+                  <a:t> </a:t>
+                </a:r>
+              </a:p>
+            </p:txBody>
+          </p:sp>
+        </mc:Fallback>
+      </mc:AlternateContent>
+      <mc:AlternateContent xmlns:mc="http://schemas.openxmlformats.org/markup-compatibility/2006">
+        <mc:Choice xmlns:a14="http://schemas.microsoft.com/office/drawing/2010/main" Requires="a14">
+          <p:sp>
+            <p:nvSpPr>
+              <p:cNvPr id="91" name="文本框 90">
+                <a:extLst>
+                  <a:ext uri="{FF2B5EF4-FFF2-40B4-BE49-F238E27FC236}">
+                    <a16:creationId xmlns:a16="http://schemas.microsoft.com/office/drawing/2014/main" id="{61ECC93F-857C-4DF6-8AFB-5C729AAD4517}"/>
+                  </a:ext>
+                </a:extLst>
+              </p:cNvPr>
+              <p:cNvSpPr txBox="1"/>
+              <p:nvPr/>
+            </p:nvSpPr>
+            <p:spPr>
+              <a:xfrm>
+                <a:off x="6896092" y="2328925"/>
+                <a:ext cx="266311" cy="276999"/>
+              </a:xfrm>
+              <a:prstGeom prst="rect">
+                <a:avLst/>
+              </a:prstGeom>
+              <a:noFill/>
+            </p:spPr>
+            <p:txBody>
+              <a:bodyPr wrap="square" rtlCol="0">
+                <a:spAutoFit/>
+              </a:bodyPr>
+              <a:lstStyle/>
+              <a:p>
+                <a14:m>
+                  <m:oMathPara xmlns:m="http://schemas.openxmlformats.org/officeDocument/2006/math">
+                    <m:oMathParaPr>
+                      <m:jc m:val="centerGroup"/>
+                    </m:oMathParaPr>
+                    <m:oMath xmlns:m="http://schemas.openxmlformats.org/officeDocument/2006/math">
+                      <m:r>
+                        <a:rPr lang="en-US" altLang="zh-CN" sz="1200" b="0" i="1" smtClean="0">
+                          <a:latin typeface="Cambria Math" panose="02040503050406030204" pitchFamily="18" charset="0"/>
+                        </a:rPr>
+                        <m:t>𝜃</m:t>
+                      </m:r>
+                    </m:oMath>
+                  </m:oMathPara>
+                </a14:m>
+                <a:endParaRPr lang="zh-CN" altLang="en-US" sz="1200" dirty="0"/>
+              </a:p>
+            </p:txBody>
+          </p:sp>
+        </mc:Choice>
+        <mc:Fallback>
+          <p:sp>
+            <p:nvSpPr>
+              <p:cNvPr id="91" name="文本框 90">
+                <a:extLst>
+                  <a:ext uri="{FF2B5EF4-FFF2-40B4-BE49-F238E27FC236}">
+                    <a16:creationId xmlns:a16="http://schemas.microsoft.com/office/drawing/2014/main" id="{61ECC93F-857C-4DF6-8AFB-5C729AAD4517}"/>
+                  </a:ext>
+                </a:extLst>
+              </p:cNvPr>
+              <p:cNvSpPr txBox="1">
+                <a:spLocks noRot="1" noChangeAspect="1" noMove="1" noResize="1" noEditPoints="1" noAdjustHandles="1" noChangeArrowheads="1" noChangeShapeType="1" noTextEdit="1"/>
+              </p:cNvSpPr>
+              <p:nvPr/>
+            </p:nvSpPr>
+            <p:spPr>
+              <a:xfrm>
+                <a:off x="6896092" y="2328925"/>
+                <a:ext cx="266311" cy="276999"/>
+              </a:xfrm>
+              <a:prstGeom prst="rect">
+                <a:avLst/>
+              </a:prstGeom>
+              <a:blipFill>
+                <a:blip r:embed="rId6"/>
+                <a:stretch>
+                  <a:fillRect/>
+                </a:stretch>
+              </a:blipFill>
+            </p:spPr>
+            <p:txBody>
+              <a:bodyPr/>
+              <a:lstStyle/>
+              <a:p>
+                <a:r>
+                  <a:rPr lang="zh-CN" altLang="en-US">
+                    <a:noFill/>
+                  </a:rPr>
+                  <a:t> </a:t>
+                </a:r>
+              </a:p>
+            </p:txBody>
+          </p:sp>
+        </mc:Fallback>
+      </mc:AlternateContent>
+      <p:sp>
+        <p:nvSpPr>
+          <p:cNvPr id="92" name="弧形 91">
+            <a:extLst>
+              <a:ext uri="{FF2B5EF4-FFF2-40B4-BE49-F238E27FC236}">
+                <a16:creationId xmlns:a16="http://schemas.microsoft.com/office/drawing/2014/main" id="{1A1E1B0A-C84C-49CB-86D7-ADADF404BA50}"/>
+              </a:ext>
+            </a:extLst>
+          </p:cNvPr>
+          <p:cNvSpPr/>
+          <p:nvPr/>
+        </p:nvSpPr>
+        <p:spPr>
+          <a:xfrm>
+            <a:off x="6706862" y="2460457"/>
+            <a:ext cx="266301" cy="359999"/>
+          </a:xfrm>
+          <a:prstGeom prst="arc">
+            <a:avLst/>
+          </a:prstGeom>
+          <a:ln w="12700">
+            <a:solidFill>
+              <a:schemeClr val="tx1"/>
+            </a:solidFill>
+          </a:ln>
+        </p:spPr>
+        <p:style>
+          <a:lnRef idx="1">
+            <a:schemeClr val="accent1"/>
+          </a:lnRef>
+          <a:fillRef idx="0">
+            <a:schemeClr val="accent1"/>
+          </a:fillRef>
+          <a:effectRef idx="0">
+            <a:schemeClr val="accent1"/>
+          </a:effectRef>
+          <a:fontRef idx="minor">
+            <a:schemeClr val="tx1"/>
+          </a:fontRef>
+        </p:style>
+        <p:txBody>
+          <a:bodyPr rtlCol="0" anchor="ctr"/>
+          <a:lstStyle/>
+          <a:p>
+            <a:pPr algn="ctr"/>
+            <a:endParaRPr lang="zh-CN" altLang="en-US"/>
+          </a:p>
+        </p:txBody>
+      </p:sp>
+      <p:cxnSp>
+        <p:nvCxnSpPr>
+          <p:cNvPr id="93" name="直接连接符 92">
+            <a:extLst>
+              <a:ext uri="{FF2B5EF4-FFF2-40B4-BE49-F238E27FC236}">
+                <a16:creationId xmlns:a16="http://schemas.microsoft.com/office/drawing/2014/main" id="{766A21DD-2F39-4626-A2D1-AE7DEF88E378}"/>
+              </a:ext>
+            </a:extLst>
+          </p:cNvPr>
+          <p:cNvCxnSpPr>
+            <a:cxnSpLocks/>
+          </p:cNvCxnSpPr>
+          <p:nvPr/>
+        </p:nvCxnSpPr>
+        <p:spPr>
+          <a:xfrm flipH="1">
+            <a:off x="8769617" y="2646948"/>
+            <a:ext cx="782052" cy="0"/>
+          </a:xfrm>
+          <a:prstGeom prst="line">
+            <a:avLst/>
+          </a:prstGeom>
+          <a:ln w="28575">
+            <a:solidFill>
+              <a:schemeClr val="tx1"/>
+            </a:solidFill>
+          </a:ln>
+        </p:spPr>
+        <p:style>
+          <a:lnRef idx="1">
+            <a:schemeClr val="accent1"/>
+          </a:lnRef>
+          <a:fillRef idx="0">
+            <a:schemeClr val="accent1"/>
+          </a:fillRef>
+          <a:effectRef idx="0">
+            <a:schemeClr val="accent1"/>
+          </a:effectRef>
+          <a:fontRef idx="minor">
+            <a:schemeClr val="tx1"/>
+          </a:fontRef>
+        </p:style>
+      </p:cxnSp>
+      <p:cxnSp>
+        <p:nvCxnSpPr>
+          <p:cNvPr id="94" name="直接连接符 93">
+            <a:extLst>
+              <a:ext uri="{FF2B5EF4-FFF2-40B4-BE49-F238E27FC236}">
+                <a16:creationId xmlns:a16="http://schemas.microsoft.com/office/drawing/2014/main" id="{F126AE58-A5B0-43F1-9BA8-0B9C806780B6}"/>
+              </a:ext>
+            </a:extLst>
+          </p:cNvPr>
+          <p:cNvCxnSpPr>
+            <a:cxnSpLocks/>
+          </p:cNvCxnSpPr>
+          <p:nvPr/>
+        </p:nvCxnSpPr>
+        <p:spPr>
+          <a:xfrm flipH="1">
+            <a:off x="8771307" y="1924211"/>
+            <a:ext cx="308108" cy="731733"/>
+          </a:xfrm>
+          <a:prstGeom prst="line">
+            <a:avLst/>
+          </a:prstGeom>
+          <a:ln w="28575">
+            <a:solidFill>
+              <a:schemeClr val="tx1"/>
+            </a:solidFill>
+          </a:ln>
+        </p:spPr>
+        <p:style>
+          <a:lnRef idx="1">
+            <a:schemeClr val="accent1"/>
+          </a:lnRef>
+          <a:fillRef idx="0">
+            <a:schemeClr val="accent1"/>
+          </a:fillRef>
+          <a:effectRef idx="0">
+            <a:schemeClr val="accent1"/>
+          </a:effectRef>
+          <a:fontRef idx="minor">
+            <a:schemeClr val="tx1"/>
+          </a:fontRef>
+        </p:style>
+      </p:cxnSp>
+      <mc:AlternateContent xmlns:mc="http://schemas.openxmlformats.org/markup-compatibility/2006">
+        <mc:Choice xmlns:a14="http://schemas.microsoft.com/office/drawing/2010/main" Requires="a14">
+          <p:sp>
+            <p:nvSpPr>
+              <p:cNvPr id="95" name="文本框 94">
+                <a:extLst>
+                  <a:ext uri="{FF2B5EF4-FFF2-40B4-BE49-F238E27FC236}">
+                    <a16:creationId xmlns:a16="http://schemas.microsoft.com/office/drawing/2014/main" id="{8015EC50-B6FC-4560-93E4-B86612231EC3}"/>
+                  </a:ext>
+                </a:extLst>
+              </p:cNvPr>
+              <p:cNvSpPr txBox="1"/>
+              <p:nvPr/>
+            </p:nvSpPr>
+            <p:spPr>
+              <a:xfrm>
+                <a:off x="9062013" y="2640932"/>
+                <a:ext cx="223520" cy="276999"/>
+              </a:xfrm>
+              <a:prstGeom prst="rect">
+                <a:avLst/>
+              </a:prstGeom>
+              <a:noFill/>
+            </p:spPr>
+            <p:txBody>
+              <a:bodyPr wrap="square" rtlCol="0">
+                <a:spAutoFit/>
+              </a:bodyPr>
+              <a:lstStyle/>
+              <a:p>
+                <a14:m>
+                  <m:oMathPara xmlns:m="http://schemas.openxmlformats.org/officeDocument/2006/math">
+                    <m:oMathParaPr>
+                      <m:jc m:val="centerGroup"/>
+                    </m:oMathParaPr>
+                    <m:oMath xmlns:m="http://schemas.openxmlformats.org/officeDocument/2006/math">
+                      <m:r>
+                        <a:rPr lang="en-US" altLang="zh-CN" sz="1200" b="0" i="1" smtClean="0">
+                          <a:latin typeface="Cambria Math" panose="02040503050406030204" pitchFamily="18" charset="0"/>
+                        </a:rPr>
+                        <m:t>𝑘</m:t>
+                      </m:r>
+                    </m:oMath>
+                  </m:oMathPara>
+                </a14:m>
+                <a:endParaRPr lang="zh-CN" altLang="en-US" sz="1200" dirty="0"/>
+              </a:p>
+            </p:txBody>
+          </p:sp>
+        </mc:Choice>
+        <mc:Fallback>
+          <p:sp>
+            <p:nvSpPr>
+              <p:cNvPr id="95" name="文本框 94">
+                <a:extLst>
+                  <a:ext uri="{FF2B5EF4-FFF2-40B4-BE49-F238E27FC236}">
+                    <a16:creationId xmlns:a16="http://schemas.microsoft.com/office/drawing/2014/main" id="{8015EC50-B6FC-4560-93E4-B86612231EC3}"/>
+                  </a:ext>
+                </a:extLst>
+              </p:cNvPr>
+              <p:cNvSpPr txBox="1">
+                <a:spLocks noRot="1" noChangeAspect="1" noMove="1" noResize="1" noEditPoints="1" noAdjustHandles="1" noChangeArrowheads="1" noChangeShapeType="1" noTextEdit="1"/>
+              </p:cNvSpPr>
+              <p:nvPr/>
+            </p:nvSpPr>
+            <p:spPr>
+              <a:xfrm>
+                <a:off x="9062013" y="2640932"/>
+                <a:ext cx="223520" cy="276999"/>
+              </a:xfrm>
+              <a:prstGeom prst="rect">
+                <a:avLst/>
+              </a:prstGeom>
+              <a:blipFill>
+                <a:blip r:embed="rId7"/>
+                <a:stretch>
+                  <a:fillRect r="-5556"/>
+                </a:stretch>
+              </a:blipFill>
+            </p:spPr>
+            <p:txBody>
+              <a:bodyPr/>
+              <a:lstStyle/>
+              <a:p>
+                <a:r>
+                  <a:rPr lang="zh-CN" altLang="en-US">
+                    <a:noFill/>
+                  </a:rPr>
+                  <a:t> </a:t>
+                </a:r>
+              </a:p>
+            </p:txBody>
+          </p:sp>
+        </mc:Fallback>
+      </mc:AlternateContent>
+      <mc:AlternateContent xmlns:mc="http://schemas.openxmlformats.org/markup-compatibility/2006">
+        <mc:Choice xmlns:a14="http://schemas.microsoft.com/office/drawing/2010/main" Requires="a14">
+          <p:sp>
+            <p:nvSpPr>
+              <p:cNvPr id="96" name="文本框 95">
+                <a:extLst>
+                  <a:ext uri="{FF2B5EF4-FFF2-40B4-BE49-F238E27FC236}">
+                    <a16:creationId xmlns:a16="http://schemas.microsoft.com/office/drawing/2014/main" id="{6D16666B-51E5-4D61-B937-3A9350210656}"/>
+                  </a:ext>
+                </a:extLst>
+              </p:cNvPr>
+              <p:cNvSpPr txBox="1"/>
+              <p:nvPr/>
+            </p:nvSpPr>
+            <p:spPr>
+              <a:xfrm>
+                <a:off x="8916163" y="2328925"/>
+                <a:ext cx="266311" cy="276999"/>
+              </a:xfrm>
+              <a:prstGeom prst="rect">
+                <a:avLst/>
+              </a:prstGeom>
+              <a:noFill/>
+            </p:spPr>
+            <p:txBody>
+              <a:bodyPr wrap="square" rtlCol="0">
+                <a:spAutoFit/>
+              </a:bodyPr>
+              <a:lstStyle/>
+              <a:p>
+                <a14:m>
+                  <m:oMathPara xmlns:m="http://schemas.openxmlformats.org/officeDocument/2006/math">
+                    <m:oMathParaPr>
+                      <m:jc m:val="centerGroup"/>
+                    </m:oMathParaPr>
+                    <m:oMath xmlns:m="http://schemas.openxmlformats.org/officeDocument/2006/math">
+                      <m:r>
+                        <a:rPr lang="en-US" altLang="zh-CN" sz="1200" b="0" i="1" smtClean="0">
+                          <a:latin typeface="Cambria Math" panose="02040503050406030204" pitchFamily="18" charset="0"/>
+                        </a:rPr>
+                        <m:t>𝜃</m:t>
+                      </m:r>
+                    </m:oMath>
+                  </m:oMathPara>
+                </a14:m>
+                <a:endParaRPr lang="zh-CN" altLang="en-US" sz="1200" dirty="0"/>
+              </a:p>
+            </p:txBody>
+          </p:sp>
+        </mc:Choice>
+        <mc:Fallback>
+          <p:sp>
+            <p:nvSpPr>
+              <p:cNvPr id="96" name="文本框 95">
+                <a:extLst>
+                  <a:ext uri="{FF2B5EF4-FFF2-40B4-BE49-F238E27FC236}">
+                    <a16:creationId xmlns:a16="http://schemas.microsoft.com/office/drawing/2014/main" id="{6D16666B-51E5-4D61-B937-3A9350210656}"/>
+                  </a:ext>
+                </a:extLst>
+              </p:cNvPr>
+              <p:cNvSpPr txBox="1">
+                <a:spLocks noRot="1" noChangeAspect="1" noMove="1" noResize="1" noEditPoints="1" noAdjustHandles="1" noChangeArrowheads="1" noChangeShapeType="1" noTextEdit="1"/>
+              </p:cNvSpPr>
+              <p:nvPr/>
+            </p:nvSpPr>
+            <p:spPr>
+              <a:xfrm>
+                <a:off x="8916163" y="2328925"/>
+                <a:ext cx="266311" cy="276999"/>
+              </a:xfrm>
+              <a:prstGeom prst="rect">
+                <a:avLst/>
+              </a:prstGeom>
+              <a:blipFill>
+                <a:blip r:embed="rId8"/>
+                <a:stretch>
+                  <a:fillRect/>
+                </a:stretch>
+              </a:blipFill>
+            </p:spPr>
+            <p:txBody>
+              <a:bodyPr/>
+              <a:lstStyle/>
+              <a:p>
+                <a:r>
+                  <a:rPr lang="zh-CN" altLang="en-US">
+                    <a:noFill/>
+                  </a:rPr>
+                  <a:t> </a:t>
+                </a:r>
+              </a:p>
+            </p:txBody>
+          </p:sp>
+        </mc:Fallback>
+      </mc:AlternateContent>
+      <p:sp>
+        <p:nvSpPr>
+          <p:cNvPr id="97" name="弧形 96">
+            <a:extLst>
+              <a:ext uri="{FF2B5EF4-FFF2-40B4-BE49-F238E27FC236}">
+                <a16:creationId xmlns:a16="http://schemas.microsoft.com/office/drawing/2014/main" id="{02A85C79-D28E-4EDE-BC59-BD589AC3A6A7}"/>
+              </a:ext>
+            </a:extLst>
+          </p:cNvPr>
+          <p:cNvSpPr/>
+          <p:nvPr/>
+        </p:nvSpPr>
+        <p:spPr>
+          <a:xfrm>
+            <a:off x="8732612" y="2460456"/>
+            <a:ext cx="266301" cy="359999"/>
+          </a:xfrm>
+          <a:prstGeom prst="arc">
+            <a:avLst/>
+          </a:prstGeom>
+          <a:ln w="12700">
+            <a:solidFill>
+              <a:schemeClr val="tx1"/>
+            </a:solidFill>
+          </a:ln>
+        </p:spPr>
+        <p:style>
+          <a:lnRef idx="1">
+            <a:schemeClr val="accent1"/>
+          </a:lnRef>
+          <a:fillRef idx="0">
+            <a:schemeClr val="accent1"/>
+          </a:fillRef>
+          <a:effectRef idx="0">
+            <a:schemeClr val="accent1"/>
+          </a:effectRef>
+          <a:fontRef idx="minor">
+            <a:schemeClr val="tx1"/>
+          </a:fontRef>
+        </p:style>
+        <p:txBody>
+          <a:bodyPr rtlCol="0" anchor="ctr"/>
+          <a:lstStyle/>
+          <a:p>
+            <a:pPr algn="ctr"/>
+            <a:endParaRPr lang="zh-CN" altLang="en-US"/>
+          </a:p>
+        </p:txBody>
+      </p:sp>
+      <mc:AlternateContent xmlns:mc="http://schemas.openxmlformats.org/markup-compatibility/2006">
+        <mc:Choice xmlns:a14="http://schemas.microsoft.com/office/drawing/2010/main" Requires="a14">
+          <p:sp>
+            <p:nvSpPr>
+              <p:cNvPr id="103" name="文本框 102">
+                <a:extLst>
+                  <a:ext uri="{FF2B5EF4-FFF2-40B4-BE49-F238E27FC236}">
+                    <a16:creationId xmlns:a16="http://schemas.microsoft.com/office/drawing/2014/main" id="{0FF394AA-7309-4CBF-A36A-4E8126EAA285}"/>
+                  </a:ext>
+                </a:extLst>
+              </p:cNvPr>
+              <p:cNvSpPr txBox="1"/>
+              <p:nvPr/>
+            </p:nvSpPr>
+            <p:spPr>
+              <a:xfrm>
+                <a:off x="2379064" y="1158678"/>
+                <a:ext cx="605013" cy="369332"/>
+              </a:xfrm>
+              <a:prstGeom prst="rect">
+                <a:avLst/>
+              </a:prstGeom>
+              <a:noFill/>
+            </p:spPr>
+            <p:txBody>
+              <a:bodyPr wrap="square" rtlCol="0">
+                <a:spAutoFit/>
+              </a:bodyPr>
+              <a:lstStyle/>
+              <a:p>
+                <a14:m>
+                  <m:oMathPara xmlns:m="http://schemas.openxmlformats.org/officeDocument/2006/math">
+                    <m:oMathParaPr>
+                      <m:jc m:val="centerGroup"/>
+                    </m:oMathParaPr>
+                    <m:oMath xmlns:m="http://schemas.openxmlformats.org/officeDocument/2006/math">
+                      <m:r>
+                        <a:rPr lang="en-US" altLang="zh-CN" b="0" i="1" smtClean="0">
+                          <a:latin typeface="Cambria Math" panose="02040503050406030204" pitchFamily="18" charset="0"/>
+                        </a:rPr>
+                        <m:t>(</m:t>
+                      </m:r>
+                      <m:r>
+                        <a:rPr lang="en-US" altLang="zh-CN" b="0" i="1" smtClean="0">
+                          <a:latin typeface="Cambria Math" panose="02040503050406030204" pitchFamily="18" charset="0"/>
+                        </a:rPr>
+                        <m:t>𝑎</m:t>
+                      </m:r>
+                      <m:r>
+                        <a:rPr lang="en-US" altLang="zh-CN" b="0" i="1" smtClean="0">
+                          <a:latin typeface="Cambria Math" panose="02040503050406030204" pitchFamily="18" charset="0"/>
+                        </a:rPr>
+                        <m:t>)</m:t>
+                      </m:r>
+                    </m:oMath>
+                  </m:oMathPara>
+                </a14:m>
+                <a:endParaRPr lang="zh-CN" altLang="en-US" dirty="0"/>
+              </a:p>
+            </p:txBody>
+          </p:sp>
+        </mc:Choice>
+        <mc:Fallback>
+          <p:sp>
+            <p:nvSpPr>
+              <p:cNvPr id="103" name="文本框 102">
+                <a:extLst>
+                  <a:ext uri="{FF2B5EF4-FFF2-40B4-BE49-F238E27FC236}">
+                    <a16:creationId xmlns:a16="http://schemas.microsoft.com/office/drawing/2014/main" id="{0FF394AA-7309-4CBF-A36A-4E8126EAA285}"/>
+                  </a:ext>
+                </a:extLst>
+              </p:cNvPr>
+              <p:cNvSpPr txBox="1">
+                <a:spLocks noRot="1" noChangeAspect="1" noMove="1" noResize="1" noEditPoints="1" noAdjustHandles="1" noChangeArrowheads="1" noChangeShapeType="1" noTextEdit="1"/>
+              </p:cNvSpPr>
+              <p:nvPr/>
+            </p:nvSpPr>
+            <p:spPr>
+              <a:xfrm>
+                <a:off x="2379064" y="1158678"/>
+                <a:ext cx="605013" cy="369332"/>
+              </a:xfrm>
+              <a:prstGeom prst="rect">
+                <a:avLst/>
+              </a:prstGeom>
+              <a:blipFill>
+                <a:blip r:embed="rId9"/>
+                <a:stretch>
+                  <a:fillRect b="-13115"/>
+                </a:stretch>
+              </a:blipFill>
+            </p:spPr>
+            <p:txBody>
+              <a:bodyPr/>
+              <a:lstStyle/>
+              <a:p>
+                <a:r>
+                  <a:rPr lang="zh-CN" altLang="en-US">
+                    <a:noFill/>
+                  </a:rPr>
+                  <a:t> </a:t>
+                </a:r>
+              </a:p>
+            </p:txBody>
+          </p:sp>
+        </mc:Fallback>
+      </mc:AlternateContent>
+      <mc:AlternateContent xmlns:mc="http://schemas.openxmlformats.org/markup-compatibility/2006">
+        <mc:Choice xmlns:a14="http://schemas.microsoft.com/office/drawing/2010/main" Requires="a14">
+          <p:sp>
+            <p:nvSpPr>
+              <p:cNvPr id="105" name="文本框 104">
+                <a:extLst>
+                  <a:ext uri="{FF2B5EF4-FFF2-40B4-BE49-F238E27FC236}">
+                    <a16:creationId xmlns:a16="http://schemas.microsoft.com/office/drawing/2014/main" id="{27FB20DA-4B09-4089-8C37-49FC42F759B7}"/>
+                  </a:ext>
+                </a:extLst>
+              </p:cNvPr>
+              <p:cNvSpPr txBox="1"/>
+              <p:nvPr/>
+            </p:nvSpPr>
+            <p:spPr>
+              <a:xfrm>
+                <a:off x="5476847" y="1158678"/>
+                <a:ext cx="649984" cy="369332"/>
+              </a:xfrm>
+              <a:prstGeom prst="rect">
+                <a:avLst/>
+              </a:prstGeom>
+              <a:noFill/>
+            </p:spPr>
+            <p:txBody>
+              <a:bodyPr wrap="square">
+                <a:spAutoFit/>
+              </a:bodyPr>
+              <a:lstStyle/>
+              <a:p>
+                <a:pPr/>
+                <a14:m>
+                  <m:oMathPara xmlns:m="http://schemas.openxmlformats.org/officeDocument/2006/math">
+                    <m:oMathParaPr>
+                      <m:jc m:val="centerGroup"/>
+                    </m:oMathParaPr>
+                    <m:oMath xmlns:m="http://schemas.openxmlformats.org/officeDocument/2006/math">
+                      <m:r>
+                        <a:rPr lang="en-US" altLang="zh-CN" b="0" i="1" smtClean="0">
+                          <a:latin typeface="Cambria Math" panose="02040503050406030204" pitchFamily="18" charset="0"/>
+                        </a:rPr>
+                        <m:t>(</m:t>
+                      </m:r>
+                      <m:r>
+                        <a:rPr lang="en-US" altLang="zh-CN" b="0" i="1" smtClean="0">
+                          <a:latin typeface="Cambria Math" panose="02040503050406030204" pitchFamily="18" charset="0"/>
+                        </a:rPr>
+                        <m:t>𝑏</m:t>
+                      </m:r>
+                      <m:r>
+                        <a:rPr lang="en-US" altLang="zh-CN" b="0" i="1" smtClean="0">
+                          <a:latin typeface="Cambria Math" panose="02040503050406030204" pitchFamily="18" charset="0"/>
+                        </a:rPr>
+                        <m:t>)</m:t>
+                      </m:r>
+                    </m:oMath>
+                  </m:oMathPara>
+                </a14:m>
+                <a:endParaRPr lang="zh-CN" altLang="en-US" dirty="0"/>
+              </a:p>
+            </p:txBody>
+          </p:sp>
+        </mc:Choice>
+        <mc:Fallback>
+          <p:sp>
+            <p:nvSpPr>
+              <p:cNvPr id="105" name="文本框 104">
+                <a:extLst>
+                  <a:ext uri="{FF2B5EF4-FFF2-40B4-BE49-F238E27FC236}">
+                    <a16:creationId xmlns:a16="http://schemas.microsoft.com/office/drawing/2014/main" id="{27FB20DA-4B09-4089-8C37-49FC42F759B7}"/>
+                  </a:ext>
+                </a:extLst>
+              </p:cNvPr>
+              <p:cNvSpPr txBox="1">
+                <a:spLocks noRot="1" noChangeAspect="1" noMove="1" noResize="1" noEditPoints="1" noAdjustHandles="1" noChangeArrowheads="1" noChangeShapeType="1" noTextEdit="1"/>
+              </p:cNvSpPr>
+              <p:nvPr/>
+            </p:nvSpPr>
+            <p:spPr>
+              <a:xfrm>
+                <a:off x="5476847" y="1158678"/>
+                <a:ext cx="649984" cy="369332"/>
+              </a:xfrm>
+              <a:prstGeom prst="rect">
+                <a:avLst/>
+              </a:prstGeom>
+              <a:blipFill>
+                <a:blip r:embed="rId10"/>
+                <a:stretch>
+                  <a:fillRect b="-13115"/>
+                </a:stretch>
+              </a:blipFill>
+            </p:spPr>
+            <p:txBody>
+              <a:bodyPr/>
+              <a:lstStyle/>
+              <a:p>
+                <a:r>
+                  <a:rPr lang="zh-CN" altLang="en-US">
+                    <a:noFill/>
+                  </a:rPr>
+                  <a:t> </a:t>
+                </a:r>
+              </a:p>
+            </p:txBody>
+          </p:sp>
+        </mc:Fallback>
+      </mc:AlternateContent>
+      <mc:AlternateContent xmlns:mc="http://schemas.openxmlformats.org/markup-compatibility/2006">
+        <mc:Choice xmlns:a14="http://schemas.microsoft.com/office/drawing/2010/main" Requires="a14">
+          <p:sp>
+            <p:nvSpPr>
+              <p:cNvPr id="107" name="文本框 106">
+                <a:extLst>
+                  <a:ext uri="{FF2B5EF4-FFF2-40B4-BE49-F238E27FC236}">
+                    <a16:creationId xmlns:a16="http://schemas.microsoft.com/office/drawing/2014/main" id="{1F245614-8753-4367-B1DE-D3F3CAF67C1C}"/>
+                  </a:ext>
+                </a:extLst>
+              </p:cNvPr>
+              <p:cNvSpPr txBox="1"/>
+              <p:nvPr/>
+            </p:nvSpPr>
+            <p:spPr>
+              <a:xfrm>
+                <a:off x="7478839" y="1158678"/>
+                <a:ext cx="538594" cy="369332"/>
+              </a:xfrm>
+              <a:prstGeom prst="rect">
+                <a:avLst/>
+              </a:prstGeom>
+              <a:noFill/>
+            </p:spPr>
+            <p:txBody>
+              <a:bodyPr wrap="square">
+                <a:spAutoFit/>
+              </a:bodyPr>
+              <a:lstStyle/>
+              <a:p>
+                <a:pPr/>
+                <a14:m>
+                  <m:oMathPara xmlns:m="http://schemas.openxmlformats.org/officeDocument/2006/math">
+                    <m:oMathParaPr>
+                      <m:jc m:val="centerGroup"/>
+                    </m:oMathParaPr>
+                    <m:oMath xmlns:m="http://schemas.openxmlformats.org/officeDocument/2006/math">
+                      <m:r>
+                        <a:rPr lang="en-US" altLang="zh-CN" b="0" i="1" smtClean="0">
+                          <a:latin typeface="Cambria Math" panose="02040503050406030204" pitchFamily="18" charset="0"/>
+                        </a:rPr>
+                        <m:t>(</m:t>
+                      </m:r>
+                      <m:r>
+                        <a:rPr lang="en-US" altLang="zh-CN" b="0" i="1" smtClean="0">
+                          <a:latin typeface="Cambria Math" panose="02040503050406030204" pitchFamily="18" charset="0"/>
+                        </a:rPr>
+                        <m:t>𝑐</m:t>
+                      </m:r>
+                      <m:r>
+                        <a:rPr lang="en-US" altLang="zh-CN" b="0" i="1" smtClean="0">
+                          <a:latin typeface="Cambria Math" panose="02040503050406030204" pitchFamily="18" charset="0"/>
+                        </a:rPr>
+                        <m:t>)</m:t>
+                      </m:r>
+                    </m:oMath>
+                  </m:oMathPara>
+                </a14:m>
+                <a:endParaRPr lang="zh-CN" altLang="en-US" dirty="0"/>
+              </a:p>
+            </p:txBody>
+          </p:sp>
+        </mc:Choice>
+        <mc:Fallback>
+          <p:sp>
+            <p:nvSpPr>
+              <p:cNvPr id="107" name="文本框 106">
+                <a:extLst>
+                  <a:ext uri="{FF2B5EF4-FFF2-40B4-BE49-F238E27FC236}">
+                    <a16:creationId xmlns:a16="http://schemas.microsoft.com/office/drawing/2014/main" id="{1F245614-8753-4367-B1DE-D3F3CAF67C1C}"/>
+                  </a:ext>
+                </a:extLst>
+              </p:cNvPr>
+              <p:cNvSpPr txBox="1">
+                <a:spLocks noRot="1" noChangeAspect="1" noMove="1" noResize="1" noEditPoints="1" noAdjustHandles="1" noChangeArrowheads="1" noChangeShapeType="1" noTextEdit="1"/>
+              </p:cNvSpPr>
+              <p:nvPr/>
+            </p:nvSpPr>
+            <p:spPr>
+              <a:xfrm>
+                <a:off x="7478839" y="1158678"/>
+                <a:ext cx="538594" cy="369332"/>
+              </a:xfrm>
+              <a:prstGeom prst="rect">
+                <a:avLst/>
+              </a:prstGeom>
+              <a:blipFill>
+                <a:blip r:embed="rId11"/>
+                <a:stretch>
+                  <a:fillRect b="-13115"/>
+                </a:stretch>
+              </a:blipFill>
+            </p:spPr>
+            <p:txBody>
+              <a:bodyPr/>
+              <a:lstStyle/>
+              <a:p>
+                <a:r>
+                  <a:rPr lang="zh-CN" altLang="en-US">
+                    <a:noFill/>
+                  </a:rPr>
+                  <a:t> </a:t>
+                </a:r>
+              </a:p>
+            </p:txBody>
+          </p:sp>
+        </mc:Fallback>
+      </mc:AlternateContent>
     </p:spTree>
     <p:extLst>
       <p:ext uri="{BB962C8B-B14F-4D97-AF65-F5344CB8AC3E}">
-        <p14:creationId xmlns:p14="http://schemas.microsoft.com/office/powerpoint/2010/main" val="653558726"/>
+        <p14:creationId xmlns:p14="http://schemas.microsoft.com/office/powerpoint/2010/main" val="726691897"/>
       </p:ext>
     </p:extLst>
   </p:cSld>

--- a/iron/vortex.pptx
+++ b/iron/vortex.pptx
@@ -3479,8 +3479,8 @@
           </a:p>
         </p:txBody>
       </p:sp>
-      <mc:AlternateContent xmlns:mc="http://schemas.openxmlformats.org/markup-compatibility/2006">
-        <mc:Choice xmlns:a14="http://schemas.microsoft.com/office/drawing/2010/main" Requires="a14">
+      <mc:AlternateContent xmlns:mc="http://schemas.openxmlformats.org/markup-compatibility/2006" xmlns:a14="http://schemas.microsoft.com/office/drawing/2010/main">
+        <mc:Choice Requires="a14">
           <p:sp>
             <p:nvSpPr>
               <p:cNvPr id="8" name="文本框 7">
@@ -3509,6 +3509,7 @@
               </a:bodyPr>
               <a:lstStyle/>
               <a:p>
+                <a:pPr/>
                 <a14:m>
                   <m:oMathPara xmlns:m="http://schemas.openxmlformats.org/officeDocument/2006/math">
                     <m:oMathParaPr>
@@ -3529,7 +3530,7 @@
             </p:txBody>
           </p:sp>
         </mc:Choice>
-        <mc:Fallback>
+        <mc:Fallback xmlns="">
           <p:sp>
             <p:nvSpPr>
               <p:cNvPr id="8" name="文本框 7">
@@ -3574,8 +3575,8 @@
           </p:sp>
         </mc:Fallback>
       </mc:AlternateContent>
-      <mc:AlternateContent xmlns:mc="http://schemas.openxmlformats.org/markup-compatibility/2006">
-        <mc:Choice xmlns:a14="http://schemas.microsoft.com/office/drawing/2010/main" Requires="a14">
+      <mc:AlternateContent xmlns:mc="http://schemas.openxmlformats.org/markup-compatibility/2006" xmlns:a14="http://schemas.microsoft.com/office/drawing/2010/main">
+        <mc:Choice Requires="a14">
           <p:sp>
             <p:nvSpPr>
               <p:cNvPr id="11" name="文本框 10">
@@ -3604,6 +3605,7 @@
               </a:bodyPr>
               <a:lstStyle/>
               <a:p>
+                <a:pPr/>
                 <a14:m>
                   <m:oMathPara xmlns:m="http://schemas.openxmlformats.org/officeDocument/2006/math">
                     <m:oMathParaPr>
@@ -3643,7 +3645,7 @@
             </p:txBody>
           </p:sp>
         </mc:Choice>
-        <mc:Fallback>
+        <mc:Fallback xmlns="">
           <p:sp>
             <p:nvSpPr>
               <p:cNvPr id="11" name="文本框 10">
@@ -4583,8 +4585,8 @@
           </a:fontRef>
         </p:style>
       </p:cxnSp>
-      <mc:AlternateContent xmlns:mc="http://schemas.openxmlformats.org/markup-compatibility/2006">
-        <mc:Choice xmlns:a14="http://schemas.microsoft.com/office/drawing/2010/main" Requires="a14">
+      <mc:AlternateContent xmlns:mc="http://schemas.openxmlformats.org/markup-compatibility/2006" xmlns:a14="http://schemas.microsoft.com/office/drawing/2010/main">
+        <mc:Choice Requires="a14">
           <p:sp>
             <p:nvSpPr>
               <p:cNvPr id="88" name="文本框 87">
@@ -4613,6 +4615,7 @@
               </a:bodyPr>
               <a:lstStyle/>
               <a:p>
+                <a:pPr/>
                 <a14:m>
                   <m:oMathPara xmlns:m="http://schemas.openxmlformats.org/officeDocument/2006/math">
                     <m:oMathParaPr>
@@ -4633,7 +4636,7 @@
             </p:txBody>
           </p:sp>
         </mc:Choice>
-        <mc:Fallback>
+        <mc:Fallback xmlns="">
           <p:sp>
             <p:nvSpPr>
               <p:cNvPr id="88" name="文本框 87">
@@ -4678,8 +4681,8 @@
           </p:sp>
         </mc:Fallback>
       </mc:AlternateContent>
-      <mc:AlternateContent xmlns:mc="http://schemas.openxmlformats.org/markup-compatibility/2006">
-        <mc:Choice xmlns:a14="http://schemas.microsoft.com/office/drawing/2010/main" Requires="a14">
+      <mc:AlternateContent xmlns:mc="http://schemas.openxmlformats.org/markup-compatibility/2006" xmlns:a14="http://schemas.microsoft.com/office/drawing/2010/main">
+        <mc:Choice Requires="a14">
           <p:sp>
             <p:nvSpPr>
               <p:cNvPr id="91" name="文本框 90">
@@ -4708,6 +4711,7 @@
               </a:bodyPr>
               <a:lstStyle/>
               <a:p>
+                <a:pPr/>
                 <a14:m>
                   <m:oMathPara xmlns:m="http://schemas.openxmlformats.org/officeDocument/2006/math">
                     <m:oMathParaPr>
@@ -4728,7 +4732,7 @@
             </p:txBody>
           </p:sp>
         </mc:Choice>
-        <mc:Fallback>
+        <mc:Fallback xmlns="">
           <p:sp>
             <p:nvSpPr>
               <p:cNvPr id="91" name="文本框 90">
@@ -4908,8 +4912,8 @@
           </a:fontRef>
         </p:style>
       </p:cxnSp>
-      <mc:AlternateContent xmlns:mc="http://schemas.openxmlformats.org/markup-compatibility/2006">
-        <mc:Choice xmlns:a14="http://schemas.microsoft.com/office/drawing/2010/main" Requires="a14">
+      <mc:AlternateContent xmlns:mc="http://schemas.openxmlformats.org/markup-compatibility/2006" xmlns:a14="http://schemas.microsoft.com/office/drawing/2010/main">
+        <mc:Choice Requires="a14">
           <p:sp>
             <p:nvSpPr>
               <p:cNvPr id="95" name="文本框 94">
@@ -4938,6 +4942,7 @@
               </a:bodyPr>
               <a:lstStyle/>
               <a:p>
+                <a:pPr/>
                 <a14:m>
                   <m:oMathPara xmlns:m="http://schemas.openxmlformats.org/officeDocument/2006/math">
                     <m:oMathParaPr>
@@ -4958,7 +4963,7 @@
             </p:txBody>
           </p:sp>
         </mc:Choice>
-        <mc:Fallback>
+        <mc:Fallback xmlns="">
           <p:sp>
             <p:nvSpPr>
               <p:cNvPr id="95" name="文本框 94">
@@ -5003,8 +5008,8 @@
           </p:sp>
         </mc:Fallback>
       </mc:AlternateContent>
-      <mc:AlternateContent xmlns:mc="http://schemas.openxmlformats.org/markup-compatibility/2006">
-        <mc:Choice xmlns:a14="http://schemas.microsoft.com/office/drawing/2010/main" Requires="a14">
+      <mc:AlternateContent xmlns:mc="http://schemas.openxmlformats.org/markup-compatibility/2006" xmlns:a14="http://schemas.microsoft.com/office/drawing/2010/main">
+        <mc:Choice Requires="a14">
           <p:sp>
             <p:nvSpPr>
               <p:cNvPr id="96" name="文本框 95">
@@ -5033,6 +5038,7 @@
               </a:bodyPr>
               <a:lstStyle/>
               <a:p>
+                <a:pPr/>
                 <a14:m>
                   <m:oMathPara xmlns:m="http://schemas.openxmlformats.org/officeDocument/2006/math">
                     <m:oMathParaPr>
@@ -5053,7 +5059,7 @@
             </p:txBody>
           </p:sp>
         </mc:Choice>
-        <mc:Fallback>
+        <mc:Fallback xmlns="">
           <p:sp>
             <p:nvSpPr>
               <p:cNvPr id="96" name="文本框 95">
@@ -5163,7 +5169,7 @@
             </p:nvSpPr>
             <p:spPr>
               <a:xfrm>
-                <a:off x="2379064" y="1158678"/>
+                <a:off x="2373048" y="1009425"/>
                 <a:ext cx="605013" cy="369332"/>
               </a:xfrm>
               <a:prstGeom prst="rect">
@@ -5177,6 +5183,7 @@
               </a:bodyPr>
               <a:lstStyle/>
               <a:p>
+                <a:pPr/>
                 <a14:m>
                   <m:oMathPara xmlns:m="http://schemas.openxmlformats.org/officeDocument/2006/math">
                     <m:oMathParaPr>
@@ -5226,7 +5233,7 @@
             </p:nvSpPr>
             <p:spPr>
               <a:xfrm>
-                <a:off x="2379064" y="1158678"/>
+                <a:off x="2373048" y="1009425"/>
                 <a:ext cx="605013" cy="369332"/>
               </a:xfrm>
               <a:prstGeom prst="rect">
@@ -5235,7 +5242,7 @@
               <a:blipFill>
                 <a:blip r:embed="rId9"/>
                 <a:stretch>
-                  <a:fillRect b="-13115"/>
+                  <a:fillRect b="-13333"/>
                 </a:stretch>
               </a:blipFill>
             </p:spPr>
@@ -5270,7 +5277,7 @@
             </p:nvSpPr>
             <p:spPr>
               <a:xfrm>
-                <a:off x="5476847" y="1158678"/>
+                <a:off x="5469890" y="971643"/>
                 <a:ext cx="649984" cy="369332"/>
               </a:xfrm>
               <a:prstGeom prst="rect">
@@ -5334,7 +5341,7 @@
             </p:nvSpPr>
             <p:spPr>
               <a:xfrm>
-                <a:off x="5476847" y="1158678"/>
+                <a:off x="5469890" y="971643"/>
                 <a:ext cx="649984" cy="369332"/>
               </a:xfrm>
               <a:prstGeom prst="rect">
@@ -5378,7 +5385,7 @@
             </p:nvSpPr>
             <p:spPr>
               <a:xfrm>
-                <a:off x="7478839" y="1158678"/>
+                <a:off x="7489880" y="971643"/>
                 <a:ext cx="538594" cy="369332"/>
               </a:xfrm>
               <a:prstGeom prst="rect">
@@ -5442,7 +5449,7 @@
             </p:nvSpPr>
             <p:spPr>
               <a:xfrm>
-                <a:off x="7478839" y="1158678"/>
+                <a:off x="7489880" y="971643"/>
                 <a:ext cx="538594" cy="369332"/>
               </a:xfrm>
               <a:prstGeom prst="rect">
@@ -5452,6 +5459,640 @@
                 <a:blip r:embed="rId11"/>
                 <a:stretch>
                   <a:fillRect b="-13115"/>
+                </a:stretch>
+              </a:blipFill>
+            </p:spPr>
+            <p:txBody>
+              <a:bodyPr/>
+              <a:lstStyle/>
+              <a:p>
+                <a:r>
+                  <a:rPr lang="zh-CN" altLang="en-US">
+                    <a:noFill/>
+                  </a:rPr>
+                  <a:t> </a:t>
+                </a:r>
+              </a:p>
+            </p:txBody>
+          </p:sp>
+        </mc:Fallback>
+      </mc:AlternateContent>
+      <mc:AlternateContent xmlns:mc="http://schemas.openxmlformats.org/markup-compatibility/2006">
+        <mc:Choice xmlns:a14="http://schemas.microsoft.com/office/drawing/2010/main" Requires="a14">
+          <p:sp>
+            <p:nvSpPr>
+              <p:cNvPr id="2" name="文本框 1">
+                <a:extLst>
+                  <a:ext uri="{FF2B5EF4-FFF2-40B4-BE49-F238E27FC236}">
+                    <a16:creationId xmlns:a16="http://schemas.microsoft.com/office/drawing/2014/main" id="{CF756ED0-5BD5-40CC-8F9B-F5FC5C3F1CD2}"/>
+                  </a:ext>
+                </a:extLst>
+              </p:cNvPr>
+              <p:cNvSpPr txBox="1"/>
+              <p:nvPr/>
+            </p:nvSpPr>
+            <p:spPr>
+              <a:xfrm>
+                <a:off x="3484533" y="1680923"/>
+                <a:ext cx="234615" cy="307777"/>
+              </a:xfrm>
+              <a:prstGeom prst="rect">
+                <a:avLst/>
+              </a:prstGeom>
+              <a:noFill/>
+            </p:spPr>
+            <p:txBody>
+              <a:bodyPr wrap="square" rtlCol="0">
+                <a:spAutoFit/>
+              </a:bodyPr>
+              <a:lstStyle/>
+              <a:p>
+                <a14:m>
+                  <m:oMathPara xmlns:m="http://schemas.openxmlformats.org/officeDocument/2006/math">
+                    <m:oMathParaPr>
+                      <m:jc m:val="centerGroup"/>
+                    </m:oMathParaPr>
+                    <m:oMath xmlns:m="http://schemas.openxmlformats.org/officeDocument/2006/math">
+                      <m:sSub>
+                        <m:sSubPr>
+                          <m:ctrlPr>
+                            <a:rPr lang="en-US" altLang="zh-CN" sz="1400" b="0" i="1" smtClean="0">
+                              <a:solidFill>
+                                <a:srgbClr val="1E90FF"/>
+                              </a:solidFill>
+                              <a:latin typeface="Cambria Math" panose="02040503050406030204" pitchFamily="18" charset="0"/>
+                            </a:rPr>
+                          </m:ctrlPr>
+                        </m:sSubPr>
+                        <m:e>
+                          <m:r>
+                            <a:rPr lang="en-US" altLang="zh-CN" sz="1400" b="0" i="1" smtClean="0">
+                              <a:solidFill>
+                                <a:srgbClr val="1E90FF"/>
+                              </a:solidFill>
+                              <a:latin typeface="Cambria Math" panose="02040503050406030204" pitchFamily="18" charset="0"/>
+                            </a:rPr>
+                            <m:t>𝐸</m:t>
+                          </m:r>
+                        </m:e>
+                        <m:sub>
+                          <m:r>
+                            <a:rPr lang="en-US" altLang="zh-CN" sz="1400" b="0" i="1" smtClean="0">
+                              <a:solidFill>
+                                <a:srgbClr val="1E90FF"/>
+                              </a:solidFill>
+                              <a:latin typeface="Cambria Math" panose="02040503050406030204" pitchFamily="18" charset="0"/>
+                            </a:rPr>
+                            <m:t>+</m:t>
+                          </m:r>
+                        </m:sub>
+                      </m:sSub>
+                    </m:oMath>
+                  </m:oMathPara>
+                </a14:m>
+                <a:endParaRPr lang="zh-CN" altLang="en-US" dirty="0"/>
+              </a:p>
+            </p:txBody>
+          </p:sp>
+        </mc:Choice>
+        <mc:Fallback>
+          <p:sp>
+            <p:nvSpPr>
+              <p:cNvPr id="2" name="文本框 1">
+                <a:extLst>
+                  <a:ext uri="{FF2B5EF4-FFF2-40B4-BE49-F238E27FC236}">
+                    <a16:creationId xmlns:a16="http://schemas.microsoft.com/office/drawing/2014/main" id="{CF756ED0-5BD5-40CC-8F9B-F5FC5C3F1CD2}"/>
+                  </a:ext>
+                </a:extLst>
+              </p:cNvPr>
+              <p:cNvSpPr txBox="1">
+                <a:spLocks noRot="1" noChangeAspect="1" noMove="1" noResize="1" noEditPoints="1" noAdjustHandles="1" noChangeArrowheads="1" noChangeShapeType="1" noTextEdit="1"/>
+              </p:cNvSpPr>
+              <p:nvPr/>
+            </p:nvSpPr>
+            <p:spPr>
+              <a:xfrm>
+                <a:off x="3484533" y="1680923"/>
+                <a:ext cx="234615" cy="307777"/>
+              </a:xfrm>
+              <a:prstGeom prst="rect">
+                <a:avLst/>
+              </a:prstGeom>
+              <a:blipFill>
+                <a:blip r:embed="rId12"/>
+                <a:stretch>
+                  <a:fillRect r="-39474"/>
+                </a:stretch>
+              </a:blipFill>
+            </p:spPr>
+            <p:txBody>
+              <a:bodyPr/>
+              <a:lstStyle/>
+              <a:p>
+                <a:r>
+                  <a:rPr lang="zh-CN" altLang="en-US">
+                    <a:noFill/>
+                  </a:rPr>
+                  <a:t> </a:t>
+                </a:r>
+              </a:p>
+            </p:txBody>
+          </p:sp>
+        </mc:Fallback>
+      </mc:AlternateContent>
+      <mc:AlternateContent xmlns:mc="http://schemas.openxmlformats.org/markup-compatibility/2006">
+        <mc:Choice xmlns:a14="http://schemas.microsoft.com/office/drawing/2010/main" Requires="a14">
+          <p:sp>
+            <p:nvSpPr>
+              <p:cNvPr id="40" name="文本框 39">
+                <a:extLst>
+                  <a:ext uri="{FF2B5EF4-FFF2-40B4-BE49-F238E27FC236}">
+                    <a16:creationId xmlns:a16="http://schemas.microsoft.com/office/drawing/2014/main" id="{8CF11FB3-9377-4623-B61B-5460B1280114}"/>
+                  </a:ext>
+                </a:extLst>
+              </p:cNvPr>
+              <p:cNvSpPr txBox="1"/>
+              <p:nvPr/>
+            </p:nvSpPr>
+            <p:spPr>
+              <a:xfrm>
+                <a:off x="3330379" y="2246128"/>
+                <a:ext cx="542925" cy="307777"/>
+              </a:xfrm>
+              <a:prstGeom prst="rect">
+                <a:avLst/>
+              </a:prstGeom>
+              <a:noFill/>
+            </p:spPr>
+            <p:txBody>
+              <a:bodyPr wrap="square">
+                <a:spAutoFit/>
+              </a:bodyPr>
+              <a:lstStyle/>
+              <a:p>
+                <a:pPr/>
+                <a14:m>
+                  <m:oMathPara xmlns:m="http://schemas.openxmlformats.org/officeDocument/2006/math">
+                    <m:oMathParaPr>
+                      <m:jc m:val="centerGroup"/>
+                    </m:oMathParaPr>
+                    <m:oMath xmlns:m="http://schemas.openxmlformats.org/officeDocument/2006/math">
+                      <m:sSub>
+                        <m:sSubPr>
+                          <m:ctrlPr>
+                            <a:rPr lang="en-US" altLang="zh-CN" sz="1400" b="0" i="1" smtClean="0">
+                              <a:solidFill>
+                                <a:srgbClr val="FF0000"/>
+                              </a:solidFill>
+                              <a:latin typeface="Cambria Math" panose="02040503050406030204" pitchFamily="18" charset="0"/>
+                            </a:rPr>
+                          </m:ctrlPr>
+                        </m:sSubPr>
+                        <m:e>
+                          <m:r>
+                            <a:rPr lang="en-US" altLang="zh-CN" sz="1400" b="0" i="1" smtClean="0">
+                              <a:solidFill>
+                                <a:srgbClr val="FF0000"/>
+                              </a:solidFill>
+                              <a:latin typeface="Cambria Math" panose="02040503050406030204" pitchFamily="18" charset="0"/>
+                            </a:rPr>
+                            <m:t>𝐸</m:t>
+                          </m:r>
+                        </m:e>
+                        <m:sub>
+                          <m:r>
+                            <a:rPr lang="en-US" altLang="zh-CN" sz="1400" b="0" i="1" smtClean="0">
+                              <a:solidFill>
+                                <a:srgbClr val="FF0000"/>
+                              </a:solidFill>
+                              <a:latin typeface="Cambria Math" panose="02040503050406030204" pitchFamily="18" charset="0"/>
+                            </a:rPr>
+                            <m:t>0</m:t>
+                          </m:r>
+                        </m:sub>
+                      </m:sSub>
+                    </m:oMath>
+                  </m:oMathPara>
+                </a14:m>
+                <a:endParaRPr lang="zh-CN" altLang="en-US" dirty="0"/>
+              </a:p>
+            </p:txBody>
+          </p:sp>
+        </mc:Choice>
+        <mc:Fallback>
+          <p:sp>
+            <p:nvSpPr>
+              <p:cNvPr id="40" name="文本框 39">
+                <a:extLst>
+                  <a:ext uri="{FF2B5EF4-FFF2-40B4-BE49-F238E27FC236}">
+                    <a16:creationId xmlns:a16="http://schemas.microsoft.com/office/drawing/2014/main" id="{8CF11FB3-9377-4623-B61B-5460B1280114}"/>
+                  </a:ext>
+                </a:extLst>
+              </p:cNvPr>
+              <p:cNvSpPr txBox="1">
+                <a:spLocks noRot="1" noChangeAspect="1" noMove="1" noResize="1" noEditPoints="1" noAdjustHandles="1" noChangeArrowheads="1" noChangeShapeType="1" noTextEdit="1"/>
+              </p:cNvSpPr>
+              <p:nvPr/>
+            </p:nvSpPr>
+            <p:spPr>
+              <a:xfrm>
+                <a:off x="3330379" y="2246128"/>
+                <a:ext cx="542925" cy="307777"/>
+              </a:xfrm>
+              <a:prstGeom prst="rect">
+                <a:avLst/>
+              </a:prstGeom>
+              <a:blipFill>
+                <a:blip r:embed="rId13"/>
+                <a:stretch>
+                  <a:fillRect/>
+                </a:stretch>
+              </a:blipFill>
+            </p:spPr>
+            <p:txBody>
+              <a:bodyPr/>
+              <a:lstStyle/>
+              <a:p>
+                <a:r>
+                  <a:rPr lang="zh-CN" altLang="en-US">
+                    <a:noFill/>
+                  </a:rPr>
+                  <a:t> </a:t>
+                </a:r>
+              </a:p>
+            </p:txBody>
+          </p:sp>
+        </mc:Fallback>
+      </mc:AlternateContent>
+      <mc:AlternateContent xmlns:mc="http://schemas.openxmlformats.org/markup-compatibility/2006">
+        <mc:Choice xmlns:a14="http://schemas.microsoft.com/office/drawing/2010/main" Requires="a14">
+          <p:sp>
+            <p:nvSpPr>
+              <p:cNvPr id="43" name="文本框 42">
+                <a:extLst>
+                  <a:ext uri="{FF2B5EF4-FFF2-40B4-BE49-F238E27FC236}">
+                    <a16:creationId xmlns:a16="http://schemas.microsoft.com/office/drawing/2014/main" id="{2BF2A388-2D1A-4585-B384-9B95BF91E777}"/>
+                  </a:ext>
+                </a:extLst>
+              </p:cNvPr>
+              <p:cNvSpPr txBox="1"/>
+              <p:nvPr/>
+            </p:nvSpPr>
+            <p:spPr>
+              <a:xfrm>
+                <a:off x="3369982" y="3015748"/>
+                <a:ext cx="563243" cy="307777"/>
+              </a:xfrm>
+              <a:prstGeom prst="rect">
+                <a:avLst/>
+              </a:prstGeom>
+              <a:noFill/>
+            </p:spPr>
+            <p:txBody>
+              <a:bodyPr wrap="square">
+                <a:spAutoFit/>
+              </a:bodyPr>
+              <a:lstStyle/>
+              <a:p>
+                <a:pPr/>
+                <a14:m>
+                  <m:oMathPara xmlns:m="http://schemas.openxmlformats.org/officeDocument/2006/math">
+                    <m:oMathParaPr>
+                      <m:jc m:val="centerGroup"/>
+                    </m:oMathParaPr>
+                    <m:oMath xmlns:m="http://schemas.openxmlformats.org/officeDocument/2006/math">
+                      <m:sSub>
+                        <m:sSubPr>
+                          <m:ctrlPr>
+                            <a:rPr lang="en-US" altLang="zh-CN" sz="1400" b="0" i="1" smtClean="0">
+                              <a:solidFill>
+                                <a:srgbClr val="1E90FF"/>
+                              </a:solidFill>
+                              <a:latin typeface="Cambria Math" panose="02040503050406030204" pitchFamily="18" charset="0"/>
+                            </a:rPr>
+                          </m:ctrlPr>
+                        </m:sSubPr>
+                        <m:e>
+                          <m:r>
+                            <a:rPr lang="en-US" altLang="zh-CN" sz="1400" b="0" i="1" smtClean="0">
+                              <a:solidFill>
+                                <a:srgbClr val="1E90FF"/>
+                              </a:solidFill>
+                              <a:latin typeface="Cambria Math" panose="02040503050406030204" pitchFamily="18" charset="0"/>
+                            </a:rPr>
+                            <m:t>𝐸</m:t>
+                          </m:r>
+                        </m:e>
+                        <m:sub>
+                          <m:r>
+                            <a:rPr lang="en-US" altLang="zh-CN" sz="1400" b="0" i="1" smtClean="0">
+                              <a:solidFill>
+                                <a:srgbClr val="1E90FF"/>
+                              </a:solidFill>
+                              <a:latin typeface="Cambria Math" panose="02040503050406030204" pitchFamily="18" charset="0"/>
+                            </a:rPr>
+                            <m:t>−</m:t>
+                          </m:r>
+                        </m:sub>
+                      </m:sSub>
+                    </m:oMath>
+                  </m:oMathPara>
+                </a14:m>
+                <a:endParaRPr lang="zh-CN" altLang="en-US" dirty="0"/>
+              </a:p>
+            </p:txBody>
+          </p:sp>
+        </mc:Choice>
+        <mc:Fallback>
+          <p:sp>
+            <p:nvSpPr>
+              <p:cNvPr id="43" name="文本框 42">
+                <a:extLst>
+                  <a:ext uri="{FF2B5EF4-FFF2-40B4-BE49-F238E27FC236}">
+                    <a16:creationId xmlns:a16="http://schemas.microsoft.com/office/drawing/2014/main" id="{2BF2A388-2D1A-4585-B384-9B95BF91E777}"/>
+                  </a:ext>
+                </a:extLst>
+              </p:cNvPr>
+              <p:cNvSpPr txBox="1">
+                <a:spLocks noRot="1" noChangeAspect="1" noMove="1" noResize="1" noEditPoints="1" noAdjustHandles="1" noChangeArrowheads="1" noChangeShapeType="1" noTextEdit="1"/>
+              </p:cNvSpPr>
+              <p:nvPr/>
+            </p:nvSpPr>
+            <p:spPr>
+              <a:xfrm>
+                <a:off x="3369982" y="3015748"/>
+                <a:ext cx="563243" cy="307777"/>
+              </a:xfrm>
+              <a:prstGeom prst="rect">
+                <a:avLst/>
+              </a:prstGeom>
+              <a:blipFill>
+                <a:blip r:embed="rId14"/>
+                <a:stretch>
+                  <a:fillRect/>
+                </a:stretch>
+              </a:blipFill>
+            </p:spPr>
+            <p:txBody>
+              <a:bodyPr/>
+              <a:lstStyle/>
+              <a:p>
+                <a:r>
+                  <a:rPr lang="zh-CN" altLang="en-US">
+                    <a:noFill/>
+                  </a:rPr>
+                  <a:t> </a:t>
+                </a:r>
+              </a:p>
+            </p:txBody>
+          </p:sp>
+        </mc:Fallback>
+      </mc:AlternateContent>
+      <mc:AlternateContent xmlns:mc="http://schemas.openxmlformats.org/markup-compatibility/2006">
+        <mc:Choice xmlns:a14="http://schemas.microsoft.com/office/drawing/2010/main" Requires="a14">
+          <p:sp>
+            <p:nvSpPr>
+              <p:cNvPr id="9" name="文本框 8">
+                <a:extLst>
+                  <a:ext uri="{FF2B5EF4-FFF2-40B4-BE49-F238E27FC236}">
+                    <a16:creationId xmlns:a16="http://schemas.microsoft.com/office/drawing/2014/main" id="{8EFDD61A-3980-448D-8FEB-0214394C8947}"/>
+                  </a:ext>
+                </a:extLst>
+              </p:cNvPr>
+              <p:cNvSpPr txBox="1"/>
+              <p:nvPr/>
+            </p:nvSpPr>
+            <p:spPr>
+              <a:xfrm>
+                <a:off x="6215754" y="1318900"/>
+                <a:ext cx="982216" cy="338554"/>
+              </a:xfrm>
+              <a:prstGeom prst="rect">
+                <a:avLst/>
+              </a:prstGeom>
+              <a:noFill/>
+            </p:spPr>
+            <p:txBody>
+              <a:bodyPr wrap="square" rtlCol="0">
+                <a:spAutoFit/>
+              </a:bodyPr>
+              <a:lstStyle/>
+              <a:p>
+                <a14:m>
+                  <m:oMathPara xmlns:m="http://schemas.openxmlformats.org/officeDocument/2006/math">
+                    <m:oMathParaPr>
+                      <m:jc m:val="centerGroup"/>
+                    </m:oMathParaPr>
+                    <m:oMath xmlns:m="http://schemas.openxmlformats.org/officeDocument/2006/math">
+                      <m:sSubSup>
+                        <m:sSubSupPr>
+                          <m:ctrlPr>
+                            <a:rPr lang="en-US" altLang="zh-CN" sz="1600" b="0" i="1" smtClean="0">
+                              <a:latin typeface="Cambria Math" panose="02040503050406030204" pitchFamily="18" charset="0"/>
+                            </a:rPr>
+                          </m:ctrlPr>
+                        </m:sSubSupPr>
+                        <m:e>
+                          <m:r>
+                            <a:rPr lang="en-US" altLang="zh-CN" sz="1600" b="0" i="1" smtClean="0">
+                              <a:latin typeface="Cambria Math" panose="02040503050406030204" pitchFamily="18" charset="0"/>
+                            </a:rPr>
+                            <m:t>𝐴</m:t>
+                          </m:r>
+                        </m:e>
+                        <m:sub>
+                          <m:r>
+                            <a:rPr lang="en-US" altLang="zh-CN" sz="1600" b="0" i="1" smtClean="0">
+                              <a:latin typeface="Cambria Math" panose="02040503050406030204" pitchFamily="18" charset="0"/>
+                            </a:rPr>
+                            <m:t>3</m:t>
+                          </m:r>
+                        </m:sub>
+                        <m:sup>
+                          <m:r>
+                            <a:rPr lang="en-US" altLang="zh-CN" sz="1600" b="0" i="1" smtClean="0">
+                              <a:latin typeface="Cambria Math" panose="02040503050406030204" pitchFamily="18" charset="0"/>
+                            </a:rPr>
+                            <m:t>′</m:t>
+                          </m:r>
+                        </m:sup>
+                      </m:sSubSup>
+                      <m:r>
+                        <a:rPr lang="en-US" altLang="zh-CN" sz="1600" b="0" i="1" smtClean="0">
+                          <a:latin typeface="Cambria Math" panose="02040503050406030204" pitchFamily="18" charset="0"/>
+                        </a:rPr>
+                        <m:t>&gt;0</m:t>
+                      </m:r>
+                    </m:oMath>
+                  </m:oMathPara>
+                </a14:m>
+                <a:endParaRPr lang="zh-CN" altLang="en-US" dirty="0"/>
+              </a:p>
+            </p:txBody>
+          </p:sp>
+        </mc:Choice>
+        <mc:Fallback>
+          <p:sp>
+            <p:nvSpPr>
+              <p:cNvPr id="9" name="文本框 8">
+                <a:extLst>
+                  <a:ext uri="{FF2B5EF4-FFF2-40B4-BE49-F238E27FC236}">
+                    <a16:creationId xmlns:a16="http://schemas.microsoft.com/office/drawing/2014/main" id="{8EFDD61A-3980-448D-8FEB-0214394C8947}"/>
+                  </a:ext>
+                </a:extLst>
+              </p:cNvPr>
+              <p:cNvSpPr txBox="1">
+                <a:spLocks noRot="1" noChangeAspect="1" noMove="1" noResize="1" noEditPoints="1" noAdjustHandles="1" noChangeArrowheads="1" noChangeShapeType="1" noTextEdit="1"/>
+              </p:cNvSpPr>
+              <p:nvPr/>
+            </p:nvSpPr>
+            <p:spPr>
+              <a:xfrm>
+                <a:off x="6215754" y="1318900"/>
+                <a:ext cx="982216" cy="338554"/>
+              </a:xfrm>
+              <a:prstGeom prst="rect">
+                <a:avLst/>
+              </a:prstGeom>
+              <a:blipFill>
+                <a:blip r:embed="rId15"/>
+                <a:stretch>
+                  <a:fillRect/>
+                </a:stretch>
+              </a:blipFill>
+            </p:spPr>
+            <p:txBody>
+              <a:bodyPr/>
+              <a:lstStyle/>
+              <a:p>
+                <a:r>
+                  <a:rPr lang="zh-CN" altLang="en-US">
+                    <a:noFill/>
+                  </a:rPr>
+                  <a:t> </a:t>
+                </a:r>
+              </a:p>
+            </p:txBody>
+          </p:sp>
+        </mc:Fallback>
+      </mc:AlternateContent>
+      <mc:AlternateContent xmlns:mc="http://schemas.openxmlformats.org/markup-compatibility/2006">
+        <mc:Choice xmlns:a14="http://schemas.microsoft.com/office/drawing/2010/main" Requires="a14">
+          <p:sp>
+            <p:nvSpPr>
+              <p:cNvPr id="45" name="文本框 44">
+                <a:extLst>
+                  <a:ext uri="{FF2B5EF4-FFF2-40B4-BE49-F238E27FC236}">
+                    <a16:creationId xmlns:a16="http://schemas.microsoft.com/office/drawing/2014/main" id="{102138CC-68B2-487A-9CCA-1F15294CC119}"/>
+                  </a:ext>
+                </a:extLst>
+              </p:cNvPr>
+              <p:cNvSpPr txBox="1"/>
+              <p:nvPr/>
+            </p:nvSpPr>
+            <p:spPr>
+              <a:xfrm>
+                <a:off x="8288193" y="1290385"/>
+                <a:ext cx="1069374" cy="338554"/>
+              </a:xfrm>
+              <a:prstGeom prst="rect">
+                <a:avLst/>
+              </a:prstGeom>
+              <a:noFill/>
+            </p:spPr>
+            <p:txBody>
+              <a:bodyPr wrap="square">
+                <a:spAutoFit/>
+              </a:bodyPr>
+              <a:lstStyle/>
+              <a:p>
+                <a:pPr/>
+                <a14:m>
+                  <m:oMathPara xmlns:m="http://schemas.openxmlformats.org/officeDocument/2006/math">
+                    <m:oMathParaPr>
+                      <m:jc m:val="centerGroup"/>
+                    </m:oMathParaPr>
+                    <m:oMath xmlns:m="http://schemas.openxmlformats.org/officeDocument/2006/math">
+                      <m:sSubSup>
+                        <m:sSubSupPr>
+                          <m:ctrlPr>
+                            <a:rPr lang="en-US" altLang="zh-CN" sz="1600" b="0" i="1" smtClean="0">
+                              <a:latin typeface="Cambria Math" panose="02040503050406030204" pitchFamily="18" charset="0"/>
+                            </a:rPr>
+                          </m:ctrlPr>
+                        </m:sSubSupPr>
+                        <m:e>
+                          <m:r>
+                            <a:rPr lang="en-US" altLang="zh-CN" sz="1600" b="0" i="1" smtClean="0">
+                              <a:latin typeface="Cambria Math" panose="02040503050406030204" pitchFamily="18" charset="0"/>
+                            </a:rPr>
+                            <m:t>𝐴</m:t>
+                          </m:r>
+                        </m:e>
+                        <m:sub>
+                          <m:r>
+                            <a:rPr lang="en-US" altLang="zh-CN" sz="1600" b="0" i="1" smtClean="0">
+                              <a:latin typeface="Cambria Math" panose="02040503050406030204" pitchFamily="18" charset="0"/>
+                            </a:rPr>
+                            <m:t>3</m:t>
+                          </m:r>
+                        </m:sub>
+                        <m:sup>
+                          <m:r>
+                            <a:rPr lang="en-US" altLang="zh-CN" sz="1600" b="0" i="1" smtClean="0">
+                              <a:latin typeface="Cambria Math" panose="02040503050406030204" pitchFamily="18" charset="0"/>
+                            </a:rPr>
+                            <m:t>′</m:t>
+                          </m:r>
+                        </m:sup>
+                      </m:sSubSup>
+                      <m:r>
+                        <a:rPr lang="en-US" altLang="zh-CN" sz="1600" b="0" i="1" smtClean="0">
+                          <a:latin typeface="Cambria Math" panose="02040503050406030204" pitchFamily="18" charset="0"/>
+                        </a:rPr>
+                        <m:t>&lt;</m:t>
+                      </m:r>
+                      <m:r>
+                        <a:rPr lang="en-US" altLang="zh-CN" sz="1600" b="0" i="1" smtClean="0">
+                          <a:latin typeface="Cambria Math" panose="02040503050406030204" pitchFamily="18" charset="0"/>
+                        </a:rPr>
+                        <m:t>0</m:t>
+                      </m:r>
+                    </m:oMath>
+                  </m:oMathPara>
+                </a14:m>
+                <a:endParaRPr lang="zh-CN" altLang="en-US" dirty="0"/>
+              </a:p>
+            </p:txBody>
+          </p:sp>
+        </mc:Choice>
+        <mc:Fallback>
+          <p:sp>
+            <p:nvSpPr>
+              <p:cNvPr id="45" name="文本框 44">
+                <a:extLst>
+                  <a:ext uri="{FF2B5EF4-FFF2-40B4-BE49-F238E27FC236}">
+                    <a16:creationId xmlns:a16="http://schemas.microsoft.com/office/drawing/2014/main" id="{102138CC-68B2-487A-9CCA-1F15294CC119}"/>
+                  </a:ext>
+                </a:extLst>
+              </p:cNvPr>
+              <p:cNvSpPr txBox="1">
+                <a:spLocks noRot="1" noChangeAspect="1" noMove="1" noResize="1" noEditPoints="1" noAdjustHandles="1" noChangeArrowheads="1" noChangeShapeType="1" noTextEdit="1"/>
+              </p:cNvSpPr>
+              <p:nvPr/>
+            </p:nvSpPr>
+            <p:spPr>
+              <a:xfrm>
+                <a:off x="8288193" y="1290385"/>
+                <a:ext cx="1069374" cy="338554"/>
+              </a:xfrm>
+              <a:prstGeom prst="rect">
+                <a:avLst/>
+              </a:prstGeom>
+              <a:blipFill>
+                <a:blip r:embed="rId16"/>
+                <a:stretch>
+                  <a:fillRect/>
                 </a:stretch>
               </a:blipFill>
             </p:spPr>

--- a/iron/vortex.pptx
+++ b/iron/vortex.pptx
@@ -268,7 +268,7 @@
           <a:p>
             <a:fld id="{CA529C73-8E92-41D8-A60F-C4393BC11757}" type="datetimeFigureOut">
               <a:rPr lang="zh-CN" altLang="en-US" smtClean="0"/>
-              <a:t>2023/3/26</a:t>
+              <a:t>2023/3/27</a:t>
             </a:fld>
             <a:endParaRPr lang="zh-CN" altLang="en-US"/>
           </a:p>
@@ -466,7 +466,7 @@
           <a:p>
             <a:fld id="{CA529C73-8E92-41D8-A60F-C4393BC11757}" type="datetimeFigureOut">
               <a:rPr lang="zh-CN" altLang="en-US" smtClean="0"/>
-              <a:t>2023/3/26</a:t>
+              <a:t>2023/3/27</a:t>
             </a:fld>
             <a:endParaRPr lang="zh-CN" altLang="en-US"/>
           </a:p>
@@ -674,7 +674,7 @@
           <a:p>
             <a:fld id="{CA529C73-8E92-41D8-A60F-C4393BC11757}" type="datetimeFigureOut">
               <a:rPr lang="zh-CN" altLang="en-US" smtClean="0"/>
-              <a:t>2023/3/26</a:t>
+              <a:t>2023/3/27</a:t>
             </a:fld>
             <a:endParaRPr lang="zh-CN" altLang="en-US"/>
           </a:p>
@@ -872,7 +872,7 @@
           <a:p>
             <a:fld id="{CA529C73-8E92-41D8-A60F-C4393BC11757}" type="datetimeFigureOut">
               <a:rPr lang="zh-CN" altLang="en-US" smtClean="0"/>
-              <a:t>2023/3/26</a:t>
+              <a:t>2023/3/27</a:t>
             </a:fld>
             <a:endParaRPr lang="zh-CN" altLang="en-US"/>
           </a:p>
@@ -1147,7 +1147,7 @@
           <a:p>
             <a:fld id="{CA529C73-8E92-41D8-A60F-C4393BC11757}" type="datetimeFigureOut">
               <a:rPr lang="zh-CN" altLang="en-US" smtClean="0"/>
-              <a:t>2023/3/26</a:t>
+              <a:t>2023/3/27</a:t>
             </a:fld>
             <a:endParaRPr lang="zh-CN" altLang="en-US"/>
           </a:p>
@@ -1412,7 +1412,7 @@
           <a:p>
             <a:fld id="{CA529C73-8E92-41D8-A60F-C4393BC11757}" type="datetimeFigureOut">
               <a:rPr lang="zh-CN" altLang="en-US" smtClean="0"/>
-              <a:t>2023/3/26</a:t>
+              <a:t>2023/3/27</a:t>
             </a:fld>
             <a:endParaRPr lang="zh-CN" altLang="en-US"/>
           </a:p>
@@ -1824,7 +1824,7 @@
           <a:p>
             <a:fld id="{CA529C73-8E92-41D8-A60F-C4393BC11757}" type="datetimeFigureOut">
               <a:rPr lang="zh-CN" altLang="en-US" smtClean="0"/>
-              <a:t>2023/3/26</a:t>
+              <a:t>2023/3/27</a:t>
             </a:fld>
             <a:endParaRPr lang="zh-CN" altLang="en-US"/>
           </a:p>
@@ -1965,7 +1965,7 @@
           <a:p>
             <a:fld id="{CA529C73-8E92-41D8-A60F-C4393BC11757}" type="datetimeFigureOut">
               <a:rPr lang="zh-CN" altLang="en-US" smtClean="0"/>
-              <a:t>2023/3/26</a:t>
+              <a:t>2023/3/27</a:t>
             </a:fld>
             <a:endParaRPr lang="zh-CN" altLang="en-US"/>
           </a:p>
@@ -2078,7 +2078,7 @@
           <a:p>
             <a:fld id="{CA529C73-8E92-41D8-A60F-C4393BC11757}" type="datetimeFigureOut">
               <a:rPr lang="zh-CN" altLang="en-US" smtClean="0"/>
-              <a:t>2023/3/26</a:t>
+              <a:t>2023/3/27</a:t>
             </a:fld>
             <a:endParaRPr lang="zh-CN" altLang="en-US"/>
           </a:p>
@@ -2389,7 +2389,7 @@
           <a:p>
             <a:fld id="{CA529C73-8E92-41D8-A60F-C4393BC11757}" type="datetimeFigureOut">
               <a:rPr lang="zh-CN" altLang="en-US" smtClean="0"/>
-              <a:t>2023/3/26</a:t>
+              <a:t>2023/3/27</a:t>
             </a:fld>
             <a:endParaRPr lang="zh-CN" altLang="en-US"/>
           </a:p>
@@ -2677,7 +2677,7 @@
           <a:p>
             <a:fld id="{CA529C73-8E92-41D8-A60F-C4393BC11757}" type="datetimeFigureOut">
               <a:rPr lang="zh-CN" altLang="en-US" smtClean="0"/>
-              <a:t>2023/3/26</a:t>
+              <a:t>2023/3/27</a:t>
             </a:fld>
             <a:endParaRPr lang="zh-CN" altLang="en-US"/>
           </a:p>
@@ -2918,7 +2918,7 @@
           <a:p>
             <a:fld id="{CA529C73-8E92-41D8-A60F-C4393BC11757}" type="datetimeFigureOut">
               <a:rPr lang="zh-CN" altLang="en-US" smtClean="0"/>
-              <a:t>2023/3/26</a:t>
+              <a:t>2023/3/27</a:t>
             </a:fld>
             <a:endParaRPr lang="zh-CN" altLang="en-US"/>
           </a:p>
@@ -3757,9 +3757,9 @@
           <p:nvPr/>
         </p:nvCxnSpPr>
         <p:spPr>
-          <a:xfrm flipV="1">
-            <a:off x="6732540" y="3216645"/>
-            <a:ext cx="1" cy="360000"/>
+          <a:xfrm flipH="1">
+            <a:off x="6552540" y="3429512"/>
+            <a:ext cx="360000" cy="0"/>
           </a:xfrm>
           <a:prstGeom prst="straightConnector1">
             <a:avLst/>
@@ -3853,9 +3853,9 @@
           <p:nvPr/>
         </p:nvCxnSpPr>
         <p:spPr>
-          <a:xfrm flipV="1">
-            <a:off x="7514037" y="2401549"/>
-            <a:ext cx="1" cy="360000"/>
+          <a:xfrm flipH="1">
+            <a:off x="7307112" y="2641723"/>
+            <a:ext cx="360000" cy="17883"/>
           </a:xfrm>
           <a:prstGeom prst="straightConnector1">
             <a:avLst/>
@@ -3897,9 +3897,9 @@
           <p:nvPr/>
         </p:nvCxnSpPr>
         <p:spPr>
-          <a:xfrm flipV="1">
-            <a:off x="6732540" y="1654812"/>
-            <a:ext cx="1" cy="360000"/>
+          <a:xfrm flipH="1">
+            <a:off x="6526862" y="1857177"/>
+            <a:ext cx="360000" cy="15436"/>
           </a:xfrm>
           <a:prstGeom prst="straightConnector1">
             <a:avLst/>
@@ -3941,360 +3941,8 @@
           <p:nvPr/>
         </p:nvCxnSpPr>
         <p:spPr>
-          <a:xfrm flipV="1">
-            <a:off x="5950487" y="2408322"/>
-            <a:ext cx="1" cy="360000"/>
-          </a:xfrm>
-          <a:prstGeom prst="straightConnector1">
-            <a:avLst/>
-          </a:prstGeom>
-          <a:ln w="38100">
-            <a:solidFill>
-              <a:srgbClr val="1E90FF"/>
-            </a:solidFill>
-            <a:tailEnd type="triangle"/>
-          </a:ln>
-        </p:spPr>
-        <p:style>
-          <a:lnRef idx="1">
-            <a:schemeClr val="accent1"/>
-          </a:lnRef>
-          <a:fillRef idx="0">
-            <a:schemeClr val="accent1"/>
-          </a:fillRef>
-          <a:effectRef idx="0">
-            <a:schemeClr val="accent1"/>
-          </a:effectRef>
-          <a:fontRef idx="minor">
-            <a:schemeClr val="tx1"/>
-          </a:fontRef>
-        </p:style>
-      </p:cxnSp>
-      <p:cxnSp>
-        <p:nvCxnSpPr>
-          <p:cNvPr id="30" name="直接箭头连接符 29">
-            <a:extLst>
-              <a:ext uri="{FF2B5EF4-FFF2-40B4-BE49-F238E27FC236}">
-                <a16:creationId xmlns:a16="http://schemas.microsoft.com/office/drawing/2014/main" id="{855082F6-8D84-464C-8D7F-F3D186767899}"/>
-              </a:ext>
-            </a:extLst>
-          </p:cNvPr>
-          <p:cNvCxnSpPr>
-            <a:cxnSpLocks/>
-          </p:cNvCxnSpPr>
-          <p:nvPr/>
-        </p:nvCxnSpPr>
-        <p:spPr>
-          <a:xfrm flipV="1">
-            <a:off x="7297506" y="1886128"/>
-            <a:ext cx="1" cy="360000"/>
-          </a:xfrm>
-          <a:prstGeom prst="straightConnector1">
-            <a:avLst/>
-          </a:prstGeom>
-          <a:ln w="38100">
-            <a:solidFill>
-              <a:srgbClr val="1E90FF"/>
-            </a:solidFill>
-            <a:tailEnd type="triangle"/>
-          </a:ln>
-        </p:spPr>
-        <p:style>
-          <a:lnRef idx="1">
-            <a:schemeClr val="accent1"/>
-          </a:lnRef>
-          <a:fillRef idx="0">
-            <a:schemeClr val="accent1"/>
-          </a:fillRef>
-          <a:effectRef idx="0">
-            <a:schemeClr val="accent1"/>
-          </a:effectRef>
-          <a:fontRef idx="minor">
-            <a:schemeClr val="tx1"/>
-          </a:fontRef>
-        </p:style>
-      </p:cxnSp>
-      <p:cxnSp>
-        <p:nvCxnSpPr>
-          <p:cNvPr id="31" name="直接箭头连接符 30">
-            <a:extLst>
-              <a:ext uri="{FF2B5EF4-FFF2-40B4-BE49-F238E27FC236}">
-                <a16:creationId xmlns:a16="http://schemas.microsoft.com/office/drawing/2014/main" id="{A10D6EC2-B9C5-40CD-B143-1C35DDC18F17}"/>
-              </a:ext>
-            </a:extLst>
-          </p:cNvPr>
-          <p:cNvCxnSpPr>
-            <a:cxnSpLocks/>
-          </p:cNvCxnSpPr>
-          <p:nvPr/>
-        </p:nvCxnSpPr>
-        <p:spPr>
-          <a:xfrm flipV="1">
-            <a:off x="6116557" y="1924211"/>
-            <a:ext cx="2406" cy="360000"/>
-          </a:xfrm>
-          <a:prstGeom prst="straightConnector1">
-            <a:avLst/>
-          </a:prstGeom>
-          <a:ln w="38100">
-            <a:solidFill>
-              <a:srgbClr val="1E90FF"/>
-            </a:solidFill>
-            <a:tailEnd type="triangle"/>
-          </a:ln>
-        </p:spPr>
-        <p:style>
-          <a:lnRef idx="1">
-            <a:schemeClr val="accent1"/>
-          </a:lnRef>
-          <a:fillRef idx="0">
-            <a:schemeClr val="accent1"/>
-          </a:fillRef>
-          <a:effectRef idx="0">
-            <a:schemeClr val="accent1"/>
-          </a:effectRef>
-          <a:fontRef idx="minor">
-            <a:schemeClr val="tx1"/>
-          </a:fontRef>
-        </p:style>
-      </p:cxnSp>
-      <p:cxnSp>
-        <p:nvCxnSpPr>
-          <p:cNvPr id="32" name="直接箭头连接符 31">
-            <a:extLst>
-              <a:ext uri="{FF2B5EF4-FFF2-40B4-BE49-F238E27FC236}">
-                <a16:creationId xmlns:a16="http://schemas.microsoft.com/office/drawing/2014/main" id="{DE153631-F6ED-4729-969D-8337B802FB85}"/>
-              </a:ext>
-            </a:extLst>
-          </p:cNvPr>
-          <p:cNvCxnSpPr>
-            <a:cxnSpLocks/>
-          </p:cNvCxnSpPr>
-          <p:nvPr/>
-        </p:nvCxnSpPr>
-        <p:spPr>
-          <a:xfrm flipV="1">
-            <a:off x="7310678" y="2953618"/>
-            <a:ext cx="1" cy="360000"/>
-          </a:xfrm>
-          <a:prstGeom prst="straightConnector1">
-            <a:avLst/>
-          </a:prstGeom>
-          <a:ln w="38100">
-            <a:solidFill>
-              <a:srgbClr val="1E90FF"/>
-            </a:solidFill>
-            <a:tailEnd type="triangle"/>
-          </a:ln>
-        </p:spPr>
-        <p:style>
-          <a:lnRef idx="1">
-            <a:schemeClr val="accent1"/>
-          </a:lnRef>
-          <a:fillRef idx="0">
-            <a:schemeClr val="accent1"/>
-          </a:fillRef>
-          <a:effectRef idx="0">
-            <a:schemeClr val="accent1"/>
-          </a:effectRef>
-          <a:fontRef idx="minor">
-            <a:schemeClr val="tx1"/>
-          </a:fontRef>
-        </p:style>
-      </p:cxnSp>
-      <p:cxnSp>
-        <p:nvCxnSpPr>
-          <p:cNvPr id="33" name="直接箭头连接符 32">
-            <a:extLst>
-              <a:ext uri="{FF2B5EF4-FFF2-40B4-BE49-F238E27FC236}">
-                <a16:creationId xmlns:a16="http://schemas.microsoft.com/office/drawing/2014/main" id="{5FD5662E-7936-421D-ACC3-80C3C767B4B1}"/>
-              </a:ext>
-            </a:extLst>
-          </p:cNvPr>
-          <p:cNvCxnSpPr>
-            <a:cxnSpLocks/>
-          </p:cNvCxnSpPr>
-          <p:nvPr/>
-        </p:nvCxnSpPr>
-        <p:spPr>
-          <a:xfrm flipV="1">
-            <a:off x="6179552" y="2971343"/>
-            <a:ext cx="1" cy="360000"/>
-          </a:xfrm>
-          <a:prstGeom prst="straightConnector1">
-            <a:avLst/>
-          </a:prstGeom>
-          <a:ln w="38100">
-            <a:solidFill>
-              <a:srgbClr val="1E90FF"/>
-            </a:solidFill>
-            <a:tailEnd type="triangle"/>
-          </a:ln>
-        </p:spPr>
-        <p:style>
-          <a:lnRef idx="1">
-            <a:schemeClr val="accent1"/>
-          </a:lnRef>
-          <a:fillRef idx="0">
-            <a:schemeClr val="accent1"/>
-          </a:fillRef>
-          <a:effectRef idx="0">
-            <a:schemeClr val="accent1"/>
-          </a:effectRef>
-          <a:fontRef idx="minor">
-            <a:schemeClr val="tx1"/>
-          </a:fontRef>
-        </p:style>
-      </p:cxnSp>
-      <p:cxnSp>
-        <p:nvCxnSpPr>
-          <p:cNvPr id="41" name="直接箭头连接符 40">
-            <a:extLst>
-              <a:ext uri="{FF2B5EF4-FFF2-40B4-BE49-F238E27FC236}">
-                <a16:creationId xmlns:a16="http://schemas.microsoft.com/office/drawing/2014/main" id="{B5DF3DDC-8AF7-4C03-BE67-C87A3511C9D9}"/>
-              </a:ext>
-            </a:extLst>
-          </p:cNvPr>
-          <p:cNvCxnSpPr>
-            <a:cxnSpLocks/>
-          </p:cNvCxnSpPr>
-          <p:nvPr/>
-        </p:nvCxnSpPr>
-        <p:spPr>
-          <a:xfrm flipV="1">
-            <a:off x="7988113" y="2408322"/>
-            <a:ext cx="1" cy="360000"/>
-          </a:xfrm>
-          <a:prstGeom prst="straightConnector1">
-            <a:avLst/>
-          </a:prstGeom>
-          <a:ln w="38100">
-            <a:solidFill>
-              <a:srgbClr val="1E90FF"/>
-            </a:solidFill>
-            <a:tailEnd type="triangle"/>
-          </a:ln>
-        </p:spPr>
-        <p:style>
-          <a:lnRef idx="1">
-            <a:schemeClr val="accent1"/>
-          </a:lnRef>
-          <a:fillRef idx="0">
-            <a:schemeClr val="accent1"/>
-          </a:fillRef>
-          <a:effectRef idx="0">
-            <a:schemeClr val="accent1"/>
-          </a:effectRef>
-          <a:fontRef idx="minor">
-            <a:schemeClr val="tx1"/>
-          </a:fontRef>
-        </p:style>
-      </p:cxnSp>
-      <p:cxnSp>
-        <p:nvCxnSpPr>
-          <p:cNvPr id="42" name="直接箭头连接符 41">
-            <a:extLst>
-              <a:ext uri="{FF2B5EF4-FFF2-40B4-BE49-F238E27FC236}">
-                <a16:creationId xmlns:a16="http://schemas.microsoft.com/office/drawing/2014/main" id="{ED9155C1-3644-4E21-8A5A-0A38135E1A38}"/>
-              </a:ext>
-            </a:extLst>
-          </p:cNvPr>
-          <p:cNvCxnSpPr>
-            <a:cxnSpLocks/>
-          </p:cNvCxnSpPr>
-          <p:nvPr/>
-        </p:nvCxnSpPr>
-        <p:spPr>
-          <a:xfrm flipV="1">
-            <a:off x="9551386" y="2370694"/>
-            <a:ext cx="1" cy="360000"/>
-          </a:xfrm>
-          <a:prstGeom prst="straightConnector1">
-            <a:avLst/>
-          </a:prstGeom>
-          <a:ln w="38100">
-            <a:solidFill>
-              <a:srgbClr val="1E90FF"/>
-            </a:solidFill>
-            <a:tailEnd type="triangle"/>
-          </a:ln>
-        </p:spPr>
-        <p:style>
-          <a:lnRef idx="1">
-            <a:schemeClr val="accent1"/>
-          </a:lnRef>
-          <a:fillRef idx="0">
-            <a:schemeClr val="accent1"/>
-          </a:fillRef>
-          <a:effectRef idx="0">
-            <a:schemeClr val="accent1"/>
-          </a:effectRef>
-          <a:fontRef idx="minor">
-            <a:schemeClr val="tx1"/>
-          </a:fontRef>
-        </p:style>
-      </p:cxnSp>
-      <p:cxnSp>
-        <p:nvCxnSpPr>
-          <p:cNvPr id="44" name="直接连接符 43">
-            <a:extLst>
-              <a:ext uri="{FF2B5EF4-FFF2-40B4-BE49-F238E27FC236}">
-                <a16:creationId xmlns:a16="http://schemas.microsoft.com/office/drawing/2014/main" id="{E6A737E1-CE52-4ACA-B26C-BF7C7EC9CD17}"/>
-              </a:ext>
-            </a:extLst>
-          </p:cNvPr>
-          <p:cNvCxnSpPr>
-            <a:cxnSpLocks/>
-            <a:stCxn id="12" idx="6"/>
-          </p:cNvCxnSpPr>
-          <p:nvPr/>
-        </p:nvCxnSpPr>
-        <p:spPr>
           <a:xfrm flipH="1">
-            <a:off x="6732541" y="2646948"/>
-            <a:ext cx="782052" cy="0"/>
-          </a:xfrm>
-          <a:prstGeom prst="line">
-            <a:avLst/>
-          </a:prstGeom>
-          <a:ln w="28575">
-            <a:solidFill>
-              <a:schemeClr val="tx1"/>
-            </a:solidFill>
-          </a:ln>
-        </p:spPr>
-        <p:style>
-          <a:lnRef idx="1">
-            <a:schemeClr val="accent1"/>
-          </a:lnRef>
-          <a:fillRef idx="0">
-            <a:schemeClr val="accent1"/>
-          </a:fillRef>
-          <a:effectRef idx="0">
-            <a:schemeClr val="accent1"/>
-          </a:effectRef>
-          <a:fontRef idx="minor">
-            <a:schemeClr val="tx1"/>
-          </a:fontRef>
-        </p:style>
-      </p:cxnSp>
-      <p:cxnSp>
-        <p:nvCxnSpPr>
-          <p:cNvPr id="71" name="直接箭头连接符 70">
-            <a:extLst>
-              <a:ext uri="{FF2B5EF4-FFF2-40B4-BE49-F238E27FC236}">
-                <a16:creationId xmlns:a16="http://schemas.microsoft.com/office/drawing/2014/main" id="{3B42B79A-3F63-4A4C-960B-AA1D4378B6AE}"/>
-              </a:ext>
-            </a:extLst>
-          </p:cNvPr>
-          <p:cNvCxnSpPr>
-            <a:cxnSpLocks/>
-          </p:cNvCxnSpPr>
-          <p:nvPr/>
-        </p:nvCxnSpPr>
-        <p:spPr>
-          <a:xfrm flipH="1">
-            <a:off x="9118352" y="2105011"/>
+            <a:off x="5715683" y="2627477"/>
             <a:ext cx="360000" cy="0"/>
           </a:xfrm>
           <a:prstGeom prst="straightConnector1">
@@ -4324,10 +3972,10 @@
       </p:cxnSp>
       <p:cxnSp>
         <p:nvCxnSpPr>
-          <p:cNvPr id="73" name="直接箭头连接符 72">
-            <a:extLst>
-              <a:ext uri="{FF2B5EF4-FFF2-40B4-BE49-F238E27FC236}">
-                <a16:creationId xmlns:a16="http://schemas.microsoft.com/office/drawing/2014/main" id="{2BCE464C-6739-4E5B-8534-117B3D8FDF56}"/>
+          <p:cNvPr id="30" name="直接箭头连接符 29">
+            <a:extLst>
+              <a:ext uri="{FF2B5EF4-FFF2-40B4-BE49-F238E27FC236}">
+                <a16:creationId xmlns:a16="http://schemas.microsoft.com/office/drawing/2014/main" id="{855082F6-8D84-464C-8D7F-F3D186767899}"/>
               </a:ext>
             </a:extLst>
           </p:cNvPr>
@@ -4337,8 +3985,315 @@
           <p:nvPr/>
         </p:nvCxnSpPr>
         <p:spPr>
-          <a:xfrm>
-            <a:off x="8769887" y="1723660"/>
+          <a:xfrm flipH="1">
+            <a:off x="7096844" y="2146527"/>
+            <a:ext cx="360000" cy="0"/>
+          </a:xfrm>
+          <a:prstGeom prst="straightConnector1">
+            <a:avLst/>
+          </a:prstGeom>
+          <a:ln w="38100">
+            <a:solidFill>
+              <a:srgbClr val="1E90FF"/>
+            </a:solidFill>
+            <a:tailEnd type="triangle"/>
+          </a:ln>
+        </p:spPr>
+        <p:style>
+          <a:lnRef idx="1">
+            <a:schemeClr val="accent1"/>
+          </a:lnRef>
+          <a:fillRef idx="0">
+            <a:schemeClr val="accent1"/>
+          </a:fillRef>
+          <a:effectRef idx="0">
+            <a:schemeClr val="accent1"/>
+          </a:effectRef>
+          <a:fontRef idx="minor">
+            <a:schemeClr val="tx1"/>
+          </a:fontRef>
+        </p:style>
+      </p:cxnSp>
+      <p:cxnSp>
+        <p:nvCxnSpPr>
+          <p:cNvPr id="31" name="直接箭头连接符 30">
+            <a:extLst>
+              <a:ext uri="{FF2B5EF4-FFF2-40B4-BE49-F238E27FC236}">
+                <a16:creationId xmlns:a16="http://schemas.microsoft.com/office/drawing/2014/main" id="{A10D6EC2-B9C5-40CD-B143-1C35DDC18F17}"/>
+              </a:ext>
+            </a:extLst>
+          </p:cNvPr>
+          <p:cNvCxnSpPr>
+            <a:cxnSpLocks/>
+          </p:cNvCxnSpPr>
+          <p:nvPr/>
+        </p:nvCxnSpPr>
+        <p:spPr>
+          <a:xfrm flipH="1">
+            <a:off x="5911551" y="2143930"/>
+            <a:ext cx="360000" cy="5866"/>
+          </a:xfrm>
+          <a:prstGeom prst="straightConnector1">
+            <a:avLst/>
+          </a:prstGeom>
+          <a:ln w="38100">
+            <a:solidFill>
+              <a:srgbClr val="1E90FF"/>
+            </a:solidFill>
+            <a:tailEnd type="triangle"/>
+          </a:ln>
+        </p:spPr>
+        <p:style>
+          <a:lnRef idx="1">
+            <a:schemeClr val="accent1"/>
+          </a:lnRef>
+          <a:fillRef idx="0">
+            <a:schemeClr val="accent1"/>
+          </a:fillRef>
+          <a:effectRef idx="0">
+            <a:schemeClr val="accent1"/>
+          </a:effectRef>
+          <a:fontRef idx="minor">
+            <a:schemeClr val="tx1"/>
+          </a:fontRef>
+        </p:style>
+      </p:cxnSp>
+      <p:cxnSp>
+        <p:nvCxnSpPr>
+          <p:cNvPr id="32" name="直接箭头连接符 31">
+            <a:extLst>
+              <a:ext uri="{FF2B5EF4-FFF2-40B4-BE49-F238E27FC236}">
+                <a16:creationId xmlns:a16="http://schemas.microsoft.com/office/drawing/2014/main" id="{DE153631-F6ED-4729-969D-8337B802FB85}"/>
+              </a:ext>
+            </a:extLst>
+          </p:cNvPr>
+          <p:cNvCxnSpPr>
+            <a:cxnSpLocks/>
+          </p:cNvCxnSpPr>
+          <p:nvPr/>
+        </p:nvCxnSpPr>
+        <p:spPr>
+          <a:xfrm flipH="1">
+            <a:off x="7096844" y="3169636"/>
+            <a:ext cx="360000" cy="26581"/>
+          </a:xfrm>
+          <a:prstGeom prst="straightConnector1">
+            <a:avLst/>
+          </a:prstGeom>
+          <a:ln w="38100">
+            <a:solidFill>
+              <a:srgbClr val="1E90FF"/>
+            </a:solidFill>
+            <a:tailEnd type="triangle"/>
+          </a:ln>
+        </p:spPr>
+        <p:style>
+          <a:lnRef idx="1">
+            <a:schemeClr val="accent1"/>
+          </a:lnRef>
+          <a:fillRef idx="0">
+            <a:schemeClr val="accent1"/>
+          </a:fillRef>
+          <a:effectRef idx="0">
+            <a:schemeClr val="accent1"/>
+          </a:effectRef>
+          <a:fontRef idx="minor">
+            <a:schemeClr val="tx1"/>
+          </a:fontRef>
+        </p:style>
+      </p:cxnSp>
+      <p:cxnSp>
+        <p:nvCxnSpPr>
+          <p:cNvPr id="33" name="直接箭头连接符 32">
+            <a:extLst>
+              <a:ext uri="{FF2B5EF4-FFF2-40B4-BE49-F238E27FC236}">
+                <a16:creationId xmlns:a16="http://schemas.microsoft.com/office/drawing/2014/main" id="{5FD5662E-7936-421D-ACC3-80C3C767B4B1}"/>
+              </a:ext>
+            </a:extLst>
+          </p:cNvPr>
+          <p:cNvCxnSpPr>
+            <a:cxnSpLocks/>
+          </p:cNvCxnSpPr>
+          <p:nvPr/>
+        </p:nvCxnSpPr>
+        <p:spPr>
+          <a:xfrm flipH="1" flipV="1">
+            <a:off x="5919809" y="3140974"/>
+            <a:ext cx="360000" cy="7818"/>
+          </a:xfrm>
+          <a:prstGeom prst="straightConnector1">
+            <a:avLst/>
+          </a:prstGeom>
+          <a:ln w="38100">
+            <a:solidFill>
+              <a:srgbClr val="1E90FF"/>
+            </a:solidFill>
+            <a:tailEnd type="triangle"/>
+          </a:ln>
+        </p:spPr>
+        <p:style>
+          <a:lnRef idx="1">
+            <a:schemeClr val="accent1"/>
+          </a:lnRef>
+          <a:fillRef idx="0">
+            <a:schemeClr val="accent1"/>
+          </a:fillRef>
+          <a:effectRef idx="0">
+            <a:schemeClr val="accent1"/>
+          </a:effectRef>
+          <a:fontRef idx="minor">
+            <a:schemeClr val="tx1"/>
+          </a:fontRef>
+        </p:style>
+      </p:cxnSp>
+      <p:cxnSp>
+        <p:nvCxnSpPr>
+          <p:cNvPr id="41" name="直接箭头连接符 40">
+            <a:extLst>
+              <a:ext uri="{FF2B5EF4-FFF2-40B4-BE49-F238E27FC236}">
+                <a16:creationId xmlns:a16="http://schemas.microsoft.com/office/drawing/2014/main" id="{B5DF3DDC-8AF7-4C03-BE67-C87A3511C9D9}"/>
+              </a:ext>
+            </a:extLst>
+          </p:cNvPr>
+          <p:cNvCxnSpPr>
+            <a:cxnSpLocks/>
+          </p:cNvCxnSpPr>
+          <p:nvPr/>
+        </p:nvCxnSpPr>
+        <p:spPr>
+          <a:xfrm flipH="1">
+            <a:off x="7801038" y="2605924"/>
+            <a:ext cx="360000" cy="11109"/>
+          </a:xfrm>
+          <a:prstGeom prst="straightConnector1">
+            <a:avLst/>
+          </a:prstGeom>
+          <a:ln w="38100">
+            <a:solidFill>
+              <a:srgbClr val="1E90FF"/>
+            </a:solidFill>
+            <a:tailEnd type="triangle"/>
+          </a:ln>
+        </p:spPr>
+        <p:style>
+          <a:lnRef idx="1">
+            <a:schemeClr val="accent1"/>
+          </a:lnRef>
+          <a:fillRef idx="0">
+            <a:schemeClr val="accent1"/>
+          </a:fillRef>
+          <a:effectRef idx="0">
+            <a:schemeClr val="accent1"/>
+          </a:effectRef>
+          <a:fontRef idx="minor">
+            <a:schemeClr val="tx1"/>
+          </a:fontRef>
+        </p:style>
+      </p:cxnSp>
+      <p:cxnSp>
+        <p:nvCxnSpPr>
+          <p:cNvPr id="42" name="直接箭头连接符 41">
+            <a:extLst>
+              <a:ext uri="{FF2B5EF4-FFF2-40B4-BE49-F238E27FC236}">
+                <a16:creationId xmlns:a16="http://schemas.microsoft.com/office/drawing/2014/main" id="{ED9155C1-3644-4E21-8A5A-0A38135E1A38}"/>
+              </a:ext>
+            </a:extLst>
+          </p:cNvPr>
+          <p:cNvCxnSpPr>
+            <a:cxnSpLocks/>
+          </p:cNvCxnSpPr>
+          <p:nvPr/>
+        </p:nvCxnSpPr>
+        <p:spPr>
+          <a:xfrm flipH="1">
+            <a:off x="9361733" y="2646947"/>
+            <a:ext cx="360000" cy="0"/>
+          </a:xfrm>
+          <a:prstGeom prst="straightConnector1">
+            <a:avLst/>
+          </a:prstGeom>
+          <a:ln w="38100">
+            <a:solidFill>
+              <a:srgbClr val="1E90FF"/>
+            </a:solidFill>
+            <a:tailEnd type="triangle"/>
+          </a:ln>
+        </p:spPr>
+        <p:style>
+          <a:lnRef idx="1">
+            <a:schemeClr val="accent1"/>
+          </a:lnRef>
+          <a:fillRef idx="0">
+            <a:schemeClr val="accent1"/>
+          </a:fillRef>
+          <a:effectRef idx="0">
+            <a:schemeClr val="accent1"/>
+          </a:effectRef>
+          <a:fontRef idx="minor">
+            <a:schemeClr val="tx1"/>
+          </a:fontRef>
+        </p:style>
+      </p:cxnSp>
+      <p:cxnSp>
+        <p:nvCxnSpPr>
+          <p:cNvPr id="44" name="直接连接符 43">
+            <a:extLst>
+              <a:ext uri="{FF2B5EF4-FFF2-40B4-BE49-F238E27FC236}">
+                <a16:creationId xmlns:a16="http://schemas.microsoft.com/office/drawing/2014/main" id="{E6A737E1-CE52-4ACA-B26C-BF7C7EC9CD17}"/>
+              </a:ext>
+            </a:extLst>
+          </p:cNvPr>
+          <p:cNvCxnSpPr>
+            <a:cxnSpLocks/>
+          </p:cNvCxnSpPr>
+          <p:nvPr/>
+        </p:nvCxnSpPr>
+        <p:spPr>
+          <a:xfrm flipH="1">
+            <a:off x="6732540" y="2646947"/>
+            <a:ext cx="782052" cy="0"/>
+          </a:xfrm>
+          <a:prstGeom prst="line">
+            <a:avLst/>
+          </a:prstGeom>
+          <a:ln w="28575">
+            <a:solidFill>
+              <a:schemeClr val="tx1"/>
+            </a:solidFill>
+          </a:ln>
+        </p:spPr>
+        <p:style>
+          <a:lnRef idx="1">
+            <a:schemeClr val="accent1"/>
+          </a:lnRef>
+          <a:fillRef idx="0">
+            <a:schemeClr val="accent1"/>
+          </a:fillRef>
+          <a:effectRef idx="0">
+            <a:schemeClr val="accent1"/>
+          </a:effectRef>
+          <a:fontRef idx="minor">
+            <a:schemeClr val="tx1"/>
+          </a:fontRef>
+        </p:style>
+      </p:cxnSp>
+      <p:cxnSp>
+        <p:nvCxnSpPr>
+          <p:cNvPr id="71" name="直接箭头连接符 70">
+            <a:extLst>
+              <a:ext uri="{FF2B5EF4-FFF2-40B4-BE49-F238E27FC236}">
+                <a16:creationId xmlns:a16="http://schemas.microsoft.com/office/drawing/2014/main" id="{3B42B79A-3F63-4A4C-960B-AA1D4378B6AE}"/>
+              </a:ext>
+            </a:extLst>
+          </p:cNvPr>
+          <p:cNvCxnSpPr>
+            <a:cxnSpLocks/>
+          </p:cNvCxnSpPr>
+          <p:nvPr/>
+        </p:nvCxnSpPr>
+        <p:spPr>
+          <a:xfrm flipV="1">
+            <a:off x="9357567" y="1916976"/>
             <a:ext cx="0" cy="360000"/>
           </a:xfrm>
           <a:prstGeom prst="straightConnector1">
@@ -4368,10 +4323,10 @@
       </p:cxnSp>
       <p:cxnSp>
         <p:nvCxnSpPr>
-          <p:cNvPr id="75" name="直接箭头连接符 74">
-            <a:extLst>
-              <a:ext uri="{FF2B5EF4-FFF2-40B4-BE49-F238E27FC236}">
-                <a16:creationId xmlns:a16="http://schemas.microsoft.com/office/drawing/2014/main" id="{AA94729F-DF28-4A21-8C68-B45CDBE03885}"/>
+          <p:cNvPr id="73" name="直接箭头连接符 72">
+            <a:extLst>
+              <a:ext uri="{FF2B5EF4-FFF2-40B4-BE49-F238E27FC236}">
+                <a16:creationId xmlns:a16="http://schemas.microsoft.com/office/drawing/2014/main" id="{2BCE464C-6739-4E5B-8534-117B3D8FDF56}"/>
               </a:ext>
             </a:extLst>
           </p:cNvPr>
@@ -4382,7 +4337,7 @@
         </p:nvCxnSpPr>
         <p:spPr>
           <a:xfrm>
-            <a:off x="8028474" y="2129249"/>
+            <a:off x="8638913" y="1872613"/>
             <a:ext cx="360000" cy="0"/>
           </a:xfrm>
           <a:prstGeom prst="straightConnector1">
@@ -4412,10 +4367,10 @@
       </p:cxnSp>
       <p:cxnSp>
         <p:nvCxnSpPr>
-          <p:cNvPr id="78" name="直接箭头连接符 77">
-            <a:extLst>
-              <a:ext uri="{FF2B5EF4-FFF2-40B4-BE49-F238E27FC236}">
-                <a16:creationId xmlns:a16="http://schemas.microsoft.com/office/drawing/2014/main" id="{B910196A-FC99-4935-8DA8-F60C258A679A}"/>
+          <p:cNvPr id="75" name="直接箭头连接符 74">
+            <a:extLst>
+              <a:ext uri="{FF2B5EF4-FFF2-40B4-BE49-F238E27FC236}">
+                <a16:creationId xmlns:a16="http://schemas.microsoft.com/office/drawing/2014/main" id="{AA94729F-DF28-4A21-8C68-B45CDBE03885}"/>
               </a:ext>
             </a:extLst>
           </p:cNvPr>
@@ -4425,8 +4380,96 @@
           <p:nvPr/>
         </p:nvCxnSpPr>
         <p:spPr>
-          <a:xfrm flipH="1">
-            <a:off x="7994886" y="3203413"/>
+          <a:xfrm>
+            <a:off x="8269143" y="1895653"/>
+            <a:ext cx="0" cy="360000"/>
+          </a:xfrm>
+          <a:prstGeom prst="straightConnector1">
+            <a:avLst/>
+          </a:prstGeom>
+          <a:ln w="38100">
+            <a:solidFill>
+              <a:srgbClr val="1E90FF"/>
+            </a:solidFill>
+            <a:tailEnd type="triangle"/>
+          </a:ln>
+        </p:spPr>
+        <p:style>
+          <a:lnRef idx="1">
+            <a:schemeClr val="accent1"/>
+          </a:lnRef>
+          <a:fillRef idx="0">
+            <a:schemeClr val="accent1"/>
+          </a:fillRef>
+          <a:effectRef idx="0">
+            <a:schemeClr val="accent1"/>
+          </a:effectRef>
+          <a:fontRef idx="minor">
+            <a:schemeClr val="tx1"/>
+          </a:fontRef>
+        </p:style>
+      </p:cxnSp>
+      <p:cxnSp>
+        <p:nvCxnSpPr>
+          <p:cNvPr id="78" name="直接箭头连接符 77">
+            <a:extLst>
+              <a:ext uri="{FF2B5EF4-FFF2-40B4-BE49-F238E27FC236}">
+                <a16:creationId xmlns:a16="http://schemas.microsoft.com/office/drawing/2014/main" id="{B910196A-FC99-4935-8DA8-F60C258A679A}"/>
+              </a:ext>
+            </a:extLst>
+          </p:cNvPr>
+          <p:cNvCxnSpPr>
+            <a:cxnSpLocks/>
+          </p:cNvCxnSpPr>
+          <p:nvPr/>
+        </p:nvCxnSpPr>
+        <p:spPr>
+          <a:xfrm flipV="1">
+            <a:off x="8289654" y="3037573"/>
+            <a:ext cx="0" cy="360000"/>
+          </a:xfrm>
+          <a:prstGeom prst="straightConnector1">
+            <a:avLst/>
+          </a:prstGeom>
+          <a:ln w="38100">
+            <a:solidFill>
+              <a:srgbClr val="1E90FF"/>
+            </a:solidFill>
+            <a:tailEnd type="triangle"/>
+          </a:ln>
+        </p:spPr>
+        <p:style>
+          <a:lnRef idx="1">
+            <a:schemeClr val="accent1"/>
+          </a:lnRef>
+          <a:fillRef idx="0">
+            <a:schemeClr val="accent1"/>
+          </a:fillRef>
+          <a:effectRef idx="0">
+            <a:schemeClr val="accent1"/>
+          </a:effectRef>
+          <a:fontRef idx="minor">
+            <a:schemeClr val="tx1"/>
+          </a:fontRef>
+        </p:style>
+      </p:cxnSp>
+      <p:cxnSp>
+        <p:nvCxnSpPr>
+          <p:cNvPr id="80" name="直接箭头连接符 79">
+            <a:extLst>
+              <a:ext uri="{FF2B5EF4-FFF2-40B4-BE49-F238E27FC236}">
+                <a16:creationId xmlns:a16="http://schemas.microsoft.com/office/drawing/2014/main" id="{9E5485F4-C94D-4B16-8B31-9A34D49D2A95}"/>
+              </a:ext>
+            </a:extLst>
+          </p:cNvPr>
+          <p:cNvCxnSpPr>
+            <a:cxnSpLocks/>
+          </p:cNvCxnSpPr>
+          <p:nvPr/>
+        </p:nvCxnSpPr>
+        <p:spPr>
+          <a:xfrm>
+            <a:off x="8638913" y="3429000"/>
             <a:ext cx="360000" cy="0"/>
           </a:xfrm>
           <a:prstGeom prst="straightConnector1">
@@ -4456,10 +4499,10 @@
       </p:cxnSp>
       <p:cxnSp>
         <p:nvCxnSpPr>
-          <p:cNvPr id="80" name="直接箭头连接符 79">
-            <a:extLst>
-              <a:ext uri="{FF2B5EF4-FFF2-40B4-BE49-F238E27FC236}">
-                <a16:creationId xmlns:a16="http://schemas.microsoft.com/office/drawing/2014/main" id="{9E5485F4-C94D-4B16-8B31-9A34D49D2A95}"/>
+          <p:cNvPr id="82" name="直接箭头连接符 81">
+            <a:extLst>
+              <a:ext uri="{FF2B5EF4-FFF2-40B4-BE49-F238E27FC236}">
+                <a16:creationId xmlns:a16="http://schemas.microsoft.com/office/drawing/2014/main" id="{69043853-43F9-4770-80F5-7A168E407CB8}"/>
               </a:ext>
             </a:extLst>
           </p:cNvPr>
@@ -4470,52 +4513,8 @@
         </p:nvCxnSpPr>
         <p:spPr>
           <a:xfrm>
-            <a:off x="8769887" y="3292367"/>
+            <a:off x="9361584" y="3030427"/>
             <a:ext cx="0" cy="360000"/>
-          </a:xfrm>
-          <a:prstGeom prst="straightConnector1">
-            <a:avLst/>
-          </a:prstGeom>
-          <a:ln w="38100">
-            <a:solidFill>
-              <a:srgbClr val="1E90FF"/>
-            </a:solidFill>
-            <a:tailEnd type="triangle"/>
-          </a:ln>
-        </p:spPr>
-        <p:style>
-          <a:lnRef idx="1">
-            <a:schemeClr val="accent1"/>
-          </a:lnRef>
-          <a:fillRef idx="0">
-            <a:schemeClr val="accent1"/>
-          </a:fillRef>
-          <a:effectRef idx="0">
-            <a:schemeClr val="accent1"/>
-          </a:effectRef>
-          <a:fontRef idx="minor">
-            <a:schemeClr val="tx1"/>
-          </a:fontRef>
-        </p:style>
-      </p:cxnSp>
-      <p:cxnSp>
-        <p:nvCxnSpPr>
-          <p:cNvPr id="82" name="直接箭头连接符 81">
-            <a:extLst>
-              <a:ext uri="{FF2B5EF4-FFF2-40B4-BE49-F238E27FC236}">
-                <a16:creationId xmlns:a16="http://schemas.microsoft.com/office/drawing/2014/main" id="{69043853-43F9-4770-80F5-7A168E407CB8}"/>
-              </a:ext>
-            </a:extLst>
-          </p:cNvPr>
-          <p:cNvCxnSpPr>
-            <a:cxnSpLocks/>
-          </p:cNvCxnSpPr>
-          <p:nvPr/>
-        </p:nvCxnSpPr>
-        <p:spPr>
-          <a:xfrm>
-            <a:off x="9238797" y="3150280"/>
-            <a:ext cx="360000" cy="0"/>
           </a:xfrm>
           <a:prstGeom prst="straightConnector1">
             <a:avLst/>
@@ -4842,8 +4841,8 @@
         </p:nvCxnSpPr>
         <p:spPr>
           <a:xfrm flipH="1">
-            <a:off x="8769617" y="2646948"/>
-            <a:ext cx="782052" cy="0"/>
+            <a:off x="8803803" y="2646947"/>
+            <a:ext cx="781200" cy="0"/>
           </a:xfrm>
           <a:prstGeom prst="line">
             <a:avLst/>
@@ -4912,8 +4911,8 @@
           </a:fontRef>
         </p:style>
       </p:cxnSp>
-      <mc:AlternateContent xmlns:mc="http://schemas.openxmlformats.org/markup-compatibility/2006" xmlns:a14="http://schemas.microsoft.com/office/drawing/2010/main">
-        <mc:Choice Requires="a14">
+      <mc:AlternateContent xmlns:mc="http://schemas.openxmlformats.org/markup-compatibility/2006">
+        <mc:Choice xmlns:a14="http://schemas.microsoft.com/office/drawing/2010/main" Requires="a14">
           <p:sp>
             <p:nvSpPr>
               <p:cNvPr id="95" name="文本框 94">
@@ -4928,7 +4927,7 @@
             </p:nvSpPr>
             <p:spPr>
               <a:xfrm>
-                <a:off x="9062013" y="2640932"/>
+                <a:off x="9056280" y="2664940"/>
                 <a:ext cx="223520" cy="276999"/>
               </a:xfrm>
               <a:prstGeom prst="rect">
@@ -4963,7 +4962,7 @@
             </p:txBody>
           </p:sp>
         </mc:Choice>
-        <mc:Fallback xmlns="">
+        <mc:Fallback>
           <p:sp>
             <p:nvSpPr>
               <p:cNvPr id="95" name="文本框 94">
@@ -4980,7 +4979,7 @@
             </p:nvSpPr>
             <p:spPr>
               <a:xfrm>
-                <a:off x="9062013" y="2640932"/>
+                <a:off x="9056280" y="2664940"/>
                 <a:ext cx="223520" cy="276999"/>
               </a:xfrm>
               <a:prstGeom prst="rect">
@@ -5153,8 +5152,8 @@
           </a:p>
         </p:txBody>
       </p:sp>
-      <mc:AlternateContent xmlns:mc="http://schemas.openxmlformats.org/markup-compatibility/2006">
-        <mc:Choice xmlns:a14="http://schemas.microsoft.com/office/drawing/2010/main" Requires="a14">
+      <mc:AlternateContent xmlns:mc="http://schemas.openxmlformats.org/markup-compatibility/2006" xmlns:a14="http://schemas.microsoft.com/office/drawing/2010/main">
+        <mc:Choice Requires="a14">
           <p:sp>
             <p:nvSpPr>
               <p:cNvPr id="103" name="文本框 102">
@@ -5216,7 +5215,7 @@
             </p:txBody>
           </p:sp>
         </mc:Choice>
-        <mc:Fallback>
+        <mc:Fallback xmlns="">
           <p:sp>
             <p:nvSpPr>
               <p:cNvPr id="103" name="文本框 102">
@@ -5261,8 +5260,8 @@
           </p:sp>
         </mc:Fallback>
       </mc:AlternateContent>
-      <mc:AlternateContent xmlns:mc="http://schemas.openxmlformats.org/markup-compatibility/2006">
-        <mc:Choice xmlns:a14="http://schemas.microsoft.com/office/drawing/2010/main" Requires="a14">
+      <mc:AlternateContent xmlns:mc="http://schemas.openxmlformats.org/markup-compatibility/2006" xmlns:a14="http://schemas.microsoft.com/office/drawing/2010/main">
+        <mc:Choice Requires="a14">
           <p:sp>
             <p:nvSpPr>
               <p:cNvPr id="105" name="文本框 104">
@@ -5324,7 +5323,7 @@
             </p:txBody>
           </p:sp>
         </mc:Choice>
-        <mc:Fallback>
+        <mc:Fallback xmlns="">
           <p:sp>
             <p:nvSpPr>
               <p:cNvPr id="105" name="文本框 104">
@@ -5369,8 +5368,8 @@
           </p:sp>
         </mc:Fallback>
       </mc:AlternateContent>
-      <mc:AlternateContent xmlns:mc="http://schemas.openxmlformats.org/markup-compatibility/2006">
-        <mc:Choice xmlns:a14="http://schemas.microsoft.com/office/drawing/2010/main" Requires="a14">
+      <mc:AlternateContent xmlns:mc="http://schemas.openxmlformats.org/markup-compatibility/2006" xmlns:a14="http://schemas.microsoft.com/office/drawing/2010/main">
+        <mc:Choice Requires="a14">
           <p:sp>
             <p:nvSpPr>
               <p:cNvPr id="107" name="文本框 106">
@@ -5432,7 +5431,7 @@
             </p:txBody>
           </p:sp>
         </mc:Choice>
-        <mc:Fallback>
+        <mc:Fallback xmlns="">
           <p:sp>
             <p:nvSpPr>
               <p:cNvPr id="107" name="文本框 106">
@@ -5477,8 +5476,8 @@
           </p:sp>
         </mc:Fallback>
       </mc:AlternateContent>
-      <mc:AlternateContent xmlns:mc="http://schemas.openxmlformats.org/markup-compatibility/2006">
-        <mc:Choice xmlns:a14="http://schemas.microsoft.com/office/drawing/2010/main" Requires="a14">
+      <mc:AlternateContent xmlns:mc="http://schemas.openxmlformats.org/markup-compatibility/2006" xmlns:a14="http://schemas.microsoft.com/office/drawing/2010/main">
+        <mc:Choice Requires="a14">
           <p:sp>
             <p:nvSpPr>
               <p:cNvPr id="2" name="文本框 1">
@@ -5507,6 +5506,7 @@
               </a:bodyPr>
               <a:lstStyle/>
               <a:p>
+                <a:pPr/>
                 <a14:m>
                   <m:oMathPara xmlns:m="http://schemas.openxmlformats.org/officeDocument/2006/math">
                     <m:oMathParaPr>
@@ -5555,7 +5555,7 @@
             </p:txBody>
           </p:sp>
         </mc:Choice>
-        <mc:Fallback>
+        <mc:Fallback xmlns="">
           <p:sp>
             <p:nvSpPr>
               <p:cNvPr id="2" name="文本框 1">
@@ -5600,8 +5600,8 @@
           </p:sp>
         </mc:Fallback>
       </mc:AlternateContent>
-      <mc:AlternateContent xmlns:mc="http://schemas.openxmlformats.org/markup-compatibility/2006">
-        <mc:Choice xmlns:a14="http://schemas.microsoft.com/office/drawing/2010/main" Requires="a14">
+      <mc:AlternateContent xmlns:mc="http://schemas.openxmlformats.org/markup-compatibility/2006" xmlns:a14="http://schemas.microsoft.com/office/drawing/2010/main">
+        <mc:Choice Requires="a14">
           <p:sp>
             <p:nvSpPr>
               <p:cNvPr id="40" name="文本框 39">
@@ -5679,7 +5679,7 @@
             </p:txBody>
           </p:sp>
         </mc:Choice>
-        <mc:Fallback>
+        <mc:Fallback xmlns="">
           <p:sp>
             <p:nvSpPr>
               <p:cNvPr id="40" name="文本框 39">
@@ -5724,8 +5724,8 @@
           </p:sp>
         </mc:Fallback>
       </mc:AlternateContent>
-      <mc:AlternateContent xmlns:mc="http://schemas.openxmlformats.org/markup-compatibility/2006">
-        <mc:Choice xmlns:a14="http://schemas.microsoft.com/office/drawing/2010/main" Requires="a14">
+      <mc:AlternateContent xmlns:mc="http://schemas.openxmlformats.org/markup-compatibility/2006" xmlns:a14="http://schemas.microsoft.com/office/drawing/2010/main">
+        <mc:Choice Requires="a14">
           <p:sp>
             <p:nvSpPr>
               <p:cNvPr id="43" name="文本框 42">
@@ -5803,7 +5803,7 @@
             </p:txBody>
           </p:sp>
         </mc:Choice>
-        <mc:Fallback>
+        <mc:Fallback xmlns="">
           <p:sp>
             <p:nvSpPr>
               <p:cNvPr id="43" name="文本框 42">
@@ -5848,8 +5848,8 @@
           </p:sp>
         </mc:Fallback>
       </mc:AlternateContent>
-      <mc:AlternateContent xmlns:mc="http://schemas.openxmlformats.org/markup-compatibility/2006">
-        <mc:Choice xmlns:a14="http://schemas.microsoft.com/office/drawing/2010/main" Requires="a14">
+      <mc:AlternateContent xmlns:mc="http://schemas.openxmlformats.org/markup-compatibility/2006" xmlns:a14="http://schemas.microsoft.com/office/drawing/2010/main">
+        <mc:Choice Requires="a14">
           <p:sp>
             <p:nvSpPr>
               <p:cNvPr id="9" name="文本框 8">
@@ -5878,6 +5878,7 @@
               </a:bodyPr>
               <a:lstStyle/>
               <a:p>
+                <a:pPr/>
                 <a14:m>
                   <m:oMathPara xmlns:m="http://schemas.openxmlformats.org/officeDocument/2006/math">
                     <m:oMathParaPr>
@@ -5931,7 +5932,7 @@
             </p:txBody>
           </p:sp>
         </mc:Choice>
-        <mc:Fallback>
+        <mc:Fallback xmlns="">
           <p:sp>
             <p:nvSpPr>
               <p:cNvPr id="9" name="文本框 8">
@@ -5976,8 +5977,8 @@
           </p:sp>
         </mc:Fallback>
       </mc:AlternateContent>
-      <mc:AlternateContent xmlns:mc="http://schemas.openxmlformats.org/markup-compatibility/2006">
-        <mc:Choice xmlns:a14="http://schemas.microsoft.com/office/drawing/2010/main" Requires="a14">
+      <mc:AlternateContent xmlns:mc="http://schemas.openxmlformats.org/markup-compatibility/2006" xmlns:a14="http://schemas.microsoft.com/office/drawing/2010/main">
+        <mc:Choice Requires="a14">
           <p:sp>
             <p:nvSpPr>
               <p:cNvPr id="45" name="文本框 44">
@@ -6050,13 +6051,7 @@
                         <a:rPr lang="en-US" altLang="zh-CN" sz="1600" b="0" i="1" smtClean="0">
                           <a:latin typeface="Cambria Math" panose="02040503050406030204" pitchFamily="18" charset="0"/>
                         </a:rPr>
-                        <m:t>&lt;</m:t>
-                      </m:r>
-                      <m:r>
-                        <a:rPr lang="en-US" altLang="zh-CN" sz="1600" b="0" i="1" smtClean="0">
-                          <a:latin typeface="Cambria Math" panose="02040503050406030204" pitchFamily="18" charset="0"/>
-                        </a:rPr>
-                        <m:t>0</m:t>
+                        <m:t>&lt;0</m:t>
                       </m:r>
                     </m:oMath>
                   </m:oMathPara>
@@ -6066,7 +6061,7 @@
             </p:txBody>
           </p:sp>
         </mc:Choice>
-        <mc:Fallback>
+        <mc:Fallback xmlns="">
           <p:sp>
             <p:nvSpPr>
               <p:cNvPr id="45" name="文本框 44">

--- a/iron/vortex.pptx
+++ b/iron/vortex.pptx
@@ -268,7 +268,7 @@
           <a:p>
             <a:fld id="{CA529C73-8E92-41D8-A60F-C4393BC11757}" type="datetimeFigureOut">
               <a:rPr lang="zh-CN" altLang="en-US" smtClean="0"/>
-              <a:t>2023/3/27</a:t>
+              <a:t>2023/3/28</a:t>
             </a:fld>
             <a:endParaRPr lang="zh-CN" altLang="en-US"/>
           </a:p>
@@ -466,7 +466,7 @@
           <a:p>
             <a:fld id="{CA529C73-8E92-41D8-A60F-C4393BC11757}" type="datetimeFigureOut">
               <a:rPr lang="zh-CN" altLang="en-US" smtClean="0"/>
-              <a:t>2023/3/27</a:t>
+              <a:t>2023/3/28</a:t>
             </a:fld>
             <a:endParaRPr lang="zh-CN" altLang="en-US"/>
           </a:p>
@@ -674,7 +674,7 @@
           <a:p>
             <a:fld id="{CA529C73-8E92-41D8-A60F-C4393BC11757}" type="datetimeFigureOut">
               <a:rPr lang="zh-CN" altLang="en-US" smtClean="0"/>
-              <a:t>2023/3/27</a:t>
+              <a:t>2023/3/28</a:t>
             </a:fld>
             <a:endParaRPr lang="zh-CN" altLang="en-US"/>
           </a:p>
@@ -872,7 +872,7 @@
           <a:p>
             <a:fld id="{CA529C73-8E92-41D8-A60F-C4393BC11757}" type="datetimeFigureOut">
               <a:rPr lang="zh-CN" altLang="en-US" smtClean="0"/>
-              <a:t>2023/3/27</a:t>
+              <a:t>2023/3/28</a:t>
             </a:fld>
             <a:endParaRPr lang="zh-CN" altLang="en-US"/>
           </a:p>
@@ -1147,7 +1147,7 @@
           <a:p>
             <a:fld id="{CA529C73-8E92-41D8-A60F-C4393BC11757}" type="datetimeFigureOut">
               <a:rPr lang="zh-CN" altLang="en-US" smtClean="0"/>
-              <a:t>2023/3/27</a:t>
+              <a:t>2023/3/28</a:t>
             </a:fld>
             <a:endParaRPr lang="zh-CN" altLang="en-US"/>
           </a:p>
@@ -1412,7 +1412,7 @@
           <a:p>
             <a:fld id="{CA529C73-8E92-41D8-A60F-C4393BC11757}" type="datetimeFigureOut">
               <a:rPr lang="zh-CN" altLang="en-US" smtClean="0"/>
-              <a:t>2023/3/27</a:t>
+              <a:t>2023/3/28</a:t>
             </a:fld>
             <a:endParaRPr lang="zh-CN" altLang="en-US"/>
           </a:p>
@@ -1824,7 +1824,7 @@
           <a:p>
             <a:fld id="{CA529C73-8E92-41D8-A60F-C4393BC11757}" type="datetimeFigureOut">
               <a:rPr lang="zh-CN" altLang="en-US" smtClean="0"/>
-              <a:t>2023/3/27</a:t>
+              <a:t>2023/3/28</a:t>
             </a:fld>
             <a:endParaRPr lang="zh-CN" altLang="en-US"/>
           </a:p>
@@ -1965,7 +1965,7 @@
           <a:p>
             <a:fld id="{CA529C73-8E92-41D8-A60F-C4393BC11757}" type="datetimeFigureOut">
               <a:rPr lang="zh-CN" altLang="en-US" smtClean="0"/>
-              <a:t>2023/3/27</a:t>
+              <a:t>2023/3/28</a:t>
             </a:fld>
             <a:endParaRPr lang="zh-CN" altLang="en-US"/>
           </a:p>
@@ -2078,7 +2078,7 @@
           <a:p>
             <a:fld id="{CA529C73-8E92-41D8-A60F-C4393BC11757}" type="datetimeFigureOut">
               <a:rPr lang="zh-CN" altLang="en-US" smtClean="0"/>
-              <a:t>2023/3/27</a:t>
+              <a:t>2023/3/28</a:t>
             </a:fld>
             <a:endParaRPr lang="zh-CN" altLang="en-US"/>
           </a:p>
@@ -2389,7 +2389,7 @@
           <a:p>
             <a:fld id="{CA529C73-8E92-41D8-A60F-C4393BC11757}" type="datetimeFigureOut">
               <a:rPr lang="zh-CN" altLang="en-US" smtClean="0"/>
-              <a:t>2023/3/27</a:t>
+              <a:t>2023/3/28</a:t>
             </a:fld>
             <a:endParaRPr lang="zh-CN" altLang="en-US"/>
           </a:p>
@@ -2677,7 +2677,7 @@
           <a:p>
             <a:fld id="{CA529C73-8E92-41D8-A60F-C4393BC11757}" type="datetimeFigureOut">
               <a:rPr lang="zh-CN" altLang="en-US" smtClean="0"/>
-              <a:t>2023/3/27</a:t>
+              <a:t>2023/3/28</a:t>
             </a:fld>
             <a:endParaRPr lang="zh-CN" altLang="en-US"/>
           </a:p>
@@ -2918,7 +2918,7 @@
           <a:p>
             <a:fld id="{CA529C73-8E92-41D8-A60F-C4393BC11757}" type="datetimeFigureOut">
               <a:rPr lang="zh-CN" altLang="en-US" smtClean="0"/>
-              <a:t>2023/3/27</a:t>
+              <a:t>2023/3/28</a:t>
             </a:fld>
             <a:endParaRPr lang="zh-CN" altLang="en-US"/>
           </a:p>
@@ -4911,8 +4911,8 @@
           </a:fontRef>
         </p:style>
       </p:cxnSp>
-      <mc:AlternateContent xmlns:mc="http://schemas.openxmlformats.org/markup-compatibility/2006">
-        <mc:Choice xmlns:a14="http://schemas.microsoft.com/office/drawing/2010/main" Requires="a14">
+      <mc:AlternateContent xmlns:mc="http://schemas.openxmlformats.org/markup-compatibility/2006" xmlns:a14="http://schemas.microsoft.com/office/drawing/2010/main">
+        <mc:Choice Requires="a14">
           <p:sp>
             <p:nvSpPr>
               <p:cNvPr id="95" name="文本框 94">
@@ -4962,7 +4962,7 @@
             </p:txBody>
           </p:sp>
         </mc:Choice>
-        <mc:Fallback>
+        <mc:Fallback xmlns="">
           <p:sp>
             <p:nvSpPr>
               <p:cNvPr id="95" name="文本框 94">
@@ -6106,6 +6106,507 @@
           </p:sp>
         </mc:Fallback>
       </mc:AlternateContent>
+      <p:cxnSp>
+        <p:nvCxnSpPr>
+          <p:cNvPr id="4" name="直接连接符 3">
+            <a:extLst>
+              <a:ext uri="{FF2B5EF4-FFF2-40B4-BE49-F238E27FC236}">
+                <a16:creationId xmlns:a16="http://schemas.microsoft.com/office/drawing/2014/main" id="{4F7E386F-251E-4211-8747-8FA655ABDA05}"/>
+              </a:ext>
+            </a:extLst>
+          </p:cNvPr>
+          <p:cNvCxnSpPr>
+            <a:cxnSpLocks/>
+          </p:cNvCxnSpPr>
+          <p:nvPr/>
+        </p:nvCxnSpPr>
+        <p:spPr>
+          <a:xfrm>
+            <a:off x="3330379" y="2643112"/>
+            <a:ext cx="2139511" cy="0"/>
+          </a:xfrm>
+          <a:prstGeom prst="line">
+            <a:avLst/>
+          </a:prstGeom>
+          <a:ln w="19050">
+            <a:solidFill>
+              <a:srgbClr val="FF0000"/>
+            </a:solidFill>
+          </a:ln>
+        </p:spPr>
+        <p:style>
+          <a:lnRef idx="1">
+            <a:schemeClr val="accent1"/>
+          </a:lnRef>
+          <a:fillRef idx="0">
+            <a:schemeClr val="accent1"/>
+          </a:fillRef>
+          <a:effectRef idx="0">
+            <a:schemeClr val="accent1"/>
+          </a:effectRef>
+          <a:fontRef idx="minor">
+            <a:schemeClr val="tx1"/>
+          </a:fontRef>
+        </p:style>
+      </p:cxnSp>
+      <mc:AlternateContent xmlns:mc="http://schemas.openxmlformats.org/markup-compatibility/2006">
+        <mc:Choice xmlns:a14="http://schemas.microsoft.com/office/drawing/2010/main" Requires="a14">
+          <p:sp>
+            <p:nvSpPr>
+              <p:cNvPr id="47" name="文本框 46">
+                <a:extLst>
+                  <a:ext uri="{FF2B5EF4-FFF2-40B4-BE49-F238E27FC236}">
+                    <a16:creationId xmlns:a16="http://schemas.microsoft.com/office/drawing/2014/main" id="{BA4E9B6B-57E3-4CEE-B231-9FD32E291581}"/>
+                  </a:ext>
+                </a:extLst>
+              </p:cNvPr>
+              <p:cNvSpPr txBox="1"/>
+              <p:nvPr/>
+            </p:nvSpPr>
+            <p:spPr>
+              <a:xfrm>
+                <a:off x="5033330" y="2258145"/>
+                <a:ext cx="436533" cy="369332"/>
+              </a:xfrm>
+              <a:prstGeom prst="rect">
+                <a:avLst/>
+              </a:prstGeom>
+              <a:noFill/>
+            </p:spPr>
+            <p:txBody>
+              <a:bodyPr wrap="square">
+                <a:spAutoFit/>
+              </a:bodyPr>
+              <a:lstStyle/>
+              <a:p>
+                <a:pPr/>
+                <a14:m>
+                  <m:oMathPara xmlns:m="http://schemas.openxmlformats.org/officeDocument/2006/math">
+                    <m:oMathParaPr>
+                      <m:jc m:val="centerGroup"/>
+                    </m:oMathParaPr>
+                    <m:oMath xmlns:m="http://schemas.openxmlformats.org/officeDocument/2006/math">
+                      <m:sSub>
+                        <m:sSubPr>
+                          <m:ctrlPr>
+                            <a:rPr lang="en-US" altLang="zh-CN" b="0" i="1" smtClean="0">
+                              <a:solidFill>
+                                <a:srgbClr val="FF0000"/>
+                              </a:solidFill>
+                              <a:latin typeface="Cambria Math" panose="02040503050406030204" pitchFamily="18" charset="0"/>
+                            </a:rPr>
+                          </m:ctrlPr>
+                        </m:sSubPr>
+                        <m:e>
+                          <m:r>
+                            <a:rPr lang="en-US" altLang="zh-CN" b="0" i="1" smtClean="0">
+                              <a:solidFill>
+                                <a:srgbClr val="FF0000"/>
+                              </a:solidFill>
+                              <a:latin typeface="Cambria Math" panose="02040503050406030204" pitchFamily="18" charset="0"/>
+                            </a:rPr>
+                            <m:t>𝜇</m:t>
+                          </m:r>
+                        </m:e>
+                        <m:sub>
+                          <m:r>
+                            <a:rPr lang="en-US" altLang="zh-CN" b="0" i="1" smtClean="0">
+                              <a:solidFill>
+                                <a:srgbClr val="FF0000"/>
+                              </a:solidFill>
+                              <a:latin typeface="Cambria Math" panose="02040503050406030204" pitchFamily="18" charset="0"/>
+                            </a:rPr>
+                            <m:t>0</m:t>
+                          </m:r>
+                        </m:sub>
+                      </m:sSub>
+                    </m:oMath>
+                  </m:oMathPara>
+                </a14:m>
+                <a:endParaRPr lang="zh-CN" altLang="en-US" dirty="0"/>
+              </a:p>
+            </p:txBody>
+          </p:sp>
+        </mc:Choice>
+        <mc:Fallback>
+          <p:sp>
+            <p:nvSpPr>
+              <p:cNvPr id="47" name="文本框 46">
+                <a:extLst>
+                  <a:ext uri="{FF2B5EF4-FFF2-40B4-BE49-F238E27FC236}">
+                    <a16:creationId xmlns:a16="http://schemas.microsoft.com/office/drawing/2014/main" id="{BA4E9B6B-57E3-4CEE-B231-9FD32E291581}"/>
+                  </a:ext>
+                </a:extLst>
+              </p:cNvPr>
+              <p:cNvSpPr txBox="1">
+                <a:spLocks noRot="1" noChangeAspect="1" noMove="1" noResize="1" noEditPoints="1" noAdjustHandles="1" noChangeArrowheads="1" noChangeShapeType="1" noTextEdit="1"/>
+              </p:cNvSpPr>
+              <p:nvPr/>
+            </p:nvSpPr>
+            <p:spPr>
+              <a:xfrm>
+                <a:off x="5033330" y="2258145"/>
+                <a:ext cx="436533" cy="369332"/>
+              </a:xfrm>
+              <a:prstGeom prst="rect">
+                <a:avLst/>
+              </a:prstGeom>
+              <a:blipFill>
+                <a:blip r:embed="rId17"/>
+                <a:stretch>
+                  <a:fillRect b="-3279"/>
+                </a:stretch>
+              </a:blipFill>
+            </p:spPr>
+            <p:txBody>
+              <a:bodyPr/>
+              <a:lstStyle/>
+              <a:p>
+                <a:r>
+                  <a:rPr lang="zh-CN" altLang="en-US">
+                    <a:noFill/>
+                  </a:rPr>
+                  <a:t> </a:t>
+                </a:r>
+              </a:p>
+            </p:txBody>
+          </p:sp>
+        </mc:Fallback>
+      </mc:AlternateContent>
+      <p:cxnSp>
+        <p:nvCxnSpPr>
+          <p:cNvPr id="48" name="直接连接符 47">
+            <a:extLst>
+              <a:ext uri="{FF2B5EF4-FFF2-40B4-BE49-F238E27FC236}">
+                <a16:creationId xmlns:a16="http://schemas.microsoft.com/office/drawing/2014/main" id="{5EB93865-51A9-4BB4-AC0D-0C375FAC6C05}"/>
+              </a:ext>
+            </a:extLst>
+          </p:cNvPr>
+          <p:cNvCxnSpPr>
+            <a:cxnSpLocks/>
+          </p:cNvCxnSpPr>
+          <p:nvPr/>
+        </p:nvCxnSpPr>
+        <p:spPr>
+          <a:xfrm>
+            <a:off x="3330379" y="2119240"/>
+            <a:ext cx="2139484" cy="0"/>
+          </a:xfrm>
+          <a:prstGeom prst="line">
+            <a:avLst/>
+          </a:prstGeom>
+          <a:ln w="19050">
+            <a:solidFill>
+              <a:srgbClr val="1E90FF"/>
+            </a:solidFill>
+          </a:ln>
+        </p:spPr>
+        <p:style>
+          <a:lnRef idx="1">
+            <a:schemeClr val="accent1"/>
+          </a:lnRef>
+          <a:fillRef idx="0">
+            <a:schemeClr val="accent1"/>
+          </a:fillRef>
+          <a:effectRef idx="0">
+            <a:schemeClr val="accent1"/>
+          </a:effectRef>
+          <a:fontRef idx="minor">
+            <a:schemeClr val="tx1"/>
+          </a:fontRef>
+        </p:style>
+      </p:cxnSp>
+      <mc:AlternateContent xmlns:mc="http://schemas.openxmlformats.org/markup-compatibility/2006">
+        <mc:Choice xmlns:a14="http://schemas.microsoft.com/office/drawing/2010/main" Requires="a14">
+          <p:sp>
+            <p:nvSpPr>
+              <p:cNvPr id="54" name="文本框 53">
+                <a:extLst>
+                  <a:ext uri="{FF2B5EF4-FFF2-40B4-BE49-F238E27FC236}">
+                    <a16:creationId xmlns:a16="http://schemas.microsoft.com/office/drawing/2014/main" id="{DF959B83-F078-4519-A8A9-F77F2C93ED01}"/>
+                  </a:ext>
+                </a:extLst>
+              </p:cNvPr>
+              <p:cNvSpPr txBox="1"/>
+              <p:nvPr/>
+            </p:nvSpPr>
+            <p:spPr>
+              <a:xfrm>
+                <a:off x="5157658" y="1751767"/>
+                <a:ext cx="514678" cy="369332"/>
+              </a:xfrm>
+              <a:prstGeom prst="rect">
+                <a:avLst/>
+              </a:prstGeom>
+              <a:noFill/>
+            </p:spPr>
+            <p:txBody>
+              <a:bodyPr wrap="square">
+                <a:spAutoFit/>
+              </a:bodyPr>
+              <a:lstStyle/>
+              <a:p>
+                <a:pPr/>
+                <a14:m>
+                  <m:oMathPara xmlns:m="http://schemas.openxmlformats.org/officeDocument/2006/math">
+                    <m:oMathParaPr>
+                      <m:jc m:val="centerGroup"/>
+                    </m:oMathParaPr>
+                    <m:oMath xmlns:m="http://schemas.openxmlformats.org/officeDocument/2006/math">
+                      <m:sSub>
+                        <m:sSubPr>
+                          <m:ctrlPr>
+                            <a:rPr lang="en-US" altLang="zh-CN" b="0" i="1" smtClean="0">
+                              <a:solidFill>
+                                <a:srgbClr val="1E90FF"/>
+                              </a:solidFill>
+                              <a:latin typeface="Cambria Math" panose="02040503050406030204" pitchFamily="18" charset="0"/>
+                            </a:rPr>
+                          </m:ctrlPr>
+                        </m:sSubPr>
+                        <m:e>
+                          <m:r>
+                            <a:rPr lang="en-US" altLang="zh-CN" b="0" i="1" smtClean="0">
+                              <a:solidFill>
+                                <a:srgbClr val="1E90FF"/>
+                              </a:solidFill>
+                              <a:latin typeface="Cambria Math" panose="02040503050406030204" pitchFamily="18" charset="0"/>
+                            </a:rPr>
+                            <m:t>𝜇</m:t>
+                          </m:r>
+                        </m:e>
+                        <m:sub>
+                          <m:r>
+                            <a:rPr lang="en-US" altLang="zh-CN" b="0" i="1" smtClean="0">
+                              <a:solidFill>
+                                <a:srgbClr val="1E90FF"/>
+                              </a:solidFill>
+                              <a:latin typeface="Cambria Math" panose="02040503050406030204" pitchFamily="18" charset="0"/>
+                            </a:rPr>
+                            <m:t>+</m:t>
+                          </m:r>
+                        </m:sub>
+                      </m:sSub>
+                    </m:oMath>
+                  </m:oMathPara>
+                </a14:m>
+                <a:endParaRPr lang="zh-CN" altLang="en-US" dirty="0"/>
+              </a:p>
+            </p:txBody>
+          </p:sp>
+        </mc:Choice>
+        <mc:Fallback>
+          <p:sp>
+            <p:nvSpPr>
+              <p:cNvPr id="54" name="文本框 53">
+                <a:extLst>
+                  <a:ext uri="{FF2B5EF4-FFF2-40B4-BE49-F238E27FC236}">
+                    <a16:creationId xmlns:a16="http://schemas.microsoft.com/office/drawing/2014/main" id="{DF959B83-F078-4519-A8A9-F77F2C93ED01}"/>
+                  </a:ext>
+                </a:extLst>
+              </p:cNvPr>
+              <p:cNvSpPr txBox="1">
+                <a:spLocks noRot="1" noChangeAspect="1" noMove="1" noResize="1" noEditPoints="1" noAdjustHandles="1" noChangeArrowheads="1" noChangeShapeType="1" noTextEdit="1"/>
+              </p:cNvSpPr>
+              <p:nvPr/>
+            </p:nvSpPr>
+            <p:spPr>
+              <a:xfrm>
+                <a:off x="5157658" y="1751767"/>
+                <a:ext cx="514678" cy="369332"/>
+              </a:xfrm>
+              <a:prstGeom prst="rect">
+                <a:avLst/>
+              </a:prstGeom>
+              <a:blipFill>
+                <a:blip r:embed="rId18"/>
+                <a:stretch>
+                  <a:fillRect b="-3279"/>
+                </a:stretch>
+              </a:blipFill>
+            </p:spPr>
+            <p:txBody>
+              <a:bodyPr/>
+              <a:lstStyle/>
+              <a:p>
+                <a:r>
+                  <a:rPr lang="zh-CN" altLang="en-US">
+                    <a:noFill/>
+                  </a:rPr>
+                  <a:t> </a:t>
+                </a:r>
+              </a:p>
+            </p:txBody>
+          </p:sp>
+        </mc:Fallback>
+      </mc:AlternateContent>
+      <p:cxnSp>
+        <p:nvCxnSpPr>
+          <p:cNvPr id="55" name="直接连接符 54">
+            <a:extLst>
+              <a:ext uri="{FF2B5EF4-FFF2-40B4-BE49-F238E27FC236}">
+                <a16:creationId xmlns:a16="http://schemas.microsoft.com/office/drawing/2014/main" id="{D76E5088-BE0E-4A0D-B7F8-69C93A72CCA8}"/>
+              </a:ext>
+            </a:extLst>
+          </p:cNvPr>
+          <p:cNvCxnSpPr>
+            <a:cxnSpLocks/>
+          </p:cNvCxnSpPr>
+          <p:nvPr/>
+        </p:nvCxnSpPr>
+        <p:spPr>
+          <a:xfrm>
+            <a:off x="3317773" y="3015748"/>
+            <a:ext cx="2139484" cy="0"/>
+          </a:xfrm>
+          <a:prstGeom prst="line">
+            <a:avLst/>
+          </a:prstGeom>
+          <a:ln w="19050">
+            <a:solidFill>
+              <a:srgbClr val="1E90FF"/>
+            </a:solidFill>
+          </a:ln>
+        </p:spPr>
+        <p:style>
+          <a:lnRef idx="1">
+            <a:schemeClr val="accent1"/>
+          </a:lnRef>
+          <a:fillRef idx="0">
+            <a:schemeClr val="accent1"/>
+          </a:fillRef>
+          <a:effectRef idx="0">
+            <a:schemeClr val="accent1"/>
+          </a:effectRef>
+          <a:fontRef idx="minor">
+            <a:schemeClr val="tx1"/>
+          </a:fontRef>
+        </p:style>
+      </p:cxnSp>
+      <mc:AlternateContent xmlns:mc="http://schemas.openxmlformats.org/markup-compatibility/2006">
+        <mc:Choice xmlns:a14="http://schemas.microsoft.com/office/drawing/2010/main" Requires="a14">
+          <p:sp>
+            <p:nvSpPr>
+              <p:cNvPr id="57" name="文本框 56">
+                <a:extLst>
+                  <a:ext uri="{FF2B5EF4-FFF2-40B4-BE49-F238E27FC236}">
+                    <a16:creationId xmlns:a16="http://schemas.microsoft.com/office/drawing/2014/main" id="{7C6C482B-8E2A-4E3E-9007-AB3ECCEE2461}"/>
+                  </a:ext>
+                </a:extLst>
+              </p:cNvPr>
+              <p:cNvSpPr txBox="1"/>
+              <p:nvPr/>
+            </p:nvSpPr>
+            <p:spPr>
+              <a:xfrm>
+                <a:off x="5240046" y="2941939"/>
+                <a:ext cx="321982" cy="369332"/>
+              </a:xfrm>
+              <a:prstGeom prst="rect">
+                <a:avLst/>
+              </a:prstGeom>
+              <a:noFill/>
+            </p:spPr>
+            <p:txBody>
+              <a:bodyPr wrap="square">
+                <a:spAutoFit/>
+              </a:bodyPr>
+              <a:lstStyle/>
+              <a:p>
+                <a:pPr/>
+                <a14:m>
+                  <m:oMathPara xmlns:m="http://schemas.openxmlformats.org/officeDocument/2006/math">
+                    <m:oMathParaPr>
+                      <m:jc m:val="centerGroup"/>
+                    </m:oMathParaPr>
+                    <m:oMath xmlns:m="http://schemas.openxmlformats.org/officeDocument/2006/math">
+                      <m:sSub>
+                        <m:sSubPr>
+                          <m:ctrlPr>
+                            <a:rPr lang="en-US" altLang="zh-CN" b="0" i="1" smtClean="0">
+                              <a:solidFill>
+                                <a:srgbClr val="1E90FF"/>
+                              </a:solidFill>
+                              <a:latin typeface="Cambria Math" panose="02040503050406030204" pitchFamily="18" charset="0"/>
+                            </a:rPr>
+                          </m:ctrlPr>
+                        </m:sSubPr>
+                        <m:e>
+                          <m:r>
+                            <a:rPr lang="en-US" altLang="zh-CN" b="0" i="1" smtClean="0">
+                              <a:solidFill>
+                                <a:srgbClr val="1E90FF"/>
+                              </a:solidFill>
+                              <a:latin typeface="Cambria Math" panose="02040503050406030204" pitchFamily="18" charset="0"/>
+                            </a:rPr>
+                            <m:t>𝜇</m:t>
+                          </m:r>
+                        </m:e>
+                        <m:sub>
+                          <m:r>
+                            <a:rPr lang="en-US" altLang="zh-CN" b="0" i="1" smtClean="0">
+                              <a:solidFill>
+                                <a:srgbClr val="1E90FF"/>
+                              </a:solidFill>
+                              <a:latin typeface="Cambria Math" panose="02040503050406030204" pitchFamily="18" charset="0"/>
+                            </a:rPr>
+                            <m:t>−</m:t>
+                          </m:r>
+                        </m:sub>
+                      </m:sSub>
+                    </m:oMath>
+                  </m:oMathPara>
+                </a14:m>
+                <a:endParaRPr lang="zh-CN" altLang="en-US" dirty="0"/>
+              </a:p>
+            </p:txBody>
+          </p:sp>
+        </mc:Choice>
+        <mc:Fallback>
+          <p:sp>
+            <p:nvSpPr>
+              <p:cNvPr id="57" name="文本框 56">
+                <a:extLst>
+                  <a:ext uri="{FF2B5EF4-FFF2-40B4-BE49-F238E27FC236}">
+                    <a16:creationId xmlns:a16="http://schemas.microsoft.com/office/drawing/2014/main" id="{7C6C482B-8E2A-4E3E-9007-AB3ECCEE2461}"/>
+                  </a:ext>
+                </a:extLst>
+              </p:cNvPr>
+              <p:cNvSpPr txBox="1">
+                <a:spLocks noRot="1" noChangeAspect="1" noMove="1" noResize="1" noEditPoints="1" noAdjustHandles="1" noChangeArrowheads="1" noChangeShapeType="1" noTextEdit="1"/>
+              </p:cNvSpPr>
+              <p:nvPr/>
+            </p:nvSpPr>
+            <p:spPr>
+              <a:xfrm>
+                <a:off x="5240046" y="2941939"/>
+                <a:ext cx="321982" cy="369332"/>
+              </a:xfrm>
+              <a:prstGeom prst="rect">
+                <a:avLst/>
+              </a:prstGeom>
+              <a:blipFill>
+                <a:blip r:embed="rId19"/>
+                <a:stretch>
+                  <a:fillRect r="-17308" b="-5000"/>
+                </a:stretch>
+              </a:blipFill>
+            </p:spPr>
+            <p:txBody>
+              <a:bodyPr/>
+              <a:lstStyle/>
+              <a:p>
+                <a:r>
+                  <a:rPr lang="zh-CN" altLang="en-US">
+                    <a:noFill/>
+                  </a:rPr>
+                  <a:t> </a:t>
+                </a:r>
+              </a:p>
+            </p:txBody>
+          </p:sp>
+        </mc:Fallback>
+      </mc:AlternateContent>
     </p:spTree>
     <p:extLst>
       <p:ext uri="{BB962C8B-B14F-4D97-AF65-F5344CB8AC3E}">

--- a/iron/vortex.pptx
+++ b/iron/vortex.pptx
@@ -6,6 +6,7 @@
   </p:sldMasterIdLst>
   <p:sldIdLst>
     <p:sldId id="257" r:id="rId2"/>
+    <p:sldId id="258" r:id="rId3"/>
   </p:sldIdLst>
   <p:sldSz cx="12192000" cy="6858000"/>
   <p:notesSz cx="6858000" cy="9144000"/>
@@ -110,6 +111,7 @@
         <p14:section name="默认节" id="{EAC5D1A9-FBE6-4D48-87E0-B57D135D21EC}">
           <p14:sldIdLst>
             <p14:sldId id="257"/>
+            <p14:sldId id="258"/>
           </p14:sldIdLst>
         </p14:section>
       </p14:sectionLst>
@@ -268,7 +270,7 @@
           <a:p>
             <a:fld id="{CA529C73-8E92-41D8-A60F-C4393BC11757}" type="datetimeFigureOut">
               <a:rPr lang="zh-CN" altLang="en-US" smtClean="0"/>
-              <a:t>2023/3/28</a:t>
+              <a:t>2023/4/18</a:t>
             </a:fld>
             <a:endParaRPr lang="zh-CN" altLang="en-US"/>
           </a:p>
@@ -466,7 +468,7 @@
           <a:p>
             <a:fld id="{CA529C73-8E92-41D8-A60F-C4393BC11757}" type="datetimeFigureOut">
               <a:rPr lang="zh-CN" altLang="en-US" smtClean="0"/>
-              <a:t>2023/3/28</a:t>
+              <a:t>2023/4/18</a:t>
             </a:fld>
             <a:endParaRPr lang="zh-CN" altLang="en-US"/>
           </a:p>
@@ -674,7 +676,7 @@
           <a:p>
             <a:fld id="{CA529C73-8E92-41D8-A60F-C4393BC11757}" type="datetimeFigureOut">
               <a:rPr lang="zh-CN" altLang="en-US" smtClean="0"/>
-              <a:t>2023/3/28</a:t>
+              <a:t>2023/4/18</a:t>
             </a:fld>
             <a:endParaRPr lang="zh-CN" altLang="en-US"/>
           </a:p>
@@ -872,7 +874,7 @@
           <a:p>
             <a:fld id="{CA529C73-8E92-41D8-A60F-C4393BC11757}" type="datetimeFigureOut">
               <a:rPr lang="zh-CN" altLang="en-US" smtClean="0"/>
-              <a:t>2023/3/28</a:t>
+              <a:t>2023/4/18</a:t>
             </a:fld>
             <a:endParaRPr lang="zh-CN" altLang="en-US"/>
           </a:p>
@@ -1147,7 +1149,7 @@
           <a:p>
             <a:fld id="{CA529C73-8E92-41D8-A60F-C4393BC11757}" type="datetimeFigureOut">
               <a:rPr lang="zh-CN" altLang="en-US" smtClean="0"/>
-              <a:t>2023/3/28</a:t>
+              <a:t>2023/4/18</a:t>
             </a:fld>
             <a:endParaRPr lang="zh-CN" altLang="en-US"/>
           </a:p>
@@ -1412,7 +1414,7 @@
           <a:p>
             <a:fld id="{CA529C73-8E92-41D8-A60F-C4393BC11757}" type="datetimeFigureOut">
               <a:rPr lang="zh-CN" altLang="en-US" smtClean="0"/>
-              <a:t>2023/3/28</a:t>
+              <a:t>2023/4/18</a:t>
             </a:fld>
             <a:endParaRPr lang="zh-CN" altLang="en-US"/>
           </a:p>
@@ -1824,7 +1826,7 @@
           <a:p>
             <a:fld id="{CA529C73-8E92-41D8-A60F-C4393BC11757}" type="datetimeFigureOut">
               <a:rPr lang="zh-CN" altLang="en-US" smtClean="0"/>
-              <a:t>2023/3/28</a:t>
+              <a:t>2023/4/18</a:t>
             </a:fld>
             <a:endParaRPr lang="zh-CN" altLang="en-US"/>
           </a:p>
@@ -1965,7 +1967,7 @@
           <a:p>
             <a:fld id="{CA529C73-8E92-41D8-A60F-C4393BC11757}" type="datetimeFigureOut">
               <a:rPr lang="zh-CN" altLang="en-US" smtClean="0"/>
-              <a:t>2023/3/28</a:t>
+              <a:t>2023/4/18</a:t>
             </a:fld>
             <a:endParaRPr lang="zh-CN" altLang="en-US"/>
           </a:p>
@@ -2078,7 +2080,7 @@
           <a:p>
             <a:fld id="{CA529C73-8E92-41D8-A60F-C4393BC11757}" type="datetimeFigureOut">
               <a:rPr lang="zh-CN" altLang="en-US" smtClean="0"/>
-              <a:t>2023/3/28</a:t>
+              <a:t>2023/4/18</a:t>
             </a:fld>
             <a:endParaRPr lang="zh-CN" altLang="en-US"/>
           </a:p>
@@ -2389,7 +2391,7 @@
           <a:p>
             <a:fld id="{CA529C73-8E92-41D8-A60F-C4393BC11757}" type="datetimeFigureOut">
               <a:rPr lang="zh-CN" altLang="en-US" smtClean="0"/>
-              <a:t>2023/3/28</a:t>
+              <a:t>2023/4/18</a:t>
             </a:fld>
             <a:endParaRPr lang="zh-CN" altLang="en-US"/>
           </a:p>
@@ -2677,7 +2679,7 @@
           <a:p>
             <a:fld id="{CA529C73-8E92-41D8-A60F-C4393BC11757}" type="datetimeFigureOut">
               <a:rPr lang="zh-CN" altLang="en-US" smtClean="0"/>
-              <a:t>2023/3/28</a:t>
+              <a:t>2023/4/18</a:t>
             </a:fld>
             <a:endParaRPr lang="zh-CN" altLang="en-US"/>
           </a:p>
@@ -2918,7 +2920,7 @@
           <a:p>
             <a:fld id="{CA529C73-8E92-41D8-A60F-C4393BC11757}" type="datetimeFigureOut">
               <a:rPr lang="zh-CN" altLang="en-US" smtClean="0"/>
-              <a:t>2023/3/28</a:t>
+              <a:t>2023/4/18</a:t>
             </a:fld>
             <a:endParaRPr lang="zh-CN" altLang="en-US"/>
           </a:p>
@@ -6149,8 +6151,8 @@
           </a:fontRef>
         </p:style>
       </p:cxnSp>
-      <mc:AlternateContent xmlns:mc="http://schemas.openxmlformats.org/markup-compatibility/2006">
-        <mc:Choice xmlns:a14="http://schemas.microsoft.com/office/drawing/2010/main" Requires="a14">
+      <mc:AlternateContent xmlns:mc="http://schemas.openxmlformats.org/markup-compatibility/2006" xmlns:a14="http://schemas.microsoft.com/office/drawing/2010/main">
+        <mc:Choice Requires="a14">
           <p:sp>
             <p:nvSpPr>
               <p:cNvPr id="47" name="文本框 46">
@@ -6228,7 +6230,7 @@
             </p:txBody>
           </p:sp>
         </mc:Choice>
-        <mc:Fallback>
+        <mc:Fallback xmlns="">
           <p:sp>
             <p:nvSpPr>
               <p:cNvPr id="47" name="文本框 46">
@@ -6316,8 +6318,8 @@
           </a:fontRef>
         </p:style>
       </p:cxnSp>
-      <mc:AlternateContent xmlns:mc="http://schemas.openxmlformats.org/markup-compatibility/2006">
-        <mc:Choice xmlns:a14="http://schemas.microsoft.com/office/drawing/2010/main" Requires="a14">
+      <mc:AlternateContent xmlns:mc="http://schemas.openxmlformats.org/markup-compatibility/2006" xmlns:a14="http://schemas.microsoft.com/office/drawing/2010/main">
+        <mc:Choice Requires="a14">
           <p:sp>
             <p:nvSpPr>
               <p:cNvPr id="54" name="文本框 53">
@@ -6395,7 +6397,7 @@
             </p:txBody>
           </p:sp>
         </mc:Choice>
-        <mc:Fallback>
+        <mc:Fallback xmlns="">
           <p:sp>
             <p:nvSpPr>
               <p:cNvPr id="54" name="文本框 53">
@@ -6483,8 +6485,8 @@
           </a:fontRef>
         </p:style>
       </p:cxnSp>
-      <mc:AlternateContent xmlns:mc="http://schemas.openxmlformats.org/markup-compatibility/2006">
-        <mc:Choice xmlns:a14="http://schemas.microsoft.com/office/drawing/2010/main" Requires="a14">
+      <mc:AlternateContent xmlns:mc="http://schemas.openxmlformats.org/markup-compatibility/2006" xmlns:a14="http://schemas.microsoft.com/office/drawing/2010/main">
+        <mc:Choice Requires="a14">
           <p:sp>
             <p:nvSpPr>
               <p:cNvPr id="57" name="文本框 56">
@@ -6562,7 +6564,7 @@
             </p:txBody>
           </p:sp>
         </mc:Choice>
-        <mc:Fallback>
+        <mc:Fallback xmlns="">
           <p:sp>
             <p:nvSpPr>
               <p:cNvPr id="57" name="文本框 56">
@@ -6611,6 +6613,273 @@
     <p:extLst>
       <p:ext uri="{BB962C8B-B14F-4D97-AF65-F5344CB8AC3E}">
         <p14:creationId xmlns:p14="http://schemas.microsoft.com/office/powerpoint/2010/main" val="726691897"/>
+      </p:ext>
+    </p:extLst>
+  </p:cSld>
+  <p:clrMapOvr>
+    <a:masterClrMapping/>
+  </p:clrMapOvr>
+</p:sld>
+</file>
+
+<file path=ppt/slides/slide2.xml><?xml version="1.0" encoding="utf-8"?>
+<p:sld xmlns:a="http://schemas.openxmlformats.org/drawingml/2006/main" xmlns:r="http://schemas.openxmlformats.org/officeDocument/2006/relationships" xmlns:p="http://schemas.openxmlformats.org/presentationml/2006/main">
+  <p:cSld>
+    <p:spTree>
+      <p:nvGrpSpPr>
+        <p:cNvPr id="1" name=""/>
+        <p:cNvGrpSpPr/>
+        <p:nvPr/>
+      </p:nvGrpSpPr>
+      <p:grpSpPr>
+        <a:xfrm>
+          <a:off x="0" y="0"/>
+          <a:ext cx="0" cy="0"/>
+          <a:chOff x="0" y="0"/>
+          <a:chExt cx="0" cy="0"/>
+        </a:xfrm>
+      </p:grpSpPr>
+      <p:pic>
+        <p:nvPicPr>
+          <p:cNvPr id="5" name="图片 4">
+            <a:extLst>
+              <a:ext uri="{FF2B5EF4-FFF2-40B4-BE49-F238E27FC236}">
+                <a16:creationId xmlns:a16="http://schemas.microsoft.com/office/drawing/2014/main" id="{D34A4FCE-96D5-499A-AC05-740BF61A9F2B}"/>
+              </a:ext>
+            </a:extLst>
+          </p:cNvPr>
+          <p:cNvPicPr>
+            <a:picLocks noChangeAspect="1"/>
+          </p:cNvPicPr>
+          <p:nvPr/>
+        </p:nvPicPr>
+        <p:blipFill>
+          <a:blip r:embed="rId2"/>
+          <a:stretch>
+            <a:fillRect/>
+          </a:stretch>
+        </p:blipFill>
+        <p:spPr>
+          <a:xfrm>
+            <a:off x="3208517" y="772023"/>
+            <a:ext cx="4253952" cy="2656977"/>
+          </a:xfrm>
+          <a:prstGeom prst="rect">
+            <a:avLst/>
+          </a:prstGeom>
+        </p:spPr>
+      </p:pic>
+      <mc:AlternateContent xmlns:mc="http://schemas.openxmlformats.org/markup-compatibility/2006">
+        <mc:Choice xmlns:a14="http://schemas.microsoft.com/office/drawing/2010/main" Requires="a14">
+          <p:sp>
+            <p:nvSpPr>
+              <p:cNvPr id="6" name="文本框 5">
+                <a:extLst>
+                  <a:ext uri="{FF2B5EF4-FFF2-40B4-BE49-F238E27FC236}">
+                    <a16:creationId xmlns:a16="http://schemas.microsoft.com/office/drawing/2014/main" id="{C0CF0A11-4F2D-4A7C-AD95-7F5380748218}"/>
+                  </a:ext>
+                </a:extLst>
+              </p:cNvPr>
+              <p:cNvSpPr txBox="1"/>
+              <p:nvPr/>
+            </p:nvSpPr>
+            <p:spPr>
+              <a:xfrm>
+                <a:off x="4180461" y="3338763"/>
+                <a:ext cx="2225842" cy="276999"/>
+              </a:xfrm>
+              <a:prstGeom prst="rect">
+                <a:avLst/>
+              </a:prstGeom>
+              <a:noFill/>
+            </p:spPr>
+            <p:txBody>
+              <a:bodyPr wrap="square" rtlCol="0">
+                <a:spAutoFit/>
+              </a:bodyPr>
+              <a:lstStyle/>
+              <a:p>
+                <a14:m>
+                  <m:oMathPara xmlns:m="http://schemas.openxmlformats.org/officeDocument/2006/math">
+                    <m:oMathParaPr>
+                      <m:jc m:val="centerGroup"/>
+                    </m:oMathParaPr>
+                    <m:oMath xmlns:m="http://schemas.openxmlformats.org/officeDocument/2006/math">
+                      <m:r>
+                        <m:rPr>
+                          <m:sty m:val="p"/>
+                        </m:rPr>
+                        <a:rPr lang="en-US" altLang="zh-CN" sz="1200" b="0" i="0" smtClean="0">
+                          <a:latin typeface="Cambria Math" panose="02040503050406030204" pitchFamily="18" charset="0"/>
+                        </a:rPr>
+                        <m:t>Δ</m:t>
+                      </m:r>
+                      <m:r>
+                        <a:rPr lang="en-US" altLang="zh-CN" sz="1200" b="0" i="1" smtClean="0">
+                          <a:latin typeface="Cambria Math" panose="02040503050406030204" pitchFamily="18" charset="0"/>
+                        </a:rPr>
+                        <m:t>𝑘</m:t>
+                      </m:r>
+                      <m:r>
+                        <a:rPr lang="en-US" altLang="zh-CN" sz="1200" b="0" i="1" smtClean="0">
+                          <a:latin typeface="Cambria Math" panose="02040503050406030204" pitchFamily="18" charset="0"/>
+                        </a:rPr>
+                        <m:t>=</m:t>
+                      </m:r>
+                      <m:sSub>
+                        <m:sSubPr>
+                          <m:ctrlPr>
+                            <a:rPr lang="en-US" altLang="zh-CN" sz="1200" b="0" i="1" smtClean="0">
+                              <a:latin typeface="Cambria Math" panose="02040503050406030204" pitchFamily="18" charset="0"/>
+                            </a:rPr>
+                          </m:ctrlPr>
+                        </m:sSubPr>
+                        <m:e>
+                          <m:r>
+                            <a:rPr lang="en-US" altLang="zh-CN" sz="1200" b="0" i="1" smtClean="0">
+                              <a:latin typeface="Cambria Math" panose="02040503050406030204" pitchFamily="18" charset="0"/>
+                            </a:rPr>
+                            <m:t>𝑘</m:t>
+                          </m:r>
+                        </m:e>
+                        <m:sub>
+                          <m:r>
+                            <a:rPr lang="en-US" altLang="zh-CN" sz="1200" b="0" i="1" smtClean="0">
+                              <a:latin typeface="Cambria Math" panose="02040503050406030204" pitchFamily="18" charset="0"/>
+                            </a:rPr>
+                            <m:t>−</m:t>
+                          </m:r>
+                        </m:sub>
+                      </m:sSub>
+                      <m:r>
+                        <a:rPr lang="en-US" altLang="zh-CN" sz="1200" b="0" i="1" smtClean="0">
+                          <a:latin typeface="Cambria Math" panose="02040503050406030204" pitchFamily="18" charset="0"/>
+                        </a:rPr>
+                        <m:t>−</m:t>
+                      </m:r>
+                      <m:sSub>
+                        <m:sSubPr>
+                          <m:ctrlPr>
+                            <a:rPr lang="en-US" altLang="zh-CN" sz="1200" b="0" i="1" smtClean="0">
+                              <a:latin typeface="Cambria Math" panose="02040503050406030204" pitchFamily="18" charset="0"/>
+                            </a:rPr>
+                          </m:ctrlPr>
+                        </m:sSubPr>
+                        <m:e>
+                          <m:r>
+                            <a:rPr lang="en-US" altLang="zh-CN" sz="1200" b="0" i="1" smtClean="0">
+                              <a:latin typeface="Cambria Math" panose="02040503050406030204" pitchFamily="18" charset="0"/>
+                            </a:rPr>
+                            <m:t>𝑘</m:t>
+                          </m:r>
+                        </m:e>
+                        <m:sub>
+                          <m:r>
+                            <a:rPr lang="en-US" altLang="zh-CN" sz="1200" b="0" i="1" smtClean="0">
+                              <a:latin typeface="Cambria Math" panose="02040503050406030204" pitchFamily="18" charset="0"/>
+                            </a:rPr>
+                            <m:t>0</m:t>
+                          </m:r>
+                        </m:sub>
+                      </m:sSub>
+                    </m:oMath>
+                  </m:oMathPara>
+                </a14:m>
+                <a:endParaRPr lang="zh-CN" altLang="en-US" sz="1200" dirty="0"/>
+              </a:p>
+            </p:txBody>
+          </p:sp>
+        </mc:Choice>
+        <mc:Fallback>
+          <p:sp>
+            <p:nvSpPr>
+              <p:cNvPr id="6" name="文本框 5">
+                <a:extLst>
+                  <a:ext uri="{FF2B5EF4-FFF2-40B4-BE49-F238E27FC236}">
+                    <a16:creationId xmlns:a16="http://schemas.microsoft.com/office/drawing/2014/main" id="{C0CF0A11-4F2D-4A7C-AD95-7F5380748218}"/>
+                  </a:ext>
+                </a:extLst>
+              </p:cNvPr>
+              <p:cNvSpPr txBox="1">
+                <a:spLocks noRot="1" noChangeAspect="1" noMove="1" noResize="1" noEditPoints="1" noAdjustHandles="1" noChangeArrowheads="1" noChangeShapeType="1" noTextEdit="1"/>
+              </p:cNvSpPr>
+              <p:nvPr/>
+            </p:nvSpPr>
+            <p:spPr>
+              <a:xfrm>
+                <a:off x="4180461" y="3338763"/>
+                <a:ext cx="2225842" cy="276999"/>
+              </a:xfrm>
+              <a:prstGeom prst="rect">
+                <a:avLst/>
+              </a:prstGeom>
+              <a:blipFill>
+                <a:blip r:embed="rId3"/>
+                <a:stretch>
+                  <a:fillRect/>
+                </a:stretch>
+              </a:blipFill>
+            </p:spPr>
+            <p:txBody>
+              <a:bodyPr/>
+              <a:lstStyle/>
+              <a:p>
+                <a:r>
+                  <a:rPr lang="zh-CN" altLang="en-US">
+                    <a:noFill/>
+                  </a:rPr>
+                  <a:t> </a:t>
+                </a:r>
+              </a:p>
+            </p:txBody>
+          </p:sp>
+        </mc:Fallback>
+      </mc:AlternateContent>
+      <p:sp>
+        <p:nvSpPr>
+          <p:cNvPr id="7" name="文本框 6">
+            <a:extLst>
+              <a:ext uri="{FF2B5EF4-FFF2-40B4-BE49-F238E27FC236}">
+                <a16:creationId xmlns:a16="http://schemas.microsoft.com/office/drawing/2014/main" id="{1D38A573-F7B1-431E-92E1-6F07F0504CF4}"/>
+              </a:ext>
+            </a:extLst>
+          </p:cNvPr>
+          <p:cNvSpPr txBox="1"/>
+          <p:nvPr/>
+        </p:nvSpPr>
+        <p:spPr>
+          <a:xfrm>
+            <a:off x="2976002" y="1672388"/>
+            <a:ext cx="232515" cy="307777"/>
+          </a:xfrm>
+          <a:prstGeom prst="rect">
+            <a:avLst/>
+          </a:prstGeom>
+          <a:noFill/>
+        </p:spPr>
+        <p:txBody>
+          <a:bodyPr wrap="square" rtlCol="0">
+            <a:spAutoFit/>
+          </a:bodyPr>
+          <a:lstStyle/>
+          <a:p>
+            <a:r>
+              <a:rPr lang="en-US" altLang="zh-CN" sz="1400" dirty="0">
+                <a:latin typeface="Cambria" panose="02040503050406030204" pitchFamily="18" charset="0"/>
+                <a:ea typeface="Cambria" panose="02040503050406030204" pitchFamily="18" charset="0"/>
+              </a:rPr>
+              <a:t>I</a:t>
+            </a:r>
+            <a:endParaRPr lang="zh-CN" altLang="en-US" sz="1400" dirty="0">
+              <a:latin typeface="Cambria" panose="02040503050406030204" pitchFamily="18" charset="0"/>
+            </a:endParaRPr>
+          </a:p>
+        </p:txBody>
+      </p:sp>
+    </p:spTree>
+    <p:extLst>
+      <p:ext uri="{BB962C8B-B14F-4D97-AF65-F5344CB8AC3E}">
+        <p14:creationId xmlns:p14="http://schemas.microsoft.com/office/powerpoint/2010/main" val="3188178527"/>
       </p:ext>
     </p:extLst>
   </p:cSld>
